--- a/huggingface 勉強会資料.pptx
+++ b/huggingface 勉強会資料.pptx
@@ -6,7 +6,7 @@
     <p:sldMasterId id="2147483660" r:id="rId2"/>
   </p:sldMasterIdLst>
   <p:notesMasterIdLst>
-    <p:notesMasterId r:id="rId21"/>
+    <p:notesMasterId r:id="rId22"/>
   </p:notesMasterIdLst>
   <p:sldIdLst>
     <p:sldId id="256" r:id="rId3"/>
@@ -14,19 +14,20 @@
     <p:sldId id="266" r:id="rId5"/>
     <p:sldId id="264" r:id="rId6"/>
     <p:sldId id="274" r:id="rId7"/>
-    <p:sldId id="263" r:id="rId8"/>
-    <p:sldId id="259" r:id="rId9"/>
-    <p:sldId id="270" r:id="rId10"/>
-    <p:sldId id="261" r:id="rId11"/>
-    <p:sldId id="267" r:id="rId12"/>
-    <p:sldId id="269" r:id="rId13"/>
-    <p:sldId id="275" r:id="rId14"/>
-    <p:sldId id="260" r:id="rId15"/>
-    <p:sldId id="271" r:id="rId16"/>
-    <p:sldId id="272" r:id="rId17"/>
-    <p:sldId id="277" r:id="rId18"/>
-    <p:sldId id="276" r:id="rId19"/>
-    <p:sldId id="268" r:id="rId20"/>
+    <p:sldId id="278" r:id="rId8"/>
+    <p:sldId id="263" r:id="rId9"/>
+    <p:sldId id="259" r:id="rId10"/>
+    <p:sldId id="270" r:id="rId11"/>
+    <p:sldId id="261" r:id="rId12"/>
+    <p:sldId id="267" r:id="rId13"/>
+    <p:sldId id="269" r:id="rId14"/>
+    <p:sldId id="275" r:id="rId15"/>
+    <p:sldId id="260" r:id="rId16"/>
+    <p:sldId id="271" r:id="rId17"/>
+    <p:sldId id="272" r:id="rId18"/>
+    <p:sldId id="277" r:id="rId19"/>
+    <p:sldId id="276" r:id="rId20"/>
+    <p:sldId id="268" r:id="rId21"/>
   </p:sldIdLst>
   <p:sldSz cx="12192000" cy="6858000"/>
   <p:notesSz cx="6858000" cy="9144000"/>
@@ -582,7 +583,7 @@
           <a:p>
             <a:fld id="{419B1AA1-804D-A640-95CF-0E0CB27216D0}" type="slidenum">
               <a:rPr kumimoji="1" lang="ja-JP" altLang="en-US" smtClean="0"/>
-              <a:t>10</a:t>
+              <a:t>11</a:t>
             </a:fld>
             <a:endParaRPr kumimoji="1" lang="ja-JP" altLang="en-US"/>
           </a:p>
@@ -666,7 +667,7 @@
           <a:p>
             <a:fld id="{419B1AA1-804D-A640-95CF-0E0CB27216D0}" type="slidenum">
               <a:rPr kumimoji="1" lang="ja-JP" altLang="en-US" smtClean="0"/>
-              <a:t>11</a:t>
+              <a:t>12</a:t>
             </a:fld>
             <a:endParaRPr kumimoji="1" lang="ja-JP" altLang="en-US"/>
           </a:p>
@@ -10989,7 +10990,7 @@
           <p:cNvPr id="2" name="タイトル 1">
             <a:extLst>
               <a:ext uri="{FF2B5EF4-FFF2-40B4-BE49-F238E27FC236}">
-                <a16:creationId xmlns:a16="http://schemas.microsoft.com/office/drawing/2014/main" id="{CFB68E09-98DA-B97F-6224-02C529FE5B1C}"/>
+                <a16:creationId xmlns:a16="http://schemas.microsoft.com/office/drawing/2014/main" id="{8FB4265A-2A4F-9E81-BAAB-D7A5428E41B7}"/>
               </a:ext>
             </a:extLst>
           </p:cNvPr>
@@ -11006,20 +11007,250 @@
           <a:lstStyle/>
           <a:p>
             <a:r>
+              <a:rPr lang="ja-JP" altLang="en-US" b="1">
+                <a:effectLst/>
+                <a:latin typeface="Meiryo UI" panose="020B0604030504040204" pitchFamily="50" charset="-128"/>
+              </a:rPr>
+              <a:t>デモンストレーション</a:t>
+            </a:r>
+            <a:endParaRPr kumimoji="1" lang="ja-JP" altLang="en-US" dirty="0"/>
+          </a:p>
+        </p:txBody>
+      </p:sp>
+      <p:sp>
+        <p:nvSpPr>
+          <p:cNvPr id="3" name="コンテンツ プレースホルダー 2">
+            <a:extLst>
+              <a:ext uri="{FF2B5EF4-FFF2-40B4-BE49-F238E27FC236}">
+                <a16:creationId xmlns:a16="http://schemas.microsoft.com/office/drawing/2014/main" id="{9A8C2B64-DEED-4E40-E581-B031973A0863}"/>
+              </a:ext>
+            </a:extLst>
+          </p:cNvPr>
+          <p:cNvSpPr>
+            <a:spLocks noGrp="1"/>
+          </p:cNvSpPr>
+          <p:nvPr>
+            <p:ph idx="1"/>
+          </p:nvPr>
+        </p:nvSpPr>
+        <p:spPr/>
+        <p:txBody>
+          <a:bodyPr>
+            <a:normAutofit fontScale="92500" lnSpcReduction="20000"/>
+          </a:bodyPr>
+          <a:lstStyle/>
+          <a:p>
+            <a:r>
+              <a:rPr kumimoji="1" lang="ja-JP" altLang="en-US" dirty="0"/>
+              <a:t>結局、使ってみた方が理解が早い</a:t>
+            </a:r>
+            <a:r>
+              <a:rPr kumimoji="1" lang="ja-JP" altLang="en-US"/>
+              <a:t>！ｗ</a:t>
+            </a:r>
+            <a:endParaRPr kumimoji="1" lang="en-US" altLang="ja-JP" dirty="0"/>
+          </a:p>
+          <a:p>
+            <a:endParaRPr lang="en-US" altLang="ja-JP" dirty="0"/>
+          </a:p>
+          <a:p>
+            <a:r>
+              <a:rPr lang="ja-JP" altLang="en-US"/>
+              <a:t>「</a:t>
+            </a:r>
+            <a:r>
+              <a:rPr lang="en-US" altLang="ja-JP" dirty="0"/>
+              <a:t>Textbooks Are All You Need</a:t>
+            </a:r>
+            <a:r>
+              <a:rPr lang="ja-JP" altLang="en-US"/>
+              <a:t>」の論文で有名になった</a:t>
+            </a:r>
+            <a:r>
+              <a:rPr lang="en-US" altLang="ja-JP" dirty="0"/>
+              <a:t>Phi-1</a:t>
+            </a:r>
+            <a:r>
+              <a:rPr lang="ja-JP" altLang="en-US"/>
+              <a:t>の派生</a:t>
+            </a:r>
+            <a:endParaRPr lang="en-US" altLang="ja-JP" dirty="0"/>
+          </a:p>
+          <a:p>
+            <a:pPr marL="0" indent="0">
+              <a:buNone/>
+            </a:pPr>
+            <a:r>
+              <a:rPr lang="ja-JP" altLang="en-US"/>
+              <a:t>　　　　　　</a:t>
+            </a:r>
+            <a:r>
+              <a:rPr lang="en-US" altLang="ja-JP" dirty="0"/>
+              <a:t> “</a:t>
+            </a:r>
+            <a:r>
+              <a:rPr lang="en-US" altLang="ja-JP" sz="3600" b="1" dirty="0"/>
+              <a:t>Phi-1.5</a:t>
+            </a:r>
+            <a:r>
+              <a:rPr lang="ja-JP" altLang="en-US" dirty="0"/>
+              <a:t>（</a:t>
+            </a:r>
+            <a:r>
+              <a:rPr lang="en-US" altLang="ja-JP" dirty="0"/>
+              <a:t>Microsoft</a:t>
+            </a:r>
+            <a:r>
+              <a:rPr lang="ja-JP" altLang="en-US"/>
+              <a:t>）</a:t>
+            </a:r>
+            <a:r>
+              <a:rPr lang="en-US" altLang="ja-JP" dirty="0"/>
+              <a:t>” </a:t>
+            </a:r>
+            <a:r>
+              <a:rPr lang="ja-JP" altLang="en-US"/>
+              <a:t>を使ってみよう￼￼￼￼￼￼</a:t>
+            </a:r>
+            <a:endParaRPr lang="en-US" altLang="ja-JP" dirty="0"/>
+          </a:p>
+          <a:p>
+            <a:endParaRPr lang="en-US" altLang="ja-JP" dirty="0"/>
+          </a:p>
+          <a:p>
+            <a:r>
+              <a:rPr lang="ja-JP" altLang="en-US">
+                <a:hlinkClick r:id="rId2"/>
+              </a:rPr>
+              <a:t>論文はこちら</a:t>
+            </a:r>
+            <a:endParaRPr lang="en-US" altLang="ja-JP" dirty="0"/>
+          </a:p>
+          <a:p>
+            <a:endParaRPr kumimoji="1" lang="en-US" altLang="ja-JP" dirty="0">
+              <a:hlinkClick r:id="rId3"/>
+            </a:endParaRPr>
+          </a:p>
+          <a:p>
+            <a:r>
+              <a:rPr kumimoji="1" lang="en-US" altLang="ja-JP" dirty="0">
+                <a:hlinkClick r:id="rId3"/>
+              </a:rPr>
+              <a:t>Huggingface</a:t>
+            </a:r>
+            <a:r>
+              <a:rPr kumimoji="1" lang="ja-JP" altLang="en-US">
+                <a:hlinkClick r:id="rId3"/>
+              </a:rPr>
+              <a:t>の</a:t>
+            </a:r>
+            <a:r>
+              <a:rPr kumimoji="1" lang="en-US" altLang="ja-JP" dirty="0">
+                <a:hlinkClick r:id="rId3"/>
+              </a:rPr>
+              <a:t>Phi-1.5</a:t>
+            </a:r>
+            <a:r>
+              <a:rPr kumimoji="1" lang="ja-JP" altLang="en-US">
+                <a:hlinkClick r:id="rId3"/>
+              </a:rPr>
+              <a:t>のページ</a:t>
+            </a:r>
+            <a:endParaRPr kumimoji="1" lang="en-US" altLang="ja-JP" dirty="0"/>
+          </a:p>
+          <a:p>
+            <a:pPr marL="0" indent="0">
+              <a:buNone/>
+            </a:pPr>
+            <a:r>
+              <a:rPr lang="en-US" altLang="ja-JP" dirty="0"/>
+              <a:t>  </a:t>
+            </a:r>
+          </a:p>
+          <a:p>
+            <a:r>
+              <a:rPr kumimoji="1" lang="en-US" altLang="ja-JP" dirty="0">
+                <a:hlinkClick r:id="rId4"/>
+              </a:rPr>
+              <a:t>Google Colab</a:t>
+            </a:r>
+            <a:endParaRPr kumimoji="1" lang="ja-JP" altLang="en-US" dirty="0"/>
+          </a:p>
+        </p:txBody>
+      </p:sp>
+    </p:spTree>
+    <p:extLst>
+      <p:ext uri="{BB962C8B-B14F-4D97-AF65-F5344CB8AC3E}">
+        <p14:creationId xmlns:p14="http://schemas.microsoft.com/office/powerpoint/2010/main" val="878374170"/>
+      </p:ext>
+    </p:extLst>
+  </p:cSld>
+  <p:clrMapOvr>
+    <a:masterClrMapping/>
+  </p:clrMapOvr>
+</p:sld>
+</file>
+
+<file path=ppt/slides/slide11.xml><?xml version="1.0" encoding="utf-8"?>
+<p:sld xmlns:a="http://schemas.openxmlformats.org/drawingml/2006/main" xmlns:r="http://schemas.openxmlformats.org/officeDocument/2006/relationships" xmlns:p="http://schemas.openxmlformats.org/presentationml/2006/main">
+  <p:cSld>
+    <p:spTree>
+      <p:nvGrpSpPr>
+        <p:cNvPr id="1" name=""/>
+        <p:cNvGrpSpPr/>
+        <p:nvPr/>
+      </p:nvGrpSpPr>
+      <p:grpSpPr>
+        <a:xfrm>
+          <a:off x="0" y="0"/>
+          <a:ext cx="0" cy="0"/>
+          <a:chOff x="0" y="0"/>
+          <a:chExt cx="0" cy="0"/>
+        </a:xfrm>
+      </p:grpSpPr>
+      <p:sp>
+        <p:nvSpPr>
+          <p:cNvPr id="2" name="タイトル 1">
+            <a:extLst>
+              <a:ext uri="{FF2B5EF4-FFF2-40B4-BE49-F238E27FC236}">
+                <a16:creationId xmlns:a16="http://schemas.microsoft.com/office/drawing/2014/main" id="{CFB68E09-98DA-B97F-6224-02C529FE5B1C}"/>
+              </a:ext>
+            </a:extLst>
+          </p:cNvPr>
+          <p:cNvSpPr>
+            <a:spLocks noGrp="1"/>
+          </p:cNvSpPr>
+          <p:nvPr>
+            <p:ph type="title"/>
+          </p:nvPr>
+        </p:nvSpPr>
+        <p:spPr/>
+        <p:txBody>
+          <a:bodyPr/>
+          <a:lstStyle/>
+          <a:p>
+            <a:r>
               <a:rPr kumimoji="1" lang="ja-JP" altLang="en-US" b="1"/>
-              <a:t>デモンストレーションの前に１</a:t>
-            </a:r>
-            <a:r>
-              <a:rPr kumimoji="1" lang="ja-JP" altLang="en-US" sz="2400" b="1"/>
-              <a:t>（</a:t>
-            </a:r>
-            <a:r>
-              <a:rPr kumimoji="1" lang="en-US" altLang="ja-JP" sz="2400" b="1" dirty="0"/>
+              <a:t>デモンストレーションの前に</a:t>
+            </a:r>
+            <a:r>
+              <a:rPr kumimoji="1" lang="en-US" altLang="ja-JP" b="1" dirty="0"/>
+              <a:t> </a:t>
+            </a:r>
+            <a:r>
+              <a:rPr kumimoji="1" lang="ja-JP" altLang="en-US" b="1"/>
+              <a:t>１</a:t>
+            </a:r>
+            <a:br>
+              <a:rPr kumimoji="1" lang="en-US" altLang="ja-JP" b="1" dirty="0"/>
+            </a:br>
+            <a:r>
+              <a:rPr kumimoji="1" lang="en-US" altLang="ja-JP" sz="2800" b="1" dirty="0"/>
               <a:t>Phi-1.5</a:t>
             </a:r>
             <a:r>
-              <a:rPr kumimoji="1" lang="ja-JP" altLang="en-US" sz="2400" b="1" dirty="0"/>
-              <a:t>）</a:t>
+              <a:rPr kumimoji="1" lang="ja-JP" altLang="en-US" sz="2800" b="1"/>
+              <a:t>のページを見てみる</a:t>
             </a:r>
             <a:endParaRPr kumimoji="1" lang="ja-JP" altLang="en-US" b="1" dirty="0"/>
           </a:p>
@@ -11803,7 +12034,7 @@
 </p:sld>
 </file>
 
-<file path=ppt/slides/slide11.xml><?xml version="1.0" encoding="utf-8"?>
+<file path=ppt/slides/slide12.xml><?xml version="1.0" encoding="utf-8"?>
 <p:sld xmlns:a="http://schemas.openxmlformats.org/drawingml/2006/main" xmlns:r="http://schemas.openxmlformats.org/officeDocument/2006/relationships" xmlns:p="http://schemas.openxmlformats.org/presentationml/2006/main">
   <p:cSld>
     <p:spTree>
@@ -11896,7 +12127,15 @@
           <a:p>
             <a:r>
               <a:rPr kumimoji="1" lang="ja-JP" altLang="en-US" b="1"/>
-              <a:t>デモンストレーションの前に２</a:t>
+              <a:t>デモンストレーションの前に</a:t>
+            </a:r>
+            <a:r>
+              <a:rPr kumimoji="1" lang="en-US" altLang="ja-JP" b="1" dirty="0"/>
+              <a:t> </a:t>
+            </a:r>
+            <a:r>
+              <a:rPr kumimoji="1" lang="ja-JP" altLang="en-US" b="1"/>
+              <a:t>２</a:t>
             </a:r>
             <a:br>
               <a:rPr kumimoji="1" lang="en-US" altLang="ja-JP" b="1" dirty="0"/>
@@ -12866,7 +13105,7 @@
 </p:sld>
 </file>
 
-<file path=ppt/slides/slide12.xml><?xml version="1.0" encoding="utf-8"?>
+<file path=ppt/slides/slide13.xml><?xml version="1.0" encoding="utf-8"?>
 <p:sld xmlns:a="http://schemas.openxmlformats.org/drawingml/2006/main" xmlns:r="http://schemas.openxmlformats.org/officeDocument/2006/relationships" xmlns:p="http://schemas.openxmlformats.org/presentationml/2006/main">
   <p:cSld>
     <p:spTree>
@@ -13017,7 +13256,7 @@
 </p:sld>
 </file>
 
-<file path=ppt/slides/slide13.xml><?xml version="1.0" encoding="utf-8"?>
+<file path=ppt/slides/slide14.xml><?xml version="1.0" encoding="utf-8"?>
 <p:sld xmlns:a="http://schemas.openxmlformats.org/drawingml/2006/main" xmlns:r="http://schemas.openxmlformats.org/officeDocument/2006/relationships" xmlns:p="http://schemas.openxmlformats.org/presentationml/2006/main">
   <p:cSld>
     <p:spTree>
@@ -13312,7 +13551,7 @@
 </p:sld>
 </file>
 
-<file path=ppt/slides/slide14.xml><?xml version="1.0" encoding="utf-8"?>
+<file path=ppt/slides/slide15.xml><?xml version="1.0" encoding="utf-8"?>
 <p:sld xmlns:a="http://schemas.openxmlformats.org/drawingml/2006/main" xmlns:r="http://schemas.openxmlformats.org/officeDocument/2006/relationships" xmlns:p="http://schemas.openxmlformats.org/presentationml/2006/main">
   <p:cSld>
     <p:spTree>
@@ -13434,7 +13673,7 @@
 </p:sld>
 </file>
 
-<file path=ppt/slides/slide15.xml><?xml version="1.0" encoding="utf-8"?>
+<file path=ppt/slides/slide16.xml><?xml version="1.0" encoding="utf-8"?>
 <p:sld xmlns:a="http://schemas.openxmlformats.org/drawingml/2006/main" xmlns:r="http://schemas.openxmlformats.org/officeDocument/2006/relationships" xmlns:p="http://schemas.openxmlformats.org/presentationml/2006/main">
   <p:cSld>
     <p:bg>
@@ -13507,7 +13746,7 @@
 </p:sld>
 </file>
 
-<file path=ppt/slides/slide16.xml><?xml version="1.0" encoding="utf-8"?>
+<file path=ppt/slides/slide17.xml><?xml version="1.0" encoding="utf-8"?>
 <p:sld xmlns:a="http://schemas.openxmlformats.org/drawingml/2006/main" xmlns:r="http://schemas.openxmlformats.org/officeDocument/2006/relationships" xmlns:p="http://schemas.openxmlformats.org/presentationml/2006/main">
   <p:cSld>
     <p:spTree>
@@ -13537,7 +13776,7 @@
 </p:sld>
 </file>
 
-<file path=ppt/slides/slide17.xml><?xml version="1.0" encoding="utf-8"?>
+<file path=ppt/slides/slide18.xml><?xml version="1.0" encoding="utf-8"?>
 <p:sld xmlns:a="http://schemas.openxmlformats.org/drawingml/2006/main" xmlns:r="http://schemas.openxmlformats.org/officeDocument/2006/relationships" xmlns:p="http://schemas.openxmlformats.org/presentationml/2006/main">
   <p:cSld>
     <p:spTree>
@@ -13792,7 +14031,7 @@
 </p:sld>
 </file>
 
-<file path=ppt/slides/slide18.xml><?xml version="1.0" encoding="utf-8"?>
+<file path=ppt/slides/slide19.xml><?xml version="1.0" encoding="utf-8"?>
 <p:sld xmlns:a="http://schemas.openxmlformats.org/drawingml/2006/main" xmlns:r="http://schemas.openxmlformats.org/officeDocument/2006/relationships" xmlns:p="http://schemas.openxmlformats.org/presentationml/2006/main">
   <p:cSld>
     <p:spTree>
@@ -16672,7 +16911,7 @@
           </a:ln>
         </p:spPr>
         <p:txBody>
-          <a:bodyPr wrap="none" rtlCol="0">
+          <a:bodyPr wrap="square" rtlCol="0">
             <a:spAutoFit/>
           </a:bodyPr>
           <a:lstStyle/>
@@ -17185,8 +17424,8 @@
         </p:blipFill>
         <p:spPr>
           <a:xfrm>
-            <a:off x="7763436" y="1083406"/>
-            <a:ext cx="3056328" cy="3056328"/>
+            <a:off x="8230367" y="1272900"/>
+            <a:ext cx="2469135" cy="2469135"/>
           </a:xfrm>
           <a:prstGeom prst="rect">
             <a:avLst/>
@@ -17367,6 +17606,48 @@
           </p:spPr>
         </p:pic>
       </p:grpSp>
+      <p:sp>
+        <p:nvSpPr>
+          <p:cNvPr id="5" name="テキスト ボックス 4">
+            <a:extLst>
+              <a:ext uri="{FF2B5EF4-FFF2-40B4-BE49-F238E27FC236}">
+                <a16:creationId xmlns:a16="http://schemas.microsoft.com/office/drawing/2014/main" id="{7D0220F5-5CB9-8F40-E211-ABB1764DC64A}"/>
+              </a:ext>
+            </a:extLst>
+          </p:cNvPr>
+          <p:cNvSpPr txBox="1"/>
+          <p:nvPr/>
+        </p:nvSpPr>
+        <p:spPr>
+          <a:xfrm>
+            <a:off x="8486142" y="3742035"/>
+            <a:ext cx="1957587" cy="461665"/>
+          </a:xfrm>
+          <a:prstGeom prst="rect">
+            <a:avLst/>
+          </a:prstGeom>
+          <a:noFill/>
+        </p:spPr>
+        <p:txBody>
+          <a:bodyPr wrap="none" rtlCol="0">
+            <a:spAutoFit/>
+          </a:bodyPr>
+          <a:lstStyle/>
+          <a:p>
+            <a:r>
+              <a:rPr kumimoji="1" lang="en-US" altLang="ja-JP" sz="2400" dirty="0">
+                <a:latin typeface="Meiryo UI" panose="020B0604030504040204" pitchFamily="34" charset="-128"/>
+                <a:ea typeface="Meiryo UI" panose="020B0604030504040204" pitchFamily="34" charset="-128"/>
+              </a:rPr>
+              <a:t>Shinji Ikeda</a:t>
+            </a:r>
+            <a:endParaRPr kumimoji="1" lang="ja-JP" altLang="en-US" sz="2400">
+              <a:latin typeface="Meiryo UI" panose="020B0604030504040204" pitchFamily="34" charset="-128"/>
+              <a:ea typeface="Meiryo UI" panose="020B0604030504040204" pitchFamily="34" charset="-128"/>
+            </a:endParaRPr>
+          </a:p>
+        </p:txBody>
+      </p:sp>
     </p:spTree>
     <p:extLst>
       <p:ext uri="{BB962C8B-B14F-4D97-AF65-F5344CB8AC3E}">
@@ -18030,13 +18311,13 @@
               <a:buNone/>
             </a:pPr>
             <a:r>
-              <a:rPr lang="ja-JP" altLang="en-US" dirty="0">
+              <a:rPr lang="ja-JP" altLang="en-US" u="sng" dirty="0">
                 <a:latin typeface="Meiryo UI" panose="020B0604030504040204" pitchFamily="34" charset="-128"/>
                 <a:ea typeface="Meiryo UI" panose="020B0604030504040204" pitchFamily="34" charset="-128"/>
               </a:rPr>
               <a:t>メモリーマッピング</a:t>
             </a:r>
-            <a:endParaRPr lang="en-US" altLang="ja-JP" dirty="0">
+            <a:endParaRPr lang="en-US" altLang="ja-JP" u="sng" dirty="0">
               <a:latin typeface="Meiryo UI" panose="020B0604030504040204" pitchFamily="34" charset="-128"/>
               <a:ea typeface="Meiryo UI" panose="020B0604030504040204" pitchFamily="34" charset="-128"/>
             </a:endParaRPr>
@@ -18067,13 +18348,13 @@
               <a:buNone/>
             </a:pPr>
             <a:r>
-              <a:rPr lang="ja-JP" altLang="en-US" dirty="0">
+              <a:rPr lang="ja-JP" altLang="en-US" u="sng" dirty="0">
                 <a:latin typeface="Meiryo UI" panose="020B0604030504040204" pitchFamily="34" charset="-128"/>
                 <a:ea typeface="Meiryo UI" panose="020B0604030504040204" pitchFamily="34" charset="-128"/>
               </a:rPr>
               <a:t>ストリーミング</a:t>
             </a:r>
-            <a:endParaRPr lang="en-US" altLang="ja-JP" dirty="0">
+            <a:endParaRPr lang="en-US" altLang="ja-JP" u="sng" dirty="0">
               <a:latin typeface="Meiryo UI" panose="020B0604030504040204" pitchFamily="34" charset="-128"/>
               <a:ea typeface="Meiryo UI" panose="020B0604030504040204" pitchFamily="34" charset="-128"/>
             </a:endParaRPr>
@@ -18240,11 +18521,414 @@
               <a:t>Hugging Face</a:t>
             </a:r>
             <a:r>
-              <a:rPr lang="ja-JP" altLang="en-US" sz="4400" b="1" dirty="0">
+              <a:rPr lang="ja-JP" altLang="en-US" sz="4400" b="1">
                 <a:effectLst/>
                 <a:latin typeface="Meiryo UI" panose="020B0604030504040204" pitchFamily="50" charset="-128"/>
               </a:rPr>
               <a:t>とは</a:t>
+            </a:r>
+            <a:r>
+              <a:rPr lang="en-US" altLang="ja-JP" sz="4400" b="1" dirty="0">
+                <a:effectLst/>
+                <a:latin typeface="Meiryo UI" panose="020B0604030504040204" pitchFamily="50" charset="-128"/>
+              </a:rPr>
+              <a:t> </a:t>
+            </a:r>
+            <a:r>
+              <a:rPr lang="ja-JP" altLang="en-US" sz="4400" b="1">
+                <a:effectLst/>
+                <a:latin typeface="Meiryo UI" panose="020B0604030504040204" pitchFamily="50" charset="-128"/>
+              </a:rPr>
+              <a:t>１</a:t>
+            </a:r>
+            <a:endParaRPr kumimoji="1" lang="ja-JP" altLang="en-US" dirty="0"/>
+          </a:p>
+        </p:txBody>
+      </p:sp>
+      <p:pic>
+        <p:nvPicPr>
+          <p:cNvPr id="5" name="グラフィックス 4" descr="人工知能 単色塗りつぶし">
+            <a:extLst>
+              <a:ext uri="{FF2B5EF4-FFF2-40B4-BE49-F238E27FC236}">
+                <a16:creationId xmlns:a16="http://schemas.microsoft.com/office/drawing/2014/main" id="{8E043637-7849-0CC5-D18E-58FFF17542F4}"/>
+              </a:ext>
+            </a:extLst>
+          </p:cNvPr>
+          <p:cNvPicPr>
+            <a:picLocks noChangeAspect="1"/>
+          </p:cNvPicPr>
+          <p:nvPr/>
+        </p:nvPicPr>
+        <p:blipFill>
+          <a:blip r:embed="rId2">
+            <a:extLst>
+              <a:ext uri="{96DAC541-7B7A-43D3-8B79-37D633B846F1}">
+                <asvg:svgBlip xmlns:asvg="http://schemas.microsoft.com/office/drawing/2016/SVG/main" r:embed="rId3"/>
+              </a:ext>
+            </a:extLst>
+          </a:blip>
+          <a:stretch>
+            <a:fillRect/>
+          </a:stretch>
+        </p:blipFill>
+        <p:spPr>
+          <a:xfrm>
+            <a:off x="2573507" y="1634108"/>
+            <a:ext cx="2073842" cy="2073842"/>
+          </a:xfrm>
+          <a:prstGeom prst="rect">
+            <a:avLst/>
+          </a:prstGeom>
+        </p:spPr>
+      </p:pic>
+      <p:pic>
+        <p:nvPicPr>
+          <p:cNvPr id="12" name="グラフィックス 11" descr="データベース 単色塗りつぶし">
+            <a:extLst>
+              <a:ext uri="{FF2B5EF4-FFF2-40B4-BE49-F238E27FC236}">
+                <a16:creationId xmlns:a16="http://schemas.microsoft.com/office/drawing/2014/main" id="{FBCDD67C-A6CA-CBB5-E7D0-79F528D64FDE}"/>
+              </a:ext>
+            </a:extLst>
+          </p:cNvPr>
+          <p:cNvPicPr>
+            <a:picLocks noChangeAspect="1"/>
+          </p:cNvPicPr>
+          <p:nvPr/>
+        </p:nvPicPr>
+        <p:blipFill>
+          <a:blip r:embed="rId4">
+            <a:extLst>
+              <a:ext uri="{96DAC541-7B7A-43D3-8B79-37D633B846F1}">
+                <asvg:svgBlip xmlns:asvg="http://schemas.microsoft.com/office/drawing/2016/SVG/main" r:embed="rId5"/>
+              </a:ext>
+            </a:extLst>
+          </a:blip>
+          <a:stretch>
+            <a:fillRect/>
+          </a:stretch>
+        </p:blipFill>
+        <p:spPr>
+          <a:xfrm>
+            <a:off x="7544650" y="1634108"/>
+            <a:ext cx="2073842" cy="2073842"/>
+          </a:xfrm>
+          <a:prstGeom prst="rect">
+            <a:avLst/>
+          </a:prstGeom>
+        </p:spPr>
+      </p:pic>
+      <p:sp>
+        <p:nvSpPr>
+          <p:cNvPr id="7" name="吹き出し: 角を丸めた四角形 6">
+            <a:extLst>
+              <a:ext uri="{FF2B5EF4-FFF2-40B4-BE49-F238E27FC236}">
+                <a16:creationId xmlns:a16="http://schemas.microsoft.com/office/drawing/2014/main" id="{EC16565B-7ED6-CECD-77A1-591F1DE8B99E}"/>
+              </a:ext>
+            </a:extLst>
+          </p:cNvPr>
+          <p:cNvSpPr/>
+          <p:nvPr/>
+        </p:nvSpPr>
+        <p:spPr>
+          <a:xfrm>
+            <a:off x="2466857" y="3883594"/>
+            <a:ext cx="2180492" cy="1089731"/>
+          </a:xfrm>
+          <a:prstGeom prst="wedgeRoundRectCallout">
+            <a:avLst>
+              <a:gd name="adj1" fmla="val 3706"/>
+              <a:gd name="adj2" fmla="val -112929"/>
+              <a:gd name="adj3" fmla="val 16667"/>
+            </a:avLst>
+          </a:prstGeom>
+        </p:spPr>
+        <p:style>
+          <a:lnRef idx="2">
+            <a:schemeClr val="dk1"/>
+          </a:lnRef>
+          <a:fillRef idx="1">
+            <a:schemeClr val="lt1"/>
+          </a:fillRef>
+          <a:effectRef idx="0">
+            <a:schemeClr val="dk1"/>
+          </a:effectRef>
+          <a:fontRef idx="minor">
+            <a:schemeClr val="dk1"/>
+          </a:fontRef>
+        </p:style>
+        <p:txBody>
+          <a:bodyPr rtlCol="0" anchor="ctr"/>
+          <a:lstStyle/>
+          <a:p>
+            <a:pPr algn="ctr"/>
+            <a:r>
+              <a:rPr kumimoji="1" lang="ja-JP" altLang="en-US" dirty="0">
+                <a:latin typeface="Meiryo UI" panose="020B0604030504040204" pitchFamily="50" charset="-128"/>
+                <a:ea typeface="Meiryo UI" panose="020B0604030504040204" pitchFamily="50" charset="-128"/>
+              </a:rPr>
+              <a:t>さまざまな</a:t>
+            </a:r>
+            <a:endParaRPr kumimoji="1" lang="en-US" altLang="ja-JP" dirty="0">
+              <a:latin typeface="Meiryo UI" panose="020B0604030504040204" pitchFamily="50" charset="-128"/>
+              <a:ea typeface="Meiryo UI" panose="020B0604030504040204" pitchFamily="50" charset="-128"/>
+            </a:endParaRPr>
+          </a:p>
+          <a:p>
+            <a:pPr algn="ctr"/>
+            <a:r>
+              <a:rPr lang="ja-JP" altLang="en-US" sz="2800" dirty="0">
+                <a:latin typeface="Meiryo UI" panose="020B0604030504040204" pitchFamily="50" charset="-128"/>
+                <a:ea typeface="Meiryo UI" panose="020B0604030504040204" pitchFamily="50" charset="-128"/>
+              </a:rPr>
+              <a:t>モデル</a:t>
+            </a:r>
+            <a:endParaRPr kumimoji="1" lang="ja-JP" altLang="en-US" sz="2800" dirty="0">
+              <a:latin typeface="Meiryo UI" panose="020B0604030504040204" pitchFamily="50" charset="-128"/>
+              <a:ea typeface="Meiryo UI" panose="020B0604030504040204" pitchFamily="50" charset="-128"/>
+            </a:endParaRPr>
+          </a:p>
+        </p:txBody>
+      </p:sp>
+      <p:sp>
+        <p:nvSpPr>
+          <p:cNvPr id="8" name="吹き出し: 角を丸めた四角形 7">
+            <a:extLst>
+              <a:ext uri="{FF2B5EF4-FFF2-40B4-BE49-F238E27FC236}">
+                <a16:creationId xmlns:a16="http://schemas.microsoft.com/office/drawing/2014/main" id="{21965AB1-17E5-CD35-F7EB-00BC4A01EEF3}"/>
+              </a:ext>
+            </a:extLst>
+          </p:cNvPr>
+          <p:cNvSpPr/>
+          <p:nvPr/>
+        </p:nvSpPr>
+        <p:spPr>
+          <a:xfrm>
+            <a:off x="7544651" y="3877355"/>
+            <a:ext cx="2180492" cy="1089731"/>
+          </a:xfrm>
+          <a:prstGeom prst="wedgeRoundRectCallout">
+            <a:avLst>
+              <a:gd name="adj1" fmla="val 5786"/>
+              <a:gd name="adj2" fmla="val -118499"/>
+              <a:gd name="adj3" fmla="val 16667"/>
+            </a:avLst>
+          </a:prstGeom>
+        </p:spPr>
+        <p:style>
+          <a:lnRef idx="2">
+            <a:schemeClr val="dk1"/>
+          </a:lnRef>
+          <a:fillRef idx="1">
+            <a:schemeClr val="lt1"/>
+          </a:fillRef>
+          <a:effectRef idx="0">
+            <a:schemeClr val="dk1"/>
+          </a:effectRef>
+          <a:fontRef idx="minor">
+            <a:schemeClr val="dk1"/>
+          </a:fontRef>
+        </p:style>
+        <p:txBody>
+          <a:bodyPr rtlCol="0" anchor="ctr"/>
+          <a:lstStyle/>
+          <a:p>
+            <a:pPr algn="ctr"/>
+            <a:r>
+              <a:rPr kumimoji="1" lang="ja-JP" altLang="en-US" dirty="0">
+                <a:latin typeface="Meiryo UI" panose="020B0604030504040204" pitchFamily="50" charset="-128"/>
+                <a:ea typeface="Meiryo UI" panose="020B0604030504040204" pitchFamily="50" charset="-128"/>
+              </a:rPr>
+              <a:t>さまざまな</a:t>
+            </a:r>
+            <a:endParaRPr kumimoji="1" lang="en-US" altLang="ja-JP" dirty="0">
+              <a:latin typeface="Meiryo UI" panose="020B0604030504040204" pitchFamily="50" charset="-128"/>
+              <a:ea typeface="Meiryo UI" panose="020B0604030504040204" pitchFamily="50" charset="-128"/>
+            </a:endParaRPr>
+          </a:p>
+          <a:p>
+            <a:pPr algn="ctr"/>
+            <a:r>
+              <a:rPr kumimoji="1" lang="ja-JP" altLang="en-US" sz="2800">
+                <a:latin typeface="Meiryo UI" panose="020B0604030504040204" pitchFamily="50" charset="-128"/>
+                <a:ea typeface="Meiryo UI" panose="020B0604030504040204" pitchFamily="50" charset="-128"/>
+              </a:rPr>
+              <a:t>データセット</a:t>
+            </a:r>
+            <a:endParaRPr kumimoji="1" lang="ja-JP" altLang="en-US" dirty="0">
+              <a:latin typeface="Meiryo UI" panose="020B0604030504040204" pitchFamily="50" charset="-128"/>
+              <a:ea typeface="Meiryo UI" panose="020B0604030504040204" pitchFamily="50" charset="-128"/>
+            </a:endParaRPr>
+          </a:p>
+        </p:txBody>
+      </p:sp>
+      <p:sp>
+        <p:nvSpPr>
+          <p:cNvPr id="14" name="テキスト ボックス 13">
+            <a:extLst>
+              <a:ext uri="{FF2B5EF4-FFF2-40B4-BE49-F238E27FC236}">
+                <a16:creationId xmlns:a16="http://schemas.microsoft.com/office/drawing/2014/main" id="{89855324-938B-22C1-2C1B-8E8AE28F4B34}"/>
+              </a:ext>
+            </a:extLst>
+          </p:cNvPr>
+          <p:cNvSpPr txBox="1"/>
+          <p:nvPr/>
+        </p:nvSpPr>
+        <p:spPr>
+          <a:xfrm>
+            <a:off x="985466" y="5148969"/>
+            <a:ext cx="10221068" cy="1015663"/>
+          </a:xfrm>
+          <a:prstGeom prst="rect">
+            <a:avLst/>
+          </a:prstGeom>
+          <a:noFill/>
+        </p:spPr>
+        <p:txBody>
+          <a:bodyPr wrap="none" rtlCol="0">
+            <a:spAutoFit/>
+          </a:bodyPr>
+          <a:lstStyle/>
+          <a:p>
+            <a:r>
+              <a:rPr kumimoji="1" lang="ja-JP" altLang="en-US" sz="3600">
+                <a:latin typeface="Meiryo UI" panose="020B0604030504040204" pitchFamily="34" charset="-128"/>
+                <a:ea typeface="Meiryo UI" panose="020B0604030504040204" pitchFamily="34" charset="-128"/>
+              </a:rPr>
+              <a:t>モデルやデータセット、使い方などを共有し、容易に</a:t>
+            </a:r>
+            <a:r>
+              <a:rPr lang="ja-JP" altLang="en-US" sz="3600">
+                <a:latin typeface="Meiryo UI" panose="020B0604030504040204" pitchFamily="34" charset="-128"/>
+                <a:ea typeface="Meiryo UI" panose="020B0604030504040204" pitchFamily="34" charset="-128"/>
+              </a:rPr>
+              <a:t>活用</a:t>
+            </a:r>
+            <a:endParaRPr lang="en-US" altLang="ja-JP" sz="3600" dirty="0">
+              <a:latin typeface="Meiryo UI" panose="020B0604030504040204" pitchFamily="34" charset="-128"/>
+              <a:ea typeface="Meiryo UI" panose="020B0604030504040204" pitchFamily="34" charset="-128"/>
+            </a:endParaRPr>
+          </a:p>
+          <a:p>
+            <a:r>
+              <a:rPr lang="ja-JP" altLang="en-US" sz="2400">
+                <a:latin typeface="Meiryo UI" panose="020B0604030504040204" pitchFamily="34" charset="-128"/>
+                <a:ea typeface="Meiryo UI" panose="020B0604030504040204" pitchFamily="34" charset="-128"/>
+              </a:rPr>
+              <a:t>（</a:t>
+            </a:r>
+            <a:r>
+              <a:rPr lang="en-US" altLang="ja-JP" sz="2400" dirty="0">
+                <a:latin typeface="Meiryo UI" panose="020B0604030504040204" pitchFamily="34" charset="-128"/>
+                <a:ea typeface="Meiryo UI" panose="020B0604030504040204" pitchFamily="34" charset="-128"/>
+              </a:rPr>
+              <a:t>AI</a:t>
+            </a:r>
+            <a:r>
+              <a:rPr lang="ja-JP" altLang="en-US" sz="2400">
+                <a:latin typeface="Meiryo UI" panose="020B0604030504040204" pitchFamily="34" charset="-128"/>
+                <a:ea typeface="Meiryo UI" panose="020B0604030504040204" pitchFamily="34" charset="-128"/>
+              </a:rPr>
+              <a:t>モデルの</a:t>
+            </a:r>
+            <a:r>
+              <a:rPr lang="en-US" altLang="ja-JP" sz="2400" dirty="0">
+                <a:latin typeface="Meiryo UI" panose="020B0604030504040204" pitchFamily="34" charset="-128"/>
+                <a:ea typeface="Meiryo UI" panose="020B0604030504040204" pitchFamily="34" charset="-128"/>
+              </a:rPr>
+              <a:t>GitHub</a:t>
+            </a:r>
+            <a:r>
+              <a:rPr lang="ja-JP" altLang="en-US" sz="2400">
+                <a:latin typeface="Meiryo UI" panose="020B0604030504040204" pitchFamily="34" charset="-128"/>
+                <a:ea typeface="Meiryo UI" panose="020B0604030504040204" pitchFamily="34" charset="-128"/>
+              </a:rPr>
+              <a:t>、辞書みたいなもの）</a:t>
+            </a:r>
+            <a:endParaRPr kumimoji="1" lang="ja-JP" altLang="en-US" sz="2400">
+              <a:latin typeface="Meiryo UI" panose="020B0604030504040204" pitchFamily="34" charset="-128"/>
+              <a:ea typeface="Meiryo UI" panose="020B0604030504040204" pitchFamily="34" charset="-128"/>
+            </a:endParaRPr>
+          </a:p>
+        </p:txBody>
+      </p:sp>
+    </p:spTree>
+    <p:extLst>
+      <p:ext uri="{BB962C8B-B14F-4D97-AF65-F5344CB8AC3E}">
+        <p14:creationId xmlns:p14="http://schemas.microsoft.com/office/powerpoint/2010/main" val="1301757078"/>
+      </p:ext>
+    </p:extLst>
+  </p:cSld>
+  <p:clrMapOvr>
+    <a:masterClrMapping/>
+  </p:clrMapOvr>
+</p:sld>
+</file>
+
+<file path=ppt/slides/slide7.xml><?xml version="1.0" encoding="utf-8"?>
+<p:sld xmlns:a="http://schemas.openxmlformats.org/drawingml/2006/main" xmlns:r="http://schemas.openxmlformats.org/officeDocument/2006/relationships" xmlns:p="http://schemas.openxmlformats.org/presentationml/2006/main">
+  <p:cSld>
+    <p:spTree>
+      <p:nvGrpSpPr>
+        <p:cNvPr id="1" name=""/>
+        <p:cNvGrpSpPr/>
+        <p:nvPr/>
+      </p:nvGrpSpPr>
+      <p:grpSpPr>
+        <a:xfrm>
+          <a:off x="0" y="0"/>
+          <a:ext cx="0" cy="0"/>
+          <a:chOff x="0" y="0"/>
+          <a:chExt cx="0" cy="0"/>
+        </a:xfrm>
+      </p:grpSpPr>
+      <p:sp>
+        <p:nvSpPr>
+          <p:cNvPr id="2" name="タイトル 1">
+            <a:extLst>
+              <a:ext uri="{FF2B5EF4-FFF2-40B4-BE49-F238E27FC236}">
+                <a16:creationId xmlns:a16="http://schemas.microsoft.com/office/drawing/2014/main" id="{90AFFDDD-271E-E917-3C53-00E8EA4C9638}"/>
+              </a:ext>
+            </a:extLst>
+          </p:cNvPr>
+          <p:cNvSpPr>
+            <a:spLocks noGrp="1"/>
+          </p:cNvSpPr>
+          <p:nvPr>
+            <p:ph type="title"/>
+          </p:nvPr>
+        </p:nvSpPr>
+        <p:spPr/>
+        <p:txBody>
+          <a:bodyPr/>
+          <a:lstStyle/>
+          <a:p>
+            <a:r>
+              <a:rPr lang="en-US" altLang="ja-JP" sz="4400" b="1" dirty="0">
+                <a:effectLst/>
+                <a:latin typeface="Meiryo UI" panose="020B0604030504040204" pitchFamily="50" charset="-128"/>
+              </a:rPr>
+              <a:t>Hugging Face</a:t>
+            </a:r>
+            <a:r>
+              <a:rPr lang="ja-JP" altLang="en-US" sz="4400" b="1">
+                <a:effectLst/>
+                <a:latin typeface="Meiryo UI" panose="020B0604030504040204" pitchFamily="50" charset="-128"/>
+              </a:rPr>
+              <a:t>とは</a:t>
+            </a:r>
+            <a:r>
+              <a:rPr lang="en-US" altLang="ja-JP" sz="4400" b="1" dirty="0">
+                <a:effectLst/>
+                <a:latin typeface="Meiryo UI" panose="020B0604030504040204" pitchFamily="50" charset="-128"/>
+              </a:rPr>
+              <a:t> </a:t>
+            </a:r>
+            <a:r>
+              <a:rPr lang="ja-JP" altLang="en-US" sz="4400" b="1">
+                <a:effectLst/>
+                <a:latin typeface="Meiryo UI" panose="020B0604030504040204" pitchFamily="50" charset="-128"/>
+              </a:rPr>
+              <a:t>２</a:t>
             </a:r>
             <a:endParaRPr kumimoji="1" lang="ja-JP" altLang="en-US" dirty="0"/>
           </a:p>
@@ -18659,7 +19343,7 @@
 </p:sld>
 </file>
 
-<file path=ppt/slides/slide7.xml><?xml version="1.0" encoding="utf-8"?>
+<file path=ppt/slides/slide8.xml><?xml version="1.0" encoding="utf-8"?>
 <p:sld xmlns:a="http://schemas.openxmlformats.org/drawingml/2006/main" xmlns:r="http://schemas.openxmlformats.org/officeDocument/2006/relationships" xmlns:p="http://schemas.openxmlformats.org/presentationml/2006/main">
   <p:cSld>
     <p:spTree>
@@ -19365,7 +20049,7 @@
 </p:sld>
 </file>
 
-<file path=ppt/slides/slide8.xml><?xml version="1.0" encoding="utf-8"?>
+<file path=ppt/slides/slide9.xml><?xml version="1.0" encoding="utf-8"?>
 <p:sld xmlns:a="http://schemas.openxmlformats.org/drawingml/2006/main" xmlns:r="http://schemas.openxmlformats.org/officeDocument/2006/relationships" xmlns:p="http://schemas.openxmlformats.org/presentationml/2006/main">
   <p:cSld>
     <p:spTree>
@@ -19653,229 +20337,6 @@
     <p:extLst>
       <p:ext uri="{BB962C8B-B14F-4D97-AF65-F5344CB8AC3E}">
         <p14:creationId xmlns:p14="http://schemas.microsoft.com/office/powerpoint/2010/main" val="1308905210"/>
-      </p:ext>
-    </p:extLst>
-  </p:cSld>
-  <p:clrMapOvr>
-    <a:masterClrMapping/>
-  </p:clrMapOvr>
-</p:sld>
-</file>
-
-<file path=ppt/slides/slide9.xml><?xml version="1.0" encoding="utf-8"?>
-<p:sld xmlns:a="http://schemas.openxmlformats.org/drawingml/2006/main" xmlns:r="http://schemas.openxmlformats.org/officeDocument/2006/relationships" xmlns:p="http://schemas.openxmlformats.org/presentationml/2006/main">
-  <p:cSld>
-    <p:spTree>
-      <p:nvGrpSpPr>
-        <p:cNvPr id="1" name=""/>
-        <p:cNvGrpSpPr/>
-        <p:nvPr/>
-      </p:nvGrpSpPr>
-      <p:grpSpPr>
-        <a:xfrm>
-          <a:off x="0" y="0"/>
-          <a:ext cx="0" cy="0"/>
-          <a:chOff x="0" y="0"/>
-          <a:chExt cx="0" cy="0"/>
-        </a:xfrm>
-      </p:grpSpPr>
-      <p:sp>
-        <p:nvSpPr>
-          <p:cNvPr id="2" name="タイトル 1">
-            <a:extLst>
-              <a:ext uri="{FF2B5EF4-FFF2-40B4-BE49-F238E27FC236}">
-                <a16:creationId xmlns:a16="http://schemas.microsoft.com/office/drawing/2014/main" id="{8FB4265A-2A4F-9E81-BAAB-D7A5428E41B7}"/>
-              </a:ext>
-            </a:extLst>
-          </p:cNvPr>
-          <p:cNvSpPr>
-            <a:spLocks noGrp="1"/>
-          </p:cNvSpPr>
-          <p:nvPr>
-            <p:ph type="title"/>
-          </p:nvPr>
-        </p:nvSpPr>
-        <p:spPr/>
-        <p:txBody>
-          <a:bodyPr/>
-          <a:lstStyle/>
-          <a:p>
-            <a:r>
-              <a:rPr lang="ja-JP" altLang="en-US" b="1">
-                <a:effectLst/>
-                <a:latin typeface="Meiryo UI" panose="020B0604030504040204" pitchFamily="50" charset="-128"/>
-              </a:rPr>
-              <a:t>デモンストレーション</a:t>
-            </a:r>
-            <a:endParaRPr kumimoji="1" lang="ja-JP" altLang="en-US" dirty="0"/>
-          </a:p>
-        </p:txBody>
-      </p:sp>
-      <p:sp>
-        <p:nvSpPr>
-          <p:cNvPr id="3" name="コンテンツ プレースホルダー 2">
-            <a:extLst>
-              <a:ext uri="{FF2B5EF4-FFF2-40B4-BE49-F238E27FC236}">
-                <a16:creationId xmlns:a16="http://schemas.microsoft.com/office/drawing/2014/main" id="{9A8C2B64-DEED-4E40-E581-B031973A0863}"/>
-              </a:ext>
-            </a:extLst>
-          </p:cNvPr>
-          <p:cNvSpPr>
-            <a:spLocks noGrp="1"/>
-          </p:cNvSpPr>
-          <p:nvPr>
-            <p:ph idx="1"/>
-          </p:nvPr>
-        </p:nvSpPr>
-        <p:spPr/>
-        <p:txBody>
-          <a:bodyPr>
-            <a:normAutofit fontScale="92500" lnSpcReduction="20000"/>
-          </a:bodyPr>
-          <a:lstStyle/>
-          <a:p>
-            <a:r>
-              <a:rPr kumimoji="1" lang="ja-JP" altLang="en-US" dirty="0"/>
-              <a:t>結局、使ってみた方が理解が早い</a:t>
-            </a:r>
-            <a:r>
-              <a:rPr kumimoji="1" lang="ja-JP" altLang="en-US"/>
-              <a:t>！ｗ</a:t>
-            </a:r>
-            <a:endParaRPr kumimoji="1" lang="en-US" altLang="ja-JP" dirty="0"/>
-          </a:p>
-          <a:p>
-            <a:endParaRPr lang="en-US" altLang="ja-JP" dirty="0"/>
-          </a:p>
-          <a:p>
-            <a:r>
-              <a:rPr lang="ja-JP" altLang="en-US"/>
-              <a:t>「</a:t>
-            </a:r>
-            <a:r>
-              <a:rPr lang="en-US" altLang="ja-JP" dirty="0"/>
-              <a:t>Textbooks Are All You Need</a:t>
-            </a:r>
-            <a:r>
-              <a:rPr lang="ja-JP" altLang="en-US"/>
-              <a:t>」の論文で有名になった</a:t>
-            </a:r>
-            <a:r>
-              <a:rPr lang="en-US" altLang="ja-JP" dirty="0"/>
-              <a:t>Phi-1</a:t>
-            </a:r>
-            <a:r>
-              <a:rPr lang="ja-JP" altLang="en-US"/>
-              <a:t>の派生</a:t>
-            </a:r>
-            <a:endParaRPr lang="en-US" altLang="ja-JP" dirty="0"/>
-          </a:p>
-          <a:p>
-            <a:pPr marL="0" indent="0">
-              <a:buNone/>
-            </a:pPr>
-            <a:r>
-              <a:rPr lang="ja-JP" altLang="en-US"/>
-              <a:t>　　　　　　</a:t>
-            </a:r>
-            <a:r>
-              <a:rPr lang="en-US" altLang="ja-JP" dirty="0"/>
-              <a:t> “</a:t>
-            </a:r>
-            <a:r>
-              <a:rPr lang="en-US" altLang="ja-JP" sz="3600" b="1" dirty="0"/>
-              <a:t>Phi-1.5</a:t>
-            </a:r>
-            <a:r>
-              <a:rPr lang="ja-JP" altLang="en-US" dirty="0"/>
-              <a:t>（</a:t>
-            </a:r>
-            <a:r>
-              <a:rPr lang="en-US" altLang="ja-JP" dirty="0"/>
-              <a:t>Microsoft</a:t>
-            </a:r>
-            <a:r>
-              <a:rPr lang="ja-JP" altLang="en-US"/>
-              <a:t>）</a:t>
-            </a:r>
-            <a:r>
-              <a:rPr lang="en-US" altLang="ja-JP" dirty="0"/>
-              <a:t>” </a:t>
-            </a:r>
-            <a:r>
-              <a:rPr lang="ja-JP" altLang="en-US"/>
-              <a:t>を使ってみよう￼￼￼￼￼￼</a:t>
-            </a:r>
-            <a:endParaRPr lang="en-US" altLang="ja-JP" dirty="0"/>
-          </a:p>
-          <a:p>
-            <a:endParaRPr lang="en-US" altLang="ja-JP" dirty="0"/>
-          </a:p>
-          <a:p>
-            <a:r>
-              <a:rPr lang="ja-JP" altLang="en-US">
-                <a:hlinkClick r:id="rId2"/>
-              </a:rPr>
-              <a:t>論文はこちら</a:t>
-            </a:r>
-            <a:endParaRPr lang="en-US" altLang="ja-JP" dirty="0"/>
-          </a:p>
-          <a:p>
-            <a:endParaRPr kumimoji="1" lang="en-US" altLang="ja-JP" dirty="0">
-              <a:hlinkClick r:id="rId3"/>
-            </a:endParaRPr>
-          </a:p>
-          <a:p>
-            <a:r>
-              <a:rPr kumimoji="1" lang="en-US" altLang="ja-JP" dirty="0">
-                <a:hlinkClick r:id="rId3"/>
-              </a:rPr>
-              <a:t>Huggingface</a:t>
-            </a:r>
-            <a:r>
-              <a:rPr kumimoji="1" lang="ja-JP" altLang="en-US">
-                <a:hlinkClick r:id="rId3"/>
-              </a:rPr>
-              <a:t>の</a:t>
-            </a:r>
-            <a:r>
-              <a:rPr kumimoji="1" lang="en-US" altLang="ja-JP" dirty="0">
-                <a:hlinkClick r:id="rId3"/>
-              </a:rPr>
-              <a:t>Phi-1.5</a:t>
-            </a:r>
-            <a:r>
-              <a:rPr kumimoji="1" lang="ja-JP" altLang="en-US">
-                <a:hlinkClick r:id="rId3"/>
-              </a:rPr>
-              <a:t>のページ</a:t>
-            </a:r>
-            <a:endParaRPr kumimoji="1" lang="en-US" altLang="ja-JP" dirty="0"/>
-          </a:p>
-          <a:p>
-            <a:pPr marL="0" indent="0">
-              <a:buNone/>
-            </a:pPr>
-            <a:r>
-              <a:rPr lang="en-US" altLang="ja-JP" dirty="0"/>
-              <a:t>  </a:t>
-            </a:r>
-          </a:p>
-          <a:p>
-            <a:r>
-              <a:rPr kumimoji="1" lang="en-US" altLang="ja-JP" dirty="0">
-                <a:hlinkClick r:id="rId4"/>
-              </a:rPr>
-              <a:t>Google Colab</a:t>
-            </a:r>
-            <a:endParaRPr kumimoji="1" lang="ja-JP" altLang="en-US" dirty="0"/>
-          </a:p>
-        </p:txBody>
-      </p:sp>
-    </p:spTree>
-    <p:extLst>
-      <p:ext uri="{BB962C8B-B14F-4D97-AF65-F5344CB8AC3E}">
-        <p14:creationId xmlns:p14="http://schemas.microsoft.com/office/powerpoint/2010/main" val="878374170"/>
       </p:ext>
     </p:extLst>
   </p:cSld>

--- a/huggingface 勉強会資料.pptx
+++ b/huggingface 勉強会資料.pptx
@@ -219,7 +219,7 @@
           <a:p>
             <a:fld id="{0F6FE6BF-8118-024B-9766-ED4AD7D6B4B0}" type="datetimeFigureOut">
               <a:rPr kumimoji="1" lang="ja-JP" altLang="en-US" smtClean="0"/>
-              <a:t>2024/7/14</a:t>
+              <a:t>2024/7/15</a:t>
             </a:fld>
             <a:endParaRPr kumimoji="1" lang="ja-JP" altLang="en-US"/>
           </a:p>
@@ -847,7 +847,7 @@
           <a:p>
             <a:fld id="{B8C65C57-92FB-BC43-A324-D710D72DFC87}" type="datetimeFigureOut">
               <a:rPr kumimoji="1" lang="ja-JP" altLang="en-US" smtClean="0"/>
-              <a:t>2024/7/14</a:t>
+              <a:t>2024/7/15</a:t>
             </a:fld>
             <a:endParaRPr kumimoji="1" lang="ja-JP" altLang="en-US"/>
           </a:p>
@@ -1117,7 +1117,7 @@
           <a:p>
             <a:fld id="{B8C65C57-92FB-BC43-A324-D710D72DFC87}" type="datetimeFigureOut">
               <a:rPr kumimoji="1" lang="ja-JP" altLang="en-US" smtClean="0"/>
-              <a:t>2024/7/14</a:t>
+              <a:t>2024/7/15</a:t>
             </a:fld>
             <a:endParaRPr kumimoji="1" lang="ja-JP" altLang="en-US"/>
           </a:p>
@@ -1387,7 +1387,7 @@
           <a:p>
             <a:fld id="{B8C65C57-92FB-BC43-A324-D710D72DFC87}" type="datetimeFigureOut">
               <a:rPr kumimoji="1" lang="ja-JP" altLang="en-US" smtClean="0"/>
-              <a:t>2024/7/14</a:t>
+              <a:t>2024/7/15</a:t>
             </a:fld>
             <a:endParaRPr kumimoji="1" lang="ja-JP" altLang="en-US"/>
           </a:p>
@@ -1623,7 +1623,7 @@
           <a:p>
             <a:fld id="{38CF457C-A655-4B46-9667-899D8A188CFD}" type="datetimeFigureOut">
               <a:rPr kumimoji="1" lang="ja-JP" altLang="en-US" smtClean="0"/>
-              <a:t>2024/7/14</a:t>
+              <a:t>2024/7/15</a:t>
             </a:fld>
             <a:endParaRPr kumimoji="1" lang="ja-JP" altLang="en-US"/>
           </a:p>
@@ -1853,7 +1853,7 @@
           <a:p>
             <a:fld id="{38CF457C-A655-4B46-9667-899D8A188CFD}" type="datetimeFigureOut">
               <a:rPr kumimoji="1" lang="ja-JP" altLang="en-US" smtClean="0"/>
-              <a:t>2024/7/14</a:t>
+              <a:t>2024/7/15</a:t>
             </a:fld>
             <a:endParaRPr kumimoji="1" lang="ja-JP" altLang="en-US"/>
           </a:p>
@@ -2128,7 +2128,7 @@
           <a:p>
             <a:fld id="{38CF457C-A655-4B46-9667-899D8A188CFD}" type="datetimeFigureOut">
               <a:rPr kumimoji="1" lang="ja-JP" altLang="en-US" smtClean="0"/>
-              <a:t>2024/7/14</a:t>
+              <a:t>2024/7/15</a:t>
             </a:fld>
             <a:endParaRPr kumimoji="1" lang="ja-JP" altLang="en-US"/>
           </a:p>
@@ -2457,7 +2457,7 @@
           <a:p>
             <a:fld id="{38CF457C-A655-4B46-9667-899D8A188CFD}" type="datetimeFigureOut">
               <a:rPr kumimoji="1" lang="ja-JP" altLang="en-US" smtClean="0"/>
-              <a:t>2024/7/14</a:t>
+              <a:t>2024/7/15</a:t>
             </a:fld>
             <a:endParaRPr kumimoji="1" lang="ja-JP" altLang="en-US"/>
           </a:p>
@@ -2933,7 +2933,7 @@
           <a:p>
             <a:fld id="{38CF457C-A655-4B46-9667-899D8A188CFD}" type="datetimeFigureOut">
               <a:rPr kumimoji="1" lang="ja-JP" altLang="en-US" smtClean="0"/>
-              <a:t>2024/7/14</a:t>
+              <a:t>2024/7/15</a:t>
             </a:fld>
             <a:endParaRPr kumimoji="1" lang="ja-JP" altLang="en-US"/>
           </a:p>
@@ -3074,7 +3074,7 @@
           <a:p>
             <a:fld id="{38CF457C-A655-4B46-9667-899D8A188CFD}" type="datetimeFigureOut">
               <a:rPr kumimoji="1" lang="ja-JP" altLang="en-US" smtClean="0"/>
-              <a:t>2024/7/14</a:t>
+              <a:t>2024/7/15</a:t>
             </a:fld>
             <a:endParaRPr kumimoji="1" lang="ja-JP" altLang="en-US"/>
           </a:p>
@@ -3187,7 +3187,7 @@
           <a:p>
             <a:fld id="{38CF457C-A655-4B46-9667-899D8A188CFD}" type="datetimeFigureOut">
               <a:rPr kumimoji="1" lang="ja-JP" altLang="en-US" smtClean="0"/>
-              <a:t>2024/7/14</a:t>
+              <a:t>2024/7/15</a:t>
             </a:fld>
             <a:endParaRPr kumimoji="1" lang="ja-JP" altLang="en-US"/>
           </a:p>
@@ -3530,7 +3530,7 @@
           <a:p>
             <a:fld id="{38CF457C-A655-4B46-9667-899D8A188CFD}" type="datetimeFigureOut">
               <a:rPr kumimoji="1" lang="ja-JP" altLang="en-US" smtClean="0"/>
-              <a:t>2024/7/14</a:t>
+              <a:t>2024/7/15</a:t>
             </a:fld>
             <a:endParaRPr kumimoji="1" lang="ja-JP" altLang="en-US"/>
           </a:p>
@@ -3784,7 +3784,7 @@
           <a:p>
             <a:fld id="{B8C65C57-92FB-BC43-A324-D710D72DFC87}" type="datetimeFigureOut">
               <a:rPr kumimoji="1" lang="ja-JP" altLang="en-US" smtClean="0"/>
-              <a:t>2024/7/14</a:t>
+              <a:t>2024/7/15</a:t>
             </a:fld>
             <a:endParaRPr kumimoji="1" lang="ja-JP" altLang="en-US"/>
           </a:p>
@@ -4088,7 +4088,7 @@
           <a:p>
             <a:fld id="{38CF457C-A655-4B46-9667-899D8A188CFD}" type="datetimeFigureOut">
               <a:rPr kumimoji="1" lang="ja-JP" altLang="en-US" smtClean="0"/>
-              <a:t>2024/7/14</a:t>
+              <a:t>2024/7/15</a:t>
             </a:fld>
             <a:endParaRPr kumimoji="1" lang="ja-JP" altLang="en-US"/>
           </a:p>
@@ -4318,7 +4318,7 @@
           <a:p>
             <a:fld id="{38CF457C-A655-4B46-9667-899D8A188CFD}" type="datetimeFigureOut">
               <a:rPr kumimoji="1" lang="ja-JP" altLang="en-US" smtClean="0"/>
-              <a:t>2024/7/14</a:t>
+              <a:t>2024/7/15</a:t>
             </a:fld>
             <a:endParaRPr kumimoji="1" lang="ja-JP" altLang="en-US"/>
           </a:p>
@@ -4558,7 +4558,7 @@
           <a:p>
             <a:fld id="{38CF457C-A655-4B46-9667-899D8A188CFD}" type="datetimeFigureOut">
               <a:rPr kumimoji="1" lang="ja-JP" altLang="en-US" smtClean="0"/>
-              <a:t>2024/7/14</a:t>
+              <a:t>2024/7/15</a:t>
             </a:fld>
             <a:endParaRPr kumimoji="1" lang="ja-JP" altLang="en-US"/>
           </a:p>
@@ -4847,7 +4847,7 @@
           <a:p>
             <a:fld id="{B8C65C57-92FB-BC43-A324-D710D72DFC87}" type="datetimeFigureOut">
               <a:rPr kumimoji="1" lang="ja-JP" altLang="en-US" smtClean="0"/>
-              <a:t>2024/7/14</a:t>
+              <a:t>2024/7/15</a:t>
             </a:fld>
             <a:endParaRPr kumimoji="1" lang="ja-JP" altLang="en-US"/>
           </a:p>
@@ -5214,7 +5214,7 @@
           <a:p>
             <a:fld id="{B8C65C57-92FB-BC43-A324-D710D72DFC87}" type="datetimeFigureOut">
               <a:rPr kumimoji="1" lang="ja-JP" altLang="en-US" smtClean="0"/>
-              <a:t>2024/7/14</a:t>
+              <a:t>2024/7/15</a:t>
             </a:fld>
             <a:endParaRPr kumimoji="1" lang="ja-JP" altLang="en-US"/>
           </a:p>
@@ -5729,7 +5729,7 @@
           <a:p>
             <a:fld id="{B8C65C57-92FB-BC43-A324-D710D72DFC87}" type="datetimeFigureOut">
               <a:rPr kumimoji="1" lang="ja-JP" altLang="en-US" smtClean="0"/>
-              <a:t>2024/7/14</a:t>
+              <a:t>2024/7/15</a:t>
             </a:fld>
             <a:endParaRPr kumimoji="1" lang="ja-JP" altLang="en-US"/>
           </a:p>
@@ -5902,7 +5902,7 @@
           <a:p>
             <a:fld id="{B8C65C57-92FB-BC43-A324-D710D72DFC87}" type="datetimeFigureOut">
               <a:rPr kumimoji="1" lang="ja-JP" altLang="en-US" smtClean="0"/>
-              <a:t>2024/7/14</a:t>
+              <a:t>2024/7/15</a:t>
             </a:fld>
             <a:endParaRPr kumimoji="1" lang="ja-JP" altLang="en-US"/>
           </a:p>
@@ -6373,7 +6373,7 @@
           <a:p>
             <a:fld id="{B8C65C57-92FB-BC43-A324-D710D72DFC87}" type="datetimeFigureOut">
               <a:rPr kumimoji="1" lang="ja-JP" altLang="en-US" smtClean="0"/>
-              <a:t>2024/7/14</a:t>
+              <a:t>2024/7/15</a:t>
             </a:fld>
             <a:endParaRPr kumimoji="1" lang="ja-JP" altLang="en-US"/>
           </a:p>
@@ -6694,7 +6694,7 @@
           <a:p>
             <a:fld id="{B8C65C57-92FB-BC43-A324-D710D72DFC87}" type="datetimeFigureOut">
               <a:rPr kumimoji="1" lang="ja-JP" altLang="en-US" smtClean="0"/>
-              <a:t>2024/7/14</a:t>
+              <a:t>2024/7/15</a:t>
             </a:fld>
             <a:endParaRPr kumimoji="1" lang="ja-JP" altLang="en-US"/>
           </a:p>
@@ -9557,7 +9557,7 @@
           <a:p>
             <a:fld id="{38CF457C-A655-4B46-9667-899D8A188CFD}" type="datetimeFigureOut">
               <a:rPr kumimoji="1" lang="ja-JP" altLang="en-US" smtClean="0"/>
-              <a:t>2024/7/14</a:t>
+              <a:t>2024/7/15</a:t>
             </a:fld>
             <a:endParaRPr kumimoji="1" lang="ja-JP" altLang="en-US"/>
           </a:p>
@@ -11042,11 +11042,11 @@
           <a:p>
             <a:r>
               <a:rPr kumimoji="1" lang="ja-JP" altLang="en-US" dirty="0"/>
-              <a:t>結局、使ってみた方が理解が早い</a:t>
+              <a:t>結局、使ってみた方が理解が</a:t>
             </a:r>
             <a:r>
               <a:rPr kumimoji="1" lang="ja-JP" altLang="en-US"/>
-              <a:t>！ｗ</a:t>
+              <a:t>早い！</a:t>
             </a:r>
             <a:endParaRPr kumimoji="1" lang="en-US" altLang="ja-JP" dirty="0"/>
           </a:p>
@@ -11172,9 +11172,134 @@
               <a:rPr kumimoji="1" lang="en-US" altLang="ja-JP" dirty="0">
                 <a:hlinkClick r:id="rId4"/>
               </a:rPr>
-              <a:t>Google Colab</a:t>
+              <a:t>Google Colaboratory</a:t>
             </a:r>
             <a:endParaRPr kumimoji="1" lang="ja-JP" altLang="en-US" dirty="0"/>
+          </a:p>
+        </p:txBody>
+      </p:sp>
+      <p:sp>
+        <p:nvSpPr>
+          <p:cNvPr id="4" name="テキスト ボックス 3">
+            <a:extLst>
+              <a:ext uri="{FF2B5EF4-FFF2-40B4-BE49-F238E27FC236}">
+                <a16:creationId xmlns:a16="http://schemas.microsoft.com/office/drawing/2014/main" id="{C242177D-00E3-4EF2-281A-8F9F05C8814B}"/>
+              </a:ext>
+            </a:extLst>
+          </p:cNvPr>
+          <p:cNvSpPr txBox="1"/>
+          <p:nvPr/>
+        </p:nvSpPr>
+        <p:spPr>
+          <a:xfrm>
+            <a:off x="5560226" y="5253633"/>
+            <a:ext cx="5272597" cy="830997"/>
+          </a:xfrm>
+          <a:prstGeom prst="rect">
+            <a:avLst/>
+          </a:prstGeom>
+          <a:solidFill>
+            <a:schemeClr val="bg1">
+              <a:lumMod val="85000"/>
+            </a:schemeClr>
+          </a:solidFill>
+        </p:spPr>
+        <p:txBody>
+          <a:bodyPr wrap="none" rtlCol="0">
+            <a:spAutoFit/>
+          </a:bodyPr>
+          <a:lstStyle/>
+          <a:p>
+            <a:r>
+              <a:rPr kumimoji="1" lang="ja-JP" altLang="en-US" sz="1600">
+                <a:latin typeface="Meiryo UI" panose="020B0604030504040204" pitchFamily="34" charset="-128"/>
+                <a:ea typeface="Meiryo UI" panose="020B0604030504040204" pitchFamily="34" charset="-128"/>
+              </a:rPr>
+              <a:t>必要なもの</a:t>
+            </a:r>
+            <a:endParaRPr kumimoji="1" lang="en-US" altLang="ja-JP" sz="1600" dirty="0">
+              <a:latin typeface="Meiryo UI" panose="020B0604030504040204" pitchFamily="34" charset="-128"/>
+              <a:ea typeface="Meiryo UI" panose="020B0604030504040204" pitchFamily="34" charset="-128"/>
+            </a:endParaRPr>
+          </a:p>
+          <a:p>
+            <a:pPr marL="285750" indent="-285750">
+              <a:buFont typeface="Arial" panose="020B0604020202020204" pitchFamily="34" charset="0"/>
+              <a:buChar char="•"/>
+            </a:pPr>
+            <a:r>
+              <a:rPr kumimoji="1" lang="en-US" altLang="ja-JP" sz="1600" dirty="0">
+                <a:latin typeface="Meiryo UI" panose="020B0604030504040204" pitchFamily="34" charset="-128"/>
+                <a:ea typeface="Meiryo UI" panose="020B0604030504040204" pitchFamily="34" charset="-128"/>
+              </a:rPr>
+              <a:t>Google</a:t>
+            </a:r>
+            <a:r>
+              <a:rPr kumimoji="1" lang="ja-JP" altLang="en-US" sz="1600">
+                <a:latin typeface="Meiryo UI" panose="020B0604030504040204" pitchFamily="34" charset="-128"/>
+                <a:ea typeface="Meiryo UI" panose="020B0604030504040204" pitchFamily="34" charset="-128"/>
+              </a:rPr>
+              <a:t>アカウント（</a:t>
+            </a:r>
+            <a:r>
+              <a:rPr kumimoji="1" lang="en-US" altLang="ja-JP" sz="1600" dirty="0">
+                <a:latin typeface="Meiryo UI" panose="020B0604030504040204" pitchFamily="34" charset="-128"/>
+                <a:ea typeface="Meiryo UI" panose="020B0604030504040204" pitchFamily="34" charset="-128"/>
+              </a:rPr>
+              <a:t>Google </a:t>
+            </a:r>
+            <a:r>
+              <a:rPr kumimoji="1" lang="en-US" altLang="ja-JP" sz="1600" dirty="0" err="1">
+                <a:latin typeface="Meiryo UI" panose="020B0604030504040204" pitchFamily="34" charset="-128"/>
+                <a:ea typeface="Meiryo UI" panose="020B0604030504040204" pitchFamily="34" charset="-128"/>
+              </a:rPr>
+              <a:t>Colaboratory</a:t>
+            </a:r>
+            <a:r>
+              <a:rPr kumimoji="1" lang="ja-JP" altLang="en-US" sz="1600">
+                <a:latin typeface="Meiryo UI" panose="020B0604030504040204" pitchFamily="34" charset="-128"/>
+                <a:ea typeface="Meiryo UI" panose="020B0604030504040204" pitchFamily="34" charset="-128"/>
+              </a:rPr>
+              <a:t>を使う場合）</a:t>
+            </a:r>
+            <a:endParaRPr kumimoji="1" lang="en-US" altLang="ja-JP" sz="1600" dirty="0">
+              <a:latin typeface="Meiryo UI" panose="020B0604030504040204" pitchFamily="34" charset="-128"/>
+              <a:ea typeface="Meiryo UI" panose="020B0604030504040204" pitchFamily="34" charset="-128"/>
+            </a:endParaRPr>
+          </a:p>
+          <a:p>
+            <a:pPr marL="285750" indent="-285750">
+              <a:buFont typeface="Arial" panose="020B0604020202020204" pitchFamily="34" charset="0"/>
+              <a:buChar char="•"/>
+            </a:pPr>
+            <a:r>
+              <a:rPr kumimoji="1" lang="en-US" altLang="ja-JP" sz="1600" dirty="0" err="1">
+                <a:latin typeface="Meiryo UI" panose="020B0604030504040204" pitchFamily="34" charset="-128"/>
+                <a:ea typeface="Meiryo UI" panose="020B0604030504040204" pitchFamily="34" charset="-128"/>
+              </a:rPr>
+              <a:t>HuggingFace</a:t>
+            </a:r>
+            <a:r>
+              <a:rPr kumimoji="1" lang="ja-JP" altLang="en-US" sz="1600">
+                <a:latin typeface="Meiryo UI" panose="020B0604030504040204" pitchFamily="34" charset="-128"/>
+                <a:ea typeface="Meiryo UI" panose="020B0604030504040204" pitchFamily="34" charset="-128"/>
+              </a:rPr>
+              <a:t>アカウント（必須ではない</a:t>
+            </a:r>
+            <a:r>
+              <a:rPr lang="ja-JP" altLang="en-US" sz="1600">
+                <a:latin typeface="Meiryo UI" panose="020B0604030504040204" pitchFamily="34" charset="-128"/>
+                <a:ea typeface="Meiryo UI" panose="020B0604030504040204" pitchFamily="34" charset="-128"/>
+              </a:rPr>
+              <a:t>と思う</a:t>
+            </a:r>
+            <a:r>
+              <a:rPr kumimoji="1" lang="ja-JP" altLang="en-US" sz="1600">
+                <a:latin typeface="Meiryo UI" panose="020B0604030504040204" pitchFamily="34" charset="-128"/>
+                <a:ea typeface="Meiryo UI" panose="020B0604030504040204" pitchFamily="34" charset="-128"/>
+              </a:rPr>
+              <a:t>けど・・・）</a:t>
+            </a:r>
           </a:p>
         </p:txBody>
       </p:sp>

--- a/huggingface 勉強会資料.pptx
+++ b/huggingface 勉強会資料.pptx
@@ -6,7 +6,7 @@
     <p:sldMasterId id="2147483660" r:id="rId2"/>
   </p:sldMasterIdLst>
   <p:notesMasterIdLst>
-    <p:notesMasterId r:id="rId22"/>
+    <p:notesMasterId r:id="rId25"/>
   </p:notesMasterIdLst>
   <p:sldIdLst>
     <p:sldId id="256" r:id="rId3"/>
@@ -26,8 +26,11 @@
     <p:sldId id="271" r:id="rId17"/>
     <p:sldId id="272" r:id="rId18"/>
     <p:sldId id="277" r:id="rId19"/>
-    <p:sldId id="276" r:id="rId20"/>
-    <p:sldId id="268" r:id="rId21"/>
+    <p:sldId id="280" r:id="rId20"/>
+    <p:sldId id="281" r:id="rId21"/>
+    <p:sldId id="279" r:id="rId22"/>
+    <p:sldId id="276" r:id="rId23"/>
+    <p:sldId id="268" r:id="rId24"/>
   </p:sldIdLst>
   <p:sldSz cx="12192000" cy="6858000"/>
   <p:notesSz cx="6858000" cy="9144000"/>
@@ -219,7 +222,7 @@
           <a:p>
             <a:fld id="{0F6FE6BF-8118-024B-9766-ED4AD7D6B4B0}" type="datetimeFigureOut">
               <a:rPr kumimoji="1" lang="ja-JP" altLang="en-US" smtClean="0"/>
-              <a:t>2024/7/15</a:t>
+              <a:t>2024/7/16</a:t>
             </a:fld>
             <a:endParaRPr kumimoji="1" lang="ja-JP" altLang="en-US"/>
           </a:p>
@@ -847,7 +850,7 @@
           <a:p>
             <a:fld id="{B8C65C57-92FB-BC43-A324-D710D72DFC87}" type="datetimeFigureOut">
               <a:rPr kumimoji="1" lang="ja-JP" altLang="en-US" smtClean="0"/>
-              <a:t>2024/7/15</a:t>
+              <a:t>2024/7/16</a:t>
             </a:fld>
             <a:endParaRPr kumimoji="1" lang="ja-JP" altLang="en-US"/>
           </a:p>
@@ -1117,7 +1120,7 @@
           <a:p>
             <a:fld id="{B8C65C57-92FB-BC43-A324-D710D72DFC87}" type="datetimeFigureOut">
               <a:rPr kumimoji="1" lang="ja-JP" altLang="en-US" smtClean="0"/>
-              <a:t>2024/7/15</a:t>
+              <a:t>2024/7/16</a:t>
             </a:fld>
             <a:endParaRPr kumimoji="1" lang="ja-JP" altLang="en-US"/>
           </a:p>
@@ -1387,7 +1390,7 @@
           <a:p>
             <a:fld id="{B8C65C57-92FB-BC43-A324-D710D72DFC87}" type="datetimeFigureOut">
               <a:rPr kumimoji="1" lang="ja-JP" altLang="en-US" smtClean="0"/>
-              <a:t>2024/7/15</a:t>
+              <a:t>2024/7/16</a:t>
             </a:fld>
             <a:endParaRPr kumimoji="1" lang="ja-JP" altLang="en-US"/>
           </a:p>
@@ -1623,7 +1626,7 @@
           <a:p>
             <a:fld id="{38CF457C-A655-4B46-9667-899D8A188CFD}" type="datetimeFigureOut">
               <a:rPr kumimoji="1" lang="ja-JP" altLang="en-US" smtClean="0"/>
-              <a:t>2024/7/15</a:t>
+              <a:t>2024/7/16</a:t>
             </a:fld>
             <a:endParaRPr kumimoji="1" lang="ja-JP" altLang="en-US"/>
           </a:p>
@@ -1853,7 +1856,7 @@
           <a:p>
             <a:fld id="{38CF457C-A655-4B46-9667-899D8A188CFD}" type="datetimeFigureOut">
               <a:rPr kumimoji="1" lang="ja-JP" altLang="en-US" smtClean="0"/>
-              <a:t>2024/7/15</a:t>
+              <a:t>2024/7/16</a:t>
             </a:fld>
             <a:endParaRPr kumimoji="1" lang="ja-JP" altLang="en-US"/>
           </a:p>
@@ -2128,7 +2131,7 @@
           <a:p>
             <a:fld id="{38CF457C-A655-4B46-9667-899D8A188CFD}" type="datetimeFigureOut">
               <a:rPr kumimoji="1" lang="ja-JP" altLang="en-US" smtClean="0"/>
-              <a:t>2024/7/15</a:t>
+              <a:t>2024/7/16</a:t>
             </a:fld>
             <a:endParaRPr kumimoji="1" lang="ja-JP" altLang="en-US"/>
           </a:p>
@@ -2457,7 +2460,7 @@
           <a:p>
             <a:fld id="{38CF457C-A655-4B46-9667-899D8A188CFD}" type="datetimeFigureOut">
               <a:rPr kumimoji="1" lang="ja-JP" altLang="en-US" smtClean="0"/>
-              <a:t>2024/7/15</a:t>
+              <a:t>2024/7/16</a:t>
             </a:fld>
             <a:endParaRPr kumimoji="1" lang="ja-JP" altLang="en-US"/>
           </a:p>
@@ -2933,7 +2936,7 @@
           <a:p>
             <a:fld id="{38CF457C-A655-4B46-9667-899D8A188CFD}" type="datetimeFigureOut">
               <a:rPr kumimoji="1" lang="ja-JP" altLang="en-US" smtClean="0"/>
-              <a:t>2024/7/15</a:t>
+              <a:t>2024/7/16</a:t>
             </a:fld>
             <a:endParaRPr kumimoji="1" lang="ja-JP" altLang="en-US"/>
           </a:p>
@@ -3074,7 +3077,7 @@
           <a:p>
             <a:fld id="{38CF457C-A655-4B46-9667-899D8A188CFD}" type="datetimeFigureOut">
               <a:rPr kumimoji="1" lang="ja-JP" altLang="en-US" smtClean="0"/>
-              <a:t>2024/7/15</a:t>
+              <a:t>2024/7/16</a:t>
             </a:fld>
             <a:endParaRPr kumimoji="1" lang="ja-JP" altLang="en-US"/>
           </a:p>
@@ -3187,7 +3190,7 @@
           <a:p>
             <a:fld id="{38CF457C-A655-4B46-9667-899D8A188CFD}" type="datetimeFigureOut">
               <a:rPr kumimoji="1" lang="ja-JP" altLang="en-US" smtClean="0"/>
-              <a:t>2024/7/15</a:t>
+              <a:t>2024/7/16</a:t>
             </a:fld>
             <a:endParaRPr kumimoji="1" lang="ja-JP" altLang="en-US"/>
           </a:p>
@@ -3530,7 +3533,7 @@
           <a:p>
             <a:fld id="{38CF457C-A655-4B46-9667-899D8A188CFD}" type="datetimeFigureOut">
               <a:rPr kumimoji="1" lang="ja-JP" altLang="en-US" smtClean="0"/>
-              <a:t>2024/7/15</a:t>
+              <a:t>2024/7/16</a:t>
             </a:fld>
             <a:endParaRPr kumimoji="1" lang="ja-JP" altLang="en-US"/>
           </a:p>
@@ -3784,7 +3787,7 @@
           <a:p>
             <a:fld id="{B8C65C57-92FB-BC43-A324-D710D72DFC87}" type="datetimeFigureOut">
               <a:rPr kumimoji="1" lang="ja-JP" altLang="en-US" smtClean="0"/>
-              <a:t>2024/7/15</a:t>
+              <a:t>2024/7/16</a:t>
             </a:fld>
             <a:endParaRPr kumimoji="1" lang="ja-JP" altLang="en-US"/>
           </a:p>
@@ -4088,7 +4091,7 @@
           <a:p>
             <a:fld id="{38CF457C-A655-4B46-9667-899D8A188CFD}" type="datetimeFigureOut">
               <a:rPr kumimoji="1" lang="ja-JP" altLang="en-US" smtClean="0"/>
-              <a:t>2024/7/15</a:t>
+              <a:t>2024/7/16</a:t>
             </a:fld>
             <a:endParaRPr kumimoji="1" lang="ja-JP" altLang="en-US"/>
           </a:p>
@@ -4318,7 +4321,7 @@
           <a:p>
             <a:fld id="{38CF457C-A655-4B46-9667-899D8A188CFD}" type="datetimeFigureOut">
               <a:rPr kumimoji="1" lang="ja-JP" altLang="en-US" smtClean="0"/>
-              <a:t>2024/7/15</a:t>
+              <a:t>2024/7/16</a:t>
             </a:fld>
             <a:endParaRPr kumimoji="1" lang="ja-JP" altLang="en-US"/>
           </a:p>
@@ -4558,7 +4561,7 @@
           <a:p>
             <a:fld id="{38CF457C-A655-4B46-9667-899D8A188CFD}" type="datetimeFigureOut">
               <a:rPr kumimoji="1" lang="ja-JP" altLang="en-US" smtClean="0"/>
-              <a:t>2024/7/15</a:t>
+              <a:t>2024/7/16</a:t>
             </a:fld>
             <a:endParaRPr kumimoji="1" lang="ja-JP" altLang="en-US"/>
           </a:p>
@@ -4847,7 +4850,7 @@
           <a:p>
             <a:fld id="{B8C65C57-92FB-BC43-A324-D710D72DFC87}" type="datetimeFigureOut">
               <a:rPr kumimoji="1" lang="ja-JP" altLang="en-US" smtClean="0"/>
-              <a:t>2024/7/15</a:t>
+              <a:t>2024/7/16</a:t>
             </a:fld>
             <a:endParaRPr kumimoji="1" lang="ja-JP" altLang="en-US"/>
           </a:p>
@@ -5214,7 +5217,7 @@
           <a:p>
             <a:fld id="{B8C65C57-92FB-BC43-A324-D710D72DFC87}" type="datetimeFigureOut">
               <a:rPr kumimoji="1" lang="ja-JP" altLang="en-US" smtClean="0"/>
-              <a:t>2024/7/15</a:t>
+              <a:t>2024/7/16</a:t>
             </a:fld>
             <a:endParaRPr kumimoji="1" lang="ja-JP" altLang="en-US"/>
           </a:p>
@@ -5729,7 +5732,7 @@
           <a:p>
             <a:fld id="{B8C65C57-92FB-BC43-A324-D710D72DFC87}" type="datetimeFigureOut">
               <a:rPr kumimoji="1" lang="ja-JP" altLang="en-US" smtClean="0"/>
-              <a:t>2024/7/15</a:t>
+              <a:t>2024/7/16</a:t>
             </a:fld>
             <a:endParaRPr kumimoji="1" lang="ja-JP" altLang="en-US"/>
           </a:p>
@@ -5902,7 +5905,7 @@
           <a:p>
             <a:fld id="{B8C65C57-92FB-BC43-A324-D710D72DFC87}" type="datetimeFigureOut">
               <a:rPr kumimoji="1" lang="ja-JP" altLang="en-US" smtClean="0"/>
-              <a:t>2024/7/15</a:t>
+              <a:t>2024/7/16</a:t>
             </a:fld>
             <a:endParaRPr kumimoji="1" lang="ja-JP" altLang="en-US"/>
           </a:p>
@@ -6373,7 +6376,7 @@
           <a:p>
             <a:fld id="{B8C65C57-92FB-BC43-A324-D710D72DFC87}" type="datetimeFigureOut">
               <a:rPr kumimoji="1" lang="ja-JP" altLang="en-US" smtClean="0"/>
-              <a:t>2024/7/15</a:t>
+              <a:t>2024/7/16</a:t>
             </a:fld>
             <a:endParaRPr kumimoji="1" lang="ja-JP" altLang="en-US"/>
           </a:p>
@@ -6694,7 +6697,7 @@
           <a:p>
             <a:fld id="{B8C65C57-92FB-BC43-A324-D710D72DFC87}" type="datetimeFigureOut">
               <a:rPr kumimoji="1" lang="ja-JP" altLang="en-US" smtClean="0"/>
-              <a:t>2024/7/15</a:t>
+              <a:t>2024/7/16</a:t>
             </a:fld>
             <a:endParaRPr kumimoji="1" lang="ja-JP" altLang="en-US"/>
           </a:p>
@@ -9557,7 +9560,7 @@
           <a:p>
             <a:fld id="{38CF457C-A655-4B46-9667-899D8A188CFD}" type="datetimeFigureOut">
               <a:rPr kumimoji="1" lang="ja-JP" altLang="en-US" smtClean="0"/>
-              <a:t>2024/7/15</a:t>
+              <a:t>2024/7/16</a:t>
             </a:fld>
             <a:endParaRPr kumimoji="1" lang="ja-JP" altLang="en-US"/>
           </a:p>
@@ -13888,6 +13891,59 @@
           <a:chExt cx="0" cy="0"/>
         </a:xfrm>
       </p:grpSpPr>
+      <p:sp>
+        <p:nvSpPr>
+          <p:cNvPr id="2" name="タイトル 1">
+            <a:extLst>
+              <a:ext uri="{FF2B5EF4-FFF2-40B4-BE49-F238E27FC236}">
+                <a16:creationId xmlns:a16="http://schemas.microsoft.com/office/drawing/2014/main" id="{A63676D4-3186-7E66-6C35-34B0140AEAD6}"/>
+              </a:ext>
+            </a:extLst>
+          </p:cNvPr>
+          <p:cNvSpPr>
+            <a:spLocks noGrp="1"/>
+          </p:cNvSpPr>
+          <p:nvPr>
+            <p:ph type="title"/>
+          </p:nvPr>
+        </p:nvSpPr>
+        <p:spPr/>
+        <p:txBody>
+          <a:bodyPr/>
+          <a:lstStyle/>
+          <a:p>
+            <a:r>
+              <a:rPr lang="ja-JP" altLang="en-US"/>
+              <a:t>補足</a:t>
+            </a:r>
+          </a:p>
+        </p:txBody>
+      </p:sp>
+      <p:sp>
+        <p:nvSpPr>
+          <p:cNvPr id="3" name="テキスト プレースホルダー 2">
+            <a:extLst>
+              <a:ext uri="{FF2B5EF4-FFF2-40B4-BE49-F238E27FC236}">
+                <a16:creationId xmlns:a16="http://schemas.microsoft.com/office/drawing/2014/main" id="{1FCA5B1F-BAFD-256E-214F-37797AE5A581}"/>
+              </a:ext>
+            </a:extLst>
+          </p:cNvPr>
+          <p:cNvSpPr>
+            <a:spLocks noGrp="1"/>
+          </p:cNvSpPr>
+          <p:nvPr>
+            <p:ph type="body" idx="1"/>
+          </p:nvPr>
+        </p:nvSpPr>
+        <p:spPr/>
+        <p:txBody>
+          <a:bodyPr/>
+          <a:lstStyle/>
+          <a:p>
+            <a:endParaRPr lang="ja-JP" altLang="en-US"/>
+          </a:p>
+        </p:txBody>
+      </p:sp>
     </p:spTree>
     <p:extLst>
       <p:ext uri="{BB962C8B-B14F-4D97-AF65-F5344CB8AC3E}">
@@ -13923,7 +13979,7 @@
           <p:cNvPr id="2" name="タイトル 1">
             <a:extLst>
               <a:ext uri="{FF2B5EF4-FFF2-40B4-BE49-F238E27FC236}">
-                <a16:creationId xmlns:a16="http://schemas.microsoft.com/office/drawing/2014/main" id="{F458557E-FF60-2860-CD86-B468EF8D5FEA}"/>
+                <a16:creationId xmlns:a16="http://schemas.microsoft.com/office/drawing/2014/main" id="{CE904FBF-1DB4-091E-F7F9-0CB502C546C6}"/>
               </a:ext>
             </a:extLst>
           </p:cNvPr>
@@ -13939,25 +13995,624 @@
           <a:bodyPr/>
           <a:lstStyle/>
           <a:p>
-            <a:endParaRPr kumimoji="1" lang="ja-JP" altLang="en-US"/>
-          </a:p>
-        </p:txBody>
-      </p:sp>
-      <p:pic>
-        <p:nvPicPr>
-          <p:cNvPr id="5" name="コンテンツ プレースホルダー 4">
-            <a:extLst>
-              <a:ext uri="{FF2B5EF4-FFF2-40B4-BE49-F238E27FC236}">
-                <a16:creationId xmlns:a16="http://schemas.microsoft.com/office/drawing/2014/main" id="{5DD94EB4-0D15-DD3C-592A-4D658675385B}"/>
-              </a:ext>
-            </a:extLst>
-          </p:cNvPr>
-          <p:cNvPicPr>
-            <a:picLocks noGrp="1" noChangeAspect="1"/>
-          </p:cNvPicPr>
+            <a:r>
+              <a:rPr lang="en-US" altLang="ja-JP" b="1" dirty="0">
+                <a:effectLst/>
+                <a:latin typeface="Meiryo UI" panose="020B0604030504040204" pitchFamily="50" charset="-128"/>
+              </a:rPr>
+              <a:t>Datasets</a:t>
+            </a:r>
+            <a:r>
+              <a:rPr lang="ja-JP" altLang="en-US" b="1">
+                <a:effectLst/>
+                <a:latin typeface="Meiryo UI" panose="020B0604030504040204" pitchFamily="50" charset="-128"/>
+              </a:rPr>
+              <a:t>の便利なところ</a:t>
+            </a:r>
+            <a:endParaRPr kumimoji="1" lang="ja-JP" altLang="en-US" dirty="0"/>
+          </a:p>
+        </p:txBody>
+      </p:sp>
+      <p:sp>
+        <p:nvSpPr>
+          <p:cNvPr id="3" name="コンテンツ プレースホルダー 2">
+            <a:extLst>
+              <a:ext uri="{FF2B5EF4-FFF2-40B4-BE49-F238E27FC236}">
+                <a16:creationId xmlns:a16="http://schemas.microsoft.com/office/drawing/2014/main" id="{9B5389DB-3BEA-2654-6147-F2E094E80009}"/>
+              </a:ext>
+            </a:extLst>
+          </p:cNvPr>
+          <p:cNvSpPr>
+            <a:spLocks noGrp="1"/>
+          </p:cNvSpPr>
           <p:nvPr>
             <p:ph idx="1"/>
           </p:nvPr>
+        </p:nvSpPr>
+        <p:spPr>
+          <a:xfrm>
+            <a:off x="838199" y="1825625"/>
+            <a:ext cx="9162327" cy="4351338"/>
+          </a:xfrm>
+        </p:spPr>
+        <p:txBody>
+          <a:bodyPr/>
+          <a:lstStyle/>
+          <a:p>
+            <a:r>
+              <a:rPr kumimoji="1" lang="ja-JP" altLang="en-US"/>
+              <a:t>強力な</a:t>
+            </a:r>
+            <a:r>
+              <a:rPr kumimoji="1" lang="en-US" altLang="ja-JP" dirty="0"/>
+              <a:t>map</a:t>
+            </a:r>
+            <a:r>
+              <a:rPr kumimoji="1" lang="ja-JP" altLang="en-US"/>
+              <a:t>関数</a:t>
+            </a:r>
+            <a:endParaRPr kumimoji="1" lang="en-US" altLang="ja-JP" dirty="0"/>
+          </a:p>
+          <a:p>
+            <a:pPr marL="457200" lvl="1" indent="0">
+              <a:buNone/>
+            </a:pPr>
+            <a:r>
+              <a:rPr lang="en-US" altLang="ja-JP" dirty="0"/>
+              <a:t>Python</a:t>
+            </a:r>
+            <a:r>
+              <a:rPr lang="ja-JP" altLang="en-US"/>
+              <a:t>の</a:t>
+            </a:r>
+            <a:r>
+              <a:rPr lang="en-US" altLang="ja-JP" dirty="0"/>
+              <a:t>map</a:t>
+            </a:r>
+            <a:r>
+              <a:rPr lang="ja-JP" altLang="en-US"/>
+              <a:t>関数より遥かに強力</a:t>
+            </a:r>
+            <a:endParaRPr lang="en-US" altLang="ja-JP" dirty="0"/>
+          </a:p>
+          <a:p>
+            <a:pPr marL="457200" lvl="1" indent="0">
+              <a:buNone/>
+            </a:pPr>
+            <a:endParaRPr kumimoji="1" lang="en-US" altLang="ja-JP" dirty="0"/>
+          </a:p>
+          <a:p>
+            <a:r>
+              <a:rPr lang="ja-JP" altLang="en-US"/>
+              <a:t>使いやすい</a:t>
+            </a:r>
+            <a:r>
+              <a:rPr lang="en-US" altLang="ja-JP" dirty="0"/>
+              <a:t>Dataset</a:t>
+            </a:r>
+            <a:r>
+              <a:rPr lang="ja-JP" altLang="en-US"/>
+              <a:t>形式</a:t>
+            </a:r>
+            <a:endParaRPr lang="en-US" altLang="ja-JP" dirty="0"/>
+          </a:p>
+          <a:p>
+            <a:pPr marL="457200" lvl="1" indent="0">
+              <a:buNone/>
+            </a:pPr>
+            <a:r>
+              <a:rPr lang="ja-JP" altLang="en-US"/>
+              <a:t>ほぼ、辞書形式</a:t>
+            </a:r>
+            <a:endParaRPr lang="en-US" altLang="ja-JP" dirty="0"/>
+          </a:p>
+          <a:p>
+            <a:pPr marL="457200" lvl="1" indent="0">
+              <a:buNone/>
+            </a:pPr>
+            <a:endParaRPr lang="en-US" altLang="ja-JP" dirty="0"/>
+          </a:p>
+          <a:p>
+            <a:r>
+              <a:rPr lang="en-US" altLang="ja-JP" dirty="0"/>
+              <a:t>stream</a:t>
+            </a:r>
+          </a:p>
+          <a:p>
+            <a:pPr marL="457200" lvl="1" indent="0">
+              <a:buNone/>
+            </a:pPr>
+            <a:r>
+              <a:rPr kumimoji="1" lang="ja-JP" altLang="en-US"/>
+              <a:t>必要なデータだけを取得しながら使える</a:t>
+            </a:r>
+          </a:p>
+        </p:txBody>
+      </p:sp>
+    </p:spTree>
+    <p:extLst>
+      <p:ext uri="{BB962C8B-B14F-4D97-AF65-F5344CB8AC3E}">
+        <p14:creationId xmlns:p14="http://schemas.microsoft.com/office/powerpoint/2010/main" val="2196978417"/>
+      </p:ext>
+    </p:extLst>
+  </p:cSld>
+  <p:clrMapOvr>
+    <a:masterClrMapping/>
+  </p:clrMapOvr>
+</p:sld>
+</file>
+
+<file path=ppt/slides/slide19.xml><?xml version="1.0" encoding="utf-8"?>
+<p:sld xmlns:a="http://schemas.openxmlformats.org/drawingml/2006/main" xmlns:r="http://schemas.openxmlformats.org/officeDocument/2006/relationships" xmlns:p="http://schemas.openxmlformats.org/presentationml/2006/main">
+  <p:cSld>
+    <p:spTree>
+      <p:nvGrpSpPr>
+        <p:cNvPr id="1" name=""/>
+        <p:cNvGrpSpPr/>
+        <p:nvPr/>
+      </p:nvGrpSpPr>
+      <p:grpSpPr>
+        <a:xfrm>
+          <a:off x="0" y="0"/>
+          <a:ext cx="0" cy="0"/>
+          <a:chOff x="0" y="0"/>
+          <a:chExt cx="0" cy="0"/>
+        </a:xfrm>
+      </p:grpSpPr>
+      <p:pic>
+        <p:nvPicPr>
+          <p:cNvPr id="2050" name="Picture 2" descr="attention-mask">
+            <a:extLst>
+              <a:ext uri="{FF2B5EF4-FFF2-40B4-BE49-F238E27FC236}">
+                <a16:creationId xmlns:a16="http://schemas.microsoft.com/office/drawing/2014/main" id="{6BD77080-BD09-B5C2-1D63-6836EE8F5FD1}"/>
+              </a:ext>
+            </a:extLst>
+          </p:cNvPr>
+          <p:cNvPicPr>
+            <a:picLocks noChangeAspect="1" noChangeArrowheads="1"/>
+          </p:cNvPicPr>
+          <p:nvPr/>
+        </p:nvPicPr>
+        <p:blipFill>
+          <a:blip r:embed="rId2">
+            <a:extLst>
+              <a:ext uri="{28A0092B-C50C-407E-A947-70E740481C1C}">
+                <a14:useLocalDpi xmlns:a14="http://schemas.microsoft.com/office/drawing/2010/main" val="0"/>
+              </a:ext>
+            </a:extLst>
+          </a:blip>
+          <a:srcRect/>
+          <a:stretch>
+            <a:fillRect/>
+          </a:stretch>
+        </p:blipFill>
+        <p:spPr bwMode="auto">
+          <a:xfrm>
+            <a:off x="0" y="1362075"/>
+            <a:ext cx="12192000" cy="4132263"/>
+          </a:xfrm>
+          <a:prstGeom prst="rect">
+            <a:avLst/>
+          </a:prstGeom>
+          <a:noFill/>
+          <a:extLst>
+            <a:ext uri="{909E8E84-426E-40DD-AFC4-6F175D3DCCD1}">
+              <a14:hiddenFill xmlns:a14="http://schemas.microsoft.com/office/drawing/2010/main">
+                <a:solidFill>
+                  <a:srgbClr val="FFFFFF"/>
+                </a:solidFill>
+              </a14:hiddenFill>
+            </a:ext>
+          </a:extLst>
+        </p:spPr>
+      </p:pic>
+    </p:spTree>
+    <p:extLst>
+      <p:ext uri="{BB962C8B-B14F-4D97-AF65-F5344CB8AC3E}">
+        <p14:creationId xmlns:p14="http://schemas.microsoft.com/office/powerpoint/2010/main" val="4119727776"/>
+      </p:ext>
+    </p:extLst>
+  </p:cSld>
+  <p:clrMapOvr>
+    <a:masterClrMapping/>
+  </p:clrMapOvr>
+</p:sld>
+</file>
+
+<file path=ppt/slides/slide2.xml><?xml version="1.0" encoding="utf-8"?>
+<p:sld xmlns:a="http://schemas.openxmlformats.org/drawingml/2006/main" xmlns:r="http://schemas.openxmlformats.org/officeDocument/2006/relationships" xmlns:p="http://schemas.openxmlformats.org/presentationml/2006/main">
+  <p:cSld>
+    <p:spTree>
+      <p:nvGrpSpPr>
+        <p:cNvPr id="1" name=""/>
+        <p:cNvGrpSpPr/>
+        <p:nvPr/>
+      </p:nvGrpSpPr>
+      <p:grpSpPr>
+        <a:xfrm>
+          <a:off x="0" y="0"/>
+          <a:ext cx="0" cy="0"/>
+          <a:chOff x="0" y="0"/>
+          <a:chExt cx="0" cy="0"/>
+        </a:xfrm>
+      </p:grpSpPr>
+      <p:sp>
+        <p:nvSpPr>
+          <p:cNvPr id="2" name="タイトル 1">
+            <a:extLst>
+              <a:ext uri="{FF2B5EF4-FFF2-40B4-BE49-F238E27FC236}">
+                <a16:creationId xmlns:a16="http://schemas.microsoft.com/office/drawing/2014/main" id="{87DB155F-5559-CEF5-3E57-319AE3F4B232}"/>
+              </a:ext>
+            </a:extLst>
+          </p:cNvPr>
+          <p:cNvSpPr>
+            <a:spLocks noGrp="1"/>
+          </p:cNvSpPr>
+          <p:nvPr>
+            <p:ph type="title"/>
+          </p:nvPr>
+        </p:nvSpPr>
+        <p:spPr/>
+        <p:txBody>
+          <a:bodyPr/>
+          <a:lstStyle/>
+          <a:p>
+            <a:r>
+              <a:rPr kumimoji="1" lang="ja-JP" altLang="en-US"/>
+              <a:t>目次</a:t>
+            </a:r>
+          </a:p>
+        </p:txBody>
+      </p:sp>
+      <p:sp>
+        <p:nvSpPr>
+          <p:cNvPr id="9" name="コンテンツ プレースホルダー 2">
+            <a:extLst>
+              <a:ext uri="{FF2B5EF4-FFF2-40B4-BE49-F238E27FC236}">
+                <a16:creationId xmlns:a16="http://schemas.microsoft.com/office/drawing/2014/main" id="{0683964A-0BED-07D3-5AFB-3B6CBA808047}"/>
+              </a:ext>
+            </a:extLst>
+          </p:cNvPr>
+          <p:cNvSpPr>
+            <a:spLocks noGrp="1"/>
+          </p:cNvSpPr>
+          <p:nvPr>
+            <p:ph idx="1"/>
+          </p:nvPr>
+        </p:nvSpPr>
+        <p:spPr>
+          <a:xfrm>
+            <a:off x="838200" y="1825625"/>
+            <a:ext cx="10515600" cy="4351338"/>
+          </a:xfrm>
+        </p:spPr>
+        <p:txBody>
+          <a:bodyPr>
+            <a:normAutofit fontScale="92500" lnSpcReduction="10000"/>
+          </a:bodyPr>
+          <a:lstStyle/>
+          <a:p>
+            <a:r>
+              <a:rPr lang="ja-JP" altLang="en-US" b="1" dirty="0"/>
+              <a:t>自己紹介</a:t>
+            </a:r>
+            <a:endParaRPr lang="en-US" altLang="ja-JP" b="1" dirty="0"/>
+          </a:p>
+          <a:p>
+            <a:r>
+              <a:rPr kumimoji="1" lang="ja-JP" altLang="en-US" b="1" dirty="0"/>
+              <a:t>勉強会の目的</a:t>
+            </a:r>
+            <a:endParaRPr kumimoji="1" lang="en-US" altLang="ja-JP" b="1" dirty="0"/>
+          </a:p>
+          <a:p>
+            <a:r>
+              <a:rPr lang="en-US" altLang="ja-JP" b="1" dirty="0"/>
+              <a:t>Hugging Face</a:t>
+            </a:r>
+            <a:r>
+              <a:rPr lang="ja-JP" altLang="en-US" b="1" dirty="0"/>
+              <a:t>を使おうと思ったわけ</a:t>
+            </a:r>
+          </a:p>
+          <a:p>
+            <a:r>
+              <a:rPr lang="en-US" altLang="ja-JP" b="1" dirty="0">
+                <a:effectLst/>
+              </a:rPr>
+              <a:t>Hugging Face</a:t>
+            </a:r>
+            <a:r>
+              <a:rPr lang="ja-JP" altLang="en-US" b="1" dirty="0">
+                <a:effectLst/>
+              </a:rPr>
+              <a:t>とは</a:t>
+            </a:r>
+            <a:endParaRPr lang="en-US" altLang="ja-JP" b="1" dirty="0">
+              <a:effectLst/>
+            </a:endParaRPr>
+          </a:p>
+          <a:p>
+            <a:r>
+              <a:rPr lang="en-US" altLang="ja-JP" b="1" dirty="0"/>
+              <a:t>Hugging Face</a:t>
+            </a:r>
+            <a:r>
+              <a:rPr lang="ja-JP" altLang="en-US" b="1" dirty="0"/>
+              <a:t>サイトの構成と見方</a:t>
+            </a:r>
+          </a:p>
+          <a:p>
+            <a:r>
+              <a:rPr lang="ja-JP" altLang="en-US" b="1">
+                <a:effectLst/>
+              </a:rPr>
+              <a:t>デモンストレーション</a:t>
+            </a:r>
+            <a:endParaRPr lang="en-US" altLang="ja-JP" b="1" dirty="0">
+              <a:effectLst/>
+            </a:endParaRPr>
+          </a:p>
+          <a:p>
+            <a:pPr lvl="1"/>
+            <a:r>
+              <a:rPr lang="ja-JP" altLang="en-US" b="1"/>
+              <a:t>デモンストレーションの前に</a:t>
+            </a:r>
+            <a:endParaRPr lang="en-US" altLang="ja-JP" b="1" dirty="0"/>
+          </a:p>
+          <a:p>
+            <a:pPr lvl="1"/>
+            <a:r>
+              <a:rPr lang="en-US" altLang="ja-JP" b="1" dirty="0">
+                <a:effectLst/>
+              </a:rPr>
+              <a:t>Google </a:t>
+            </a:r>
+            <a:r>
+              <a:rPr lang="en-US" altLang="ja-JP" b="1" dirty="0" err="1">
+                <a:effectLst/>
+              </a:rPr>
+              <a:t>Colab</a:t>
+            </a:r>
+            <a:r>
+              <a:rPr lang="ja-JP" altLang="en-US" b="1">
+                <a:effectLst/>
+              </a:rPr>
+              <a:t>で使ってみる</a:t>
+            </a:r>
+            <a:endParaRPr lang="ja-JP" altLang="en-US" b="1" dirty="0">
+              <a:effectLst/>
+            </a:endParaRPr>
+          </a:p>
+          <a:p>
+            <a:r>
+              <a:rPr lang="en-US" altLang="ja-JP" b="1" dirty="0" err="1">
+                <a:effectLst/>
+              </a:rPr>
+              <a:t>UseCase</a:t>
+            </a:r>
+            <a:r>
+              <a:rPr lang="ja-JP" altLang="en-US" b="1">
+                <a:effectLst/>
+              </a:rPr>
+              <a:t>を考えてみよう</a:t>
+            </a:r>
+            <a:endParaRPr lang="en-US" altLang="ja-JP" b="1" dirty="0">
+              <a:effectLst/>
+            </a:endParaRPr>
+          </a:p>
+          <a:p>
+            <a:r>
+              <a:rPr lang="ja-JP" altLang="en-US" b="1">
+                <a:effectLst/>
+              </a:rPr>
+              <a:t>まとめ</a:t>
+            </a:r>
+            <a:endParaRPr lang="ja-JP" altLang="en-US" b="1" dirty="0">
+              <a:effectLst/>
+            </a:endParaRPr>
+          </a:p>
+          <a:p>
+            <a:endParaRPr kumimoji="1" lang="ja-JP" altLang="en-US" b="1" dirty="0"/>
+          </a:p>
+        </p:txBody>
+      </p:sp>
+      <p:sp>
+        <p:nvSpPr>
+          <p:cNvPr id="3" name="テキスト ボックス 2">
+            <a:extLst>
+              <a:ext uri="{FF2B5EF4-FFF2-40B4-BE49-F238E27FC236}">
+                <a16:creationId xmlns:a16="http://schemas.microsoft.com/office/drawing/2014/main" id="{4E68C200-F5EA-5B43-FBAF-A870ABAFD21A}"/>
+              </a:ext>
+            </a:extLst>
+          </p:cNvPr>
+          <p:cNvSpPr txBox="1"/>
+          <p:nvPr/>
+        </p:nvSpPr>
+        <p:spPr>
+          <a:xfrm>
+            <a:off x="7853082" y="4359883"/>
+            <a:ext cx="3235181" cy="1477328"/>
+          </a:xfrm>
+          <a:prstGeom prst="rect">
+            <a:avLst/>
+          </a:prstGeom>
+          <a:noFill/>
+          <a:ln>
+            <a:solidFill>
+              <a:schemeClr val="tx1"/>
+            </a:solidFill>
+          </a:ln>
+        </p:spPr>
+        <p:txBody>
+          <a:bodyPr wrap="square" rtlCol="0">
+            <a:spAutoFit/>
+          </a:bodyPr>
+          <a:lstStyle/>
+          <a:p>
+            <a:r>
+              <a:rPr kumimoji="1" lang="ja-JP" altLang="en-US">
+                <a:latin typeface="Meiryo UI" panose="020B0604030504040204" pitchFamily="34" charset="-128"/>
+                <a:ea typeface="Meiryo UI" panose="020B0604030504040204" pitchFamily="34" charset="-128"/>
+              </a:rPr>
+              <a:t>本日の想定レベル：⭐️⭐️</a:t>
+            </a:r>
+            <a:r>
+              <a:rPr kumimoji="1" lang="en-US" altLang="ja-JP" dirty="0">
+                <a:latin typeface="Meiryo UI" panose="020B0604030504040204" pitchFamily="34" charset="-128"/>
+                <a:ea typeface="Meiryo UI" panose="020B0604030504040204" pitchFamily="34" charset="-128"/>
+              </a:rPr>
+              <a:t>○○○</a:t>
+            </a:r>
+          </a:p>
+          <a:p>
+            <a:endParaRPr kumimoji="1" lang="en-US" altLang="ja-JP" dirty="0">
+              <a:latin typeface="Meiryo UI" panose="020B0604030504040204" pitchFamily="34" charset="-128"/>
+              <a:ea typeface="Meiryo UI" panose="020B0604030504040204" pitchFamily="34" charset="-128"/>
+            </a:endParaRPr>
+          </a:p>
+          <a:p>
+            <a:r>
+              <a:rPr lang="en-US" altLang="ja-JP" dirty="0">
+                <a:latin typeface="Meiryo UI" panose="020B0604030504040204" pitchFamily="34" charset="-128"/>
+                <a:ea typeface="Meiryo UI" panose="020B0604030504040204" pitchFamily="34" charset="-128"/>
+              </a:rPr>
+              <a:t>Python	</a:t>
+            </a:r>
+            <a:r>
+              <a:rPr lang="ja-JP" altLang="en-US">
+                <a:latin typeface="Meiryo UI" panose="020B0604030504040204" pitchFamily="34" charset="-128"/>
+                <a:ea typeface="Meiryo UI" panose="020B0604030504040204" pitchFamily="34" charset="-128"/>
+              </a:rPr>
+              <a:t>：ちょっとわかる</a:t>
+            </a:r>
+            <a:endParaRPr lang="en-US" altLang="ja-JP" dirty="0">
+              <a:latin typeface="Meiryo UI" panose="020B0604030504040204" pitchFamily="34" charset="-128"/>
+              <a:ea typeface="Meiryo UI" panose="020B0604030504040204" pitchFamily="34" charset="-128"/>
+            </a:endParaRPr>
+          </a:p>
+          <a:p>
+            <a:r>
+              <a:rPr kumimoji="1" lang="en-US" altLang="ja-JP" dirty="0">
+                <a:latin typeface="Meiryo UI" panose="020B0604030504040204" pitchFamily="34" charset="-128"/>
+                <a:ea typeface="Meiryo UI" panose="020B0604030504040204" pitchFamily="34" charset="-128"/>
+              </a:rPr>
+              <a:t>LLM	</a:t>
+            </a:r>
+            <a:r>
+              <a:rPr kumimoji="1" lang="ja-JP" altLang="en-US">
+                <a:latin typeface="Meiryo UI" panose="020B0604030504040204" pitchFamily="34" charset="-128"/>
+                <a:ea typeface="Meiryo UI" panose="020B0604030504040204" pitchFamily="34" charset="-128"/>
+              </a:rPr>
+              <a:t>：ちょっとわかる</a:t>
+            </a:r>
+            <a:endParaRPr kumimoji="1" lang="en-US" altLang="ja-JP" dirty="0">
+              <a:latin typeface="Meiryo UI" panose="020B0604030504040204" pitchFamily="34" charset="-128"/>
+              <a:ea typeface="Meiryo UI" panose="020B0604030504040204" pitchFamily="34" charset="-128"/>
+            </a:endParaRPr>
+          </a:p>
+          <a:p>
+            <a:r>
+              <a:rPr lang="ja-JP" altLang="en-US">
+                <a:latin typeface="Meiryo UI" panose="020B0604030504040204" pitchFamily="34" charset="-128"/>
+                <a:ea typeface="Meiryo UI" panose="020B0604030504040204" pitchFamily="34" charset="-128"/>
+              </a:rPr>
+              <a:t>英語</a:t>
+            </a:r>
+            <a:r>
+              <a:rPr lang="en-US" altLang="ja-JP" dirty="0">
+                <a:latin typeface="Meiryo UI" panose="020B0604030504040204" pitchFamily="34" charset="-128"/>
+                <a:ea typeface="Meiryo UI" panose="020B0604030504040204" pitchFamily="34" charset="-128"/>
+              </a:rPr>
+              <a:t>	</a:t>
+            </a:r>
+            <a:r>
+              <a:rPr lang="ja-JP" altLang="en-US">
+                <a:latin typeface="Meiryo UI" panose="020B0604030504040204" pitchFamily="34" charset="-128"/>
+                <a:ea typeface="Meiryo UI" panose="020B0604030504040204" pitchFamily="34" charset="-128"/>
+              </a:rPr>
+              <a:t>：ほとんどわかんない</a:t>
+            </a:r>
+            <a:endParaRPr lang="en-US" altLang="ja-JP" dirty="0">
+              <a:latin typeface="Meiryo UI" panose="020B0604030504040204" pitchFamily="34" charset="-128"/>
+              <a:ea typeface="Meiryo UI" panose="020B0604030504040204" pitchFamily="34" charset="-128"/>
+            </a:endParaRPr>
+          </a:p>
+        </p:txBody>
+      </p:sp>
+    </p:spTree>
+    <p:extLst>
+      <p:ext uri="{BB962C8B-B14F-4D97-AF65-F5344CB8AC3E}">
+        <p14:creationId xmlns:p14="http://schemas.microsoft.com/office/powerpoint/2010/main" val="2978765668"/>
+      </p:ext>
+    </p:extLst>
+  </p:cSld>
+  <p:clrMapOvr>
+    <a:masterClrMapping/>
+  </p:clrMapOvr>
+</p:sld>
+</file>
+
+<file path=ppt/slides/slide20.xml><?xml version="1.0" encoding="utf-8"?>
+<p:sld xmlns:a="http://schemas.openxmlformats.org/drawingml/2006/main" xmlns:r="http://schemas.openxmlformats.org/officeDocument/2006/relationships" xmlns:p="http://schemas.openxmlformats.org/presentationml/2006/main">
+  <p:cSld>
+    <p:spTree>
+      <p:nvGrpSpPr>
+        <p:cNvPr id="1" name=""/>
+        <p:cNvGrpSpPr/>
+        <p:nvPr/>
+      </p:nvGrpSpPr>
+      <p:grpSpPr>
+        <a:xfrm>
+          <a:off x="0" y="0"/>
+          <a:ext cx="0" cy="0"/>
+          <a:chOff x="0" y="0"/>
+          <a:chExt cx="0" cy="0"/>
+        </a:xfrm>
+      </p:grpSpPr>
+      <p:sp>
+        <p:nvSpPr>
+          <p:cNvPr id="5" name="タイトル 4">
+            <a:extLst>
+              <a:ext uri="{FF2B5EF4-FFF2-40B4-BE49-F238E27FC236}">
+                <a16:creationId xmlns:a16="http://schemas.microsoft.com/office/drawing/2014/main" id="{5552D9F1-D248-FACD-CB39-356F612F7403}"/>
+              </a:ext>
+            </a:extLst>
+          </p:cNvPr>
+          <p:cNvSpPr>
+            <a:spLocks noGrp="1"/>
+          </p:cNvSpPr>
+          <p:nvPr>
+            <p:ph type="title"/>
+          </p:nvPr>
+        </p:nvSpPr>
+        <p:spPr/>
+        <p:txBody>
+          <a:bodyPr/>
+          <a:lstStyle/>
+          <a:p>
+            <a:r>
+              <a:rPr lang="en-US" altLang="ja-JP" dirty="0"/>
+              <a:t>Login</a:t>
+            </a:r>
+            <a:endParaRPr lang="ja-JP" altLang="en-US"/>
+          </a:p>
+        </p:txBody>
+      </p:sp>
+      <p:pic>
+        <p:nvPicPr>
+          <p:cNvPr id="4" name="図 3" descr="テキスト&#10;&#10;自動的に生成された説明">
+            <a:extLst>
+              <a:ext uri="{FF2B5EF4-FFF2-40B4-BE49-F238E27FC236}">
+                <a16:creationId xmlns:a16="http://schemas.microsoft.com/office/drawing/2014/main" id="{3B3C9D06-7004-40C5-366F-F1F44EEF6534}"/>
+              </a:ext>
+            </a:extLst>
+          </p:cNvPr>
+          <p:cNvPicPr>
+            <a:picLocks noChangeAspect="1"/>
+          </p:cNvPicPr>
+          <p:nvPr/>
         </p:nvPicPr>
         <p:blipFill>
           <a:blip r:embed="rId2"/>
@@ -13967,22 +14622,82 @@
         </p:blipFill>
         <p:spPr>
           <a:xfrm>
-            <a:off x="3993588" y="6048614"/>
-            <a:ext cx="6146800" cy="203200"/>
+            <a:off x="838201" y="2675332"/>
+            <a:ext cx="10515600" cy="1534464"/>
           </a:xfrm>
-          <a:ln>
-            <a:solidFill>
-              <a:schemeClr val="accent1"/>
-            </a:solidFill>
-          </a:ln>
+          <a:prstGeom prst="rect">
+            <a:avLst/>
+          </a:prstGeom>
         </p:spPr>
       </p:pic>
+    </p:spTree>
+    <p:extLst>
+      <p:ext uri="{BB962C8B-B14F-4D97-AF65-F5344CB8AC3E}">
+        <p14:creationId xmlns:p14="http://schemas.microsoft.com/office/powerpoint/2010/main" val="3073071557"/>
+      </p:ext>
+    </p:extLst>
+  </p:cSld>
+  <p:clrMapOvr>
+    <a:masterClrMapping/>
+  </p:clrMapOvr>
+</p:sld>
+</file>
+
+<file path=ppt/slides/slide21.xml><?xml version="1.0" encoding="utf-8"?>
+<p:sld xmlns:a="http://schemas.openxmlformats.org/drawingml/2006/main" xmlns:r="http://schemas.openxmlformats.org/officeDocument/2006/relationships" xmlns:p="http://schemas.openxmlformats.org/presentationml/2006/main">
+  <p:cSld>
+    <p:spTree>
+      <p:nvGrpSpPr>
+        <p:cNvPr id="1" name=""/>
+        <p:cNvGrpSpPr/>
+        <p:nvPr/>
+      </p:nvGrpSpPr>
+      <p:grpSpPr>
+        <a:xfrm>
+          <a:off x="0" y="0"/>
+          <a:ext cx="0" cy="0"/>
+          <a:chOff x="0" y="0"/>
+          <a:chExt cx="0" cy="0"/>
+        </a:xfrm>
+      </p:grpSpPr>
+      <p:sp>
+        <p:nvSpPr>
+          <p:cNvPr id="2" name="タイトル 1">
+            <a:extLst>
+              <a:ext uri="{FF2B5EF4-FFF2-40B4-BE49-F238E27FC236}">
+                <a16:creationId xmlns:a16="http://schemas.microsoft.com/office/drawing/2014/main" id="{F458557E-FF60-2860-CD86-B468EF8D5FEA}"/>
+              </a:ext>
+            </a:extLst>
+          </p:cNvPr>
+          <p:cNvSpPr>
+            <a:spLocks noGrp="1"/>
+          </p:cNvSpPr>
+          <p:nvPr>
+            <p:ph type="title"/>
+          </p:nvPr>
+        </p:nvSpPr>
+        <p:spPr/>
+        <p:txBody>
+          <a:bodyPr/>
+          <a:lstStyle/>
+          <a:p>
+            <a:r>
+              <a:rPr kumimoji="1" lang="en-US" altLang="ja-JP" dirty="0"/>
+              <a:t>Windows</a:t>
+            </a:r>
+            <a:r>
+              <a:rPr kumimoji="1" lang="ja-JP" altLang="en-US"/>
+              <a:t>固有の設定</a:t>
+            </a:r>
+          </a:p>
+        </p:txBody>
+      </p:sp>
       <p:pic>
         <p:nvPicPr>
-          <p:cNvPr id="7" name="図 6" descr="テキスト&#10;&#10;自動的に生成された説明">
-            <a:extLst>
-              <a:ext uri="{FF2B5EF4-FFF2-40B4-BE49-F238E27FC236}">
-                <a16:creationId xmlns:a16="http://schemas.microsoft.com/office/drawing/2014/main" id="{2D9428CF-7237-5B5A-D325-A2126B9E17FA}"/>
+          <p:cNvPr id="9" name="図 8" descr="グラフィカル ユーザー インターフェイス, テキスト, アプリケーション, メール&#10;&#10;自動的に生成された説明">
+            <a:extLst>
+              <a:ext uri="{FF2B5EF4-FFF2-40B4-BE49-F238E27FC236}">
+                <a16:creationId xmlns:a16="http://schemas.microsoft.com/office/drawing/2014/main" id="{CEFE8A65-F9D3-EA6F-D90E-038FF7B2ED29}"/>
               </a:ext>
             </a:extLst>
           </p:cNvPr>
@@ -13992,45 +14707,15 @@
           <p:nvPr/>
         </p:nvPicPr>
         <p:blipFill>
-          <a:blip r:embed="rId3"/>
+          <a:blip r:embed="rId2"/>
           <a:stretch>
             <a:fillRect/>
           </a:stretch>
         </p:blipFill>
         <p:spPr>
           <a:xfrm>
-            <a:off x="838200" y="1343654"/>
-            <a:ext cx="7772400" cy="1134169"/>
-          </a:xfrm>
-          <a:prstGeom prst="rect">
-            <a:avLst/>
-          </a:prstGeom>
-        </p:spPr>
-      </p:pic>
-      <p:pic>
-        <p:nvPicPr>
-          <p:cNvPr id="9" name="図 8" descr="グラフィカル ユーザー インターフェイス, テキスト, アプリケーション, メール&#10;&#10;自動的に生成された説明">
-            <a:extLst>
-              <a:ext uri="{FF2B5EF4-FFF2-40B4-BE49-F238E27FC236}">
-                <a16:creationId xmlns:a16="http://schemas.microsoft.com/office/drawing/2014/main" id="{CEFE8A65-F9D3-EA6F-D90E-038FF7B2ED29}"/>
-              </a:ext>
-            </a:extLst>
-          </p:cNvPr>
-          <p:cNvPicPr>
-            <a:picLocks noChangeAspect="1"/>
-          </p:cNvPicPr>
-          <p:nvPr/>
-        </p:nvPicPr>
-        <p:blipFill>
-          <a:blip r:embed="rId4"/>
-          <a:stretch>
-            <a:fillRect/>
-          </a:stretch>
-        </p:blipFill>
-        <p:spPr>
-          <a:xfrm>
-            <a:off x="6562846" y="2384686"/>
-            <a:ext cx="3577542" cy="1972909"/>
+            <a:off x="838200" y="1828800"/>
+            <a:ext cx="7720585" cy="4257675"/>
           </a:xfrm>
           <a:prstGeom prst="rect">
             <a:avLst/>
@@ -14042,107 +14727,6 @@
           </a:ln>
         </p:spPr>
       </p:pic>
-      <p:sp>
-        <p:nvSpPr>
-          <p:cNvPr id="13" name="テキスト ボックス 12">
-            <a:extLst>
-              <a:ext uri="{FF2B5EF4-FFF2-40B4-BE49-F238E27FC236}">
-                <a16:creationId xmlns:a16="http://schemas.microsoft.com/office/drawing/2014/main" id="{DE48C8ED-60F1-3945-F31A-BE3FA432DB91}"/>
-              </a:ext>
-            </a:extLst>
-          </p:cNvPr>
-          <p:cNvSpPr txBox="1"/>
-          <p:nvPr/>
-        </p:nvSpPr>
-        <p:spPr>
-          <a:xfrm>
-            <a:off x="484369" y="4270442"/>
-            <a:ext cx="5889262" cy="2031325"/>
-          </a:xfrm>
-          <a:prstGeom prst="rect">
-            <a:avLst/>
-          </a:prstGeom>
-          <a:noFill/>
-        </p:spPr>
-        <p:txBody>
-          <a:bodyPr wrap="square">
-            <a:spAutoFit/>
-          </a:bodyPr>
-          <a:lstStyle/>
-          <a:p>
-            <a:r>
-              <a:rPr lang="ja-JP" altLang="en-US"/>
-              <a:t>時々認証が必要</a:t>
-            </a:r>
-            <a:endParaRPr lang="en-US" altLang="ja-JP" dirty="0"/>
-          </a:p>
-          <a:p>
-            <a:pPr marL="285750" indent="-285750">
-              <a:buFont typeface="Arial" panose="020B0604020202020204" pitchFamily="34" charset="0"/>
-              <a:buChar char="•"/>
-            </a:pPr>
-            <a:r>
-              <a:rPr lang="en-US" altLang="ja-JP" dirty="0"/>
-              <a:t>Notebook</a:t>
-            </a:r>
-            <a:r>
-              <a:rPr lang="ja-JP" altLang="en-US"/>
-              <a:t>形式</a:t>
-            </a:r>
-            <a:endParaRPr lang="en-US" altLang="ja-JP" dirty="0"/>
-          </a:p>
-          <a:p>
-            <a:r>
-              <a:rPr lang="en-US" altLang="ja-JP" dirty="0"/>
-              <a:t>from </a:t>
-            </a:r>
-            <a:r>
-              <a:rPr lang="en-US" altLang="ja-JP" dirty="0" err="1"/>
-              <a:t>huggingface_hub</a:t>
-            </a:r>
-            <a:r>
-              <a:rPr lang="en-US" altLang="ja-JP" dirty="0"/>
-              <a:t> import </a:t>
-            </a:r>
-            <a:r>
-              <a:rPr lang="en-US" altLang="ja-JP" dirty="0" err="1"/>
-              <a:t>notebook_login</a:t>
-            </a:r>
-            <a:endParaRPr lang="en-US" altLang="ja-JP" dirty="0"/>
-          </a:p>
-          <a:p>
-            <a:r>
-              <a:rPr lang="ja-JP" altLang="en-US"/>
-              <a:t>notebook_login()</a:t>
-            </a:r>
-          </a:p>
-          <a:p>
-            <a:endParaRPr lang="en-US" altLang="ja-JP" dirty="0"/>
-          </a:p>
-          <a:p>
-            <a:pPr marL="285750" indent="-285750">
-              <a:buFont typeface="Arial" panose="020B0604020202020204" pitchFamily="34" charset="0"/>
-              <a:buChar char="•"/>
-            </a:pPr>
-            <a:r>
-              <a:rPr lang="ja-JP" altLang="en-US"/>
-              <a:t>コマンドライン</a:t>
-            </a:r>
-            <a:endParaRPr lang="en-US" altLang="ja-JP" dirty="0"/>
-          </a:p>
-          <a:p>
-            <a:r>
-              <a:rPr lang="en-US" altLang="ja-JP" dirty="0" err="1"/>
-              <a:t>huggingface</a:t>
-            </a:r>
-            <a:r>
-              <a:rPr lang="en-US" altLang="ja-JP" dirty="0"/>
-              <a:t>-cli login</a:t>
-            </a:r>
-            <a:endParaRPr lang="ja-JP" altLang="en-US"/>
-          </a:p>
-        </p:txBody>
-      </p:sp>
     </p:spTree>
     <p:extLst>
       <p:ext uri="{BB962C8B-B14F-4D97-AF65-F5344CB8AC3E}">
@@ -14156,7 +14740,7 @@
 </p:sld>
 </file>
 
-<file path=ppt/slides/slide19.xml><?xml version="1.0" encoding="utf-8"?>
+<file path=ppt/slides/slide22.xml><?xml version="1.0" encoding="utf-8"?>
 <p:sld xmlns:a="http://schemas.openxmlformats.org/drawingml/2006/main" xmlns:r="http://schemas.openxmlformats.org/officeDocument/2006/relationships" xmlns:p="http://schemas.openxmlformats.org/presentationml/2006/main">
   <p:cSld>
     <p:spTree>
@@ -16800,341 +17384,6 @@
     <p:extLst>
       <p:ext uri="{BB962C8B-B14F-4D97-AF65-F5344CB8AC3E}">
         <p14:creationId xmlns:p14="http://schemas.microsoft.com/office/powerpoint/2010/main" val="1169760922"/>
-      </p:ext>
-    </p:extLst>
-  </p:cSld>
-  <p:clrMapOvr>
-    <a:masterClrMapping/>
-  </p:clrMapOvr>
-</p:sld>
-</file>
-
-<file path=ppt/slides/slide2.xml><?xml version="1.0" encoding="utf-8"?>
-<p:sld xmlns:a="http://schemas.openxmlformats.org/drawingml/2006/main" xmlns:r="http://schemas.openxmlformats.org/officeDocument/2006/relationships" xmlns:p="http://schemas.openxmlformats.org/presentationml/2006/main">
-  <p:cSld>
-    <p:spTree>
-      <p:nvGrpSpPr>
-        <p:cNvPr id="1" name=""/>
-        <p:cNvGrpSpPr/>
-        <p:nvPr/>
-      </p:nvGrpSpPr>
-      <p:grpSpPr>
-        <a:xfrm>
-          <a:off x="0" y="0"/>
-          <a:ext cx="0" cy="0"/>
-          <a:chOff x="0" y="0"/>
-          <a:chExt cx="0" cy="0"/>
-        </a:xfrm>
-      </p:grpSpPr>
-      <p:sp>
-        <p:nvSpPr>
-          <p:cNvPr id="2" name="タイトル 1">
-            <a:extLst>
-              <a:ext uri="{FF2B5EF4-FFF2-40B4-BE49-F238E27FC236}">
-                <a16:creationId xmlns:a16="http://schemas.microsoft.com/office/drawing/2014/main" id="{87DB155F-5559-CEF5-3E57-319AE3F4B232}"/>
-              </a:ext>
-            </a:extLst>
-          </p:cNvPr>
-          <p:cNvSpPr>
-            <a:spLocks noGrp="1"/>
-          </p:cNvSpPr>
-          <p:nvPr>
-            <p:ph type="title"/>
-          </p:nvPr>
-        </p:nvSpPr>
-        <p:spPr/>
-        <p:txBody>
-          <a:bodyPr/>
-          <a:lstStyle/>
-          <a:p>
-            <a:r>
-              <a:rPr kumimoji="1" lang="ja-JP" altLang="en-US"/>
-              <a:t>目次</a:t>
-            </a:r>
-          </a:p>
-        </p:txBody>
-      </p:sp>
-      <p:sp>
-        <p:nvSpPr>
-          <p:cNvPr id="9" name="コンテンツ プレースホルダー 2">
-            <a:extLst>
-              <a:ext uri="{FF2B5EF4-FFF2-40B4-BE49-F238E27FC236}">
-                <a16:creationId xmlns:a16="http://schemas.microsoft.com/office/drawing/2014/main" id="{0683964A-0BED-07D3-5AFB-3B6CBA808047}"/>
-              </a:ext>
-            </a:extLst>
-          </p:cNvPr>
-          <p:cNvSpPr>
-            <a:spLocks noGrp="1"/>
-          </p:cNvSpPr>
-          <p:nvPr>
-            <p:ph idx="1"/>
-          </p:nvPr>
-        </p:nvSpPr>
-        <p:spPr>
-          <a:xfrm>
-            <a:off x="838200" y="1825625"/>
-            <a:ext cx="10515600" cy="4351338"/>
-          </a:xfrm>
-        </p:spPr>
-        <p:txBody>
-          <a:bodyPr>
-            <a:normAutofit fontScale="92500" lnSpcReduction="10000"/>
-          </a:bodyPr>
-          <a:lstStyle/>
-          <a:p>
-            <a:r>
-              <a:rPr lang="ja-JP" altLang="en-US" b="1" dirty="0"/>
-              <a:t>自己紹介</a:t>
-            </a:r>
-            <a:endParaRPr lang="en-US" altLang="ja-JP" b="1" dirty="0"/>
-          </a:p>
-          <a:p>
-            <a:r>
-              <a:rPr kumimoji="1" lang="ja-JP" altLang="en-US" b="1" dirty="0"/>
-              <a:t>勉強会の目的</a:t>
-            </a:r>
-            <a:endParaRPr kumimoji="1" lang="en-US" altLang="ja-JP" b="1" dirty="0"/>
-          </a:p>
-          <a:p>
-            <a:r>
-              <a:rPr lang="en-US" altLang="ja-JP" b="1" dirty="0"/>
-              <a:t>Hugging Face</a:t>
-            </a:r>
-            <a:r>
-              <a:rPr lang="ja-JP" altLang="en-US" b="1" dirty="0"/>
-              <a:t>を使おうと思ったわけ</a:t>
-            </a:r>
-          </a:p>
-          <a:p>
-            <a:r>
-              <a:rPr lang="en-US" altLang="ja-JP" b="1" dirty="0">
-                <a:effectLst/>
-              </a:rPr>
-              <a:t>Hugging Face</a:t>
-            </a:r>
-            <a:r>
-              <a:rPr lang="ja-JP" altLang="en-US" b="1" dirty="0">
-                <a:effectLst/>
-              </a:rPr>
-              <a:t>とは</a:t>
-            </a:r>
-            <a:endParaRPr lang="en-US" altLang="ja-JP" b="1" dirty="0">
-              <a:effectLst/>
-            </a:endParaRPr>
-          </a:p>
-          <a:p>
-            <a:r>
-              <a:rPr lang="en-US" altLang="ja-JP" b="1" dirty="0"/>
-              <a:t>Hugging Face</a:t>
-            </a:r>
-            <a:r>
-              <a:rPr lang="ja-JP" altLang="en-US" b="1" dirty="0"/>
-              <a:t>サイトの構成と見方</a:t>
-            </a:r>
-          </a:p>
-          <a:p>
-            <a:r>
-              <a:rPr lang="ja-JP" altLang="en-US" b="1">
-                <a:effectLst/>
-              </a:rPr>
-              <a:t>デモンストレーション</a:t>
-            </a:r>
-            <a:endParaRPr lang="en-US" altLang="ja-JP" b="1" dirty="0">
-              <a:effectLst/>
-            </a:endParaRPr>
-          </a:p>
-          <a:p>
-            <a:pPr lvl="1"/>
-            <a:r>
-              <a:rPr lang="ja-JP" altLang="en-US" b="1"/>
-              <a:t>デモンストレーションの前に</a:t>
-            </a:r>
-            <a:endParaRPr lang="en-US" altLang="ja-JP" b="1" dirty="0"/>
-          </a:p>
-          <a:p>
-            <a:pPr lvl="1"/>
-            <a:r>
-              <a:rPr lang="en-US" altLang="ja-JP" b="1" dirty="0">
-                <a:effectLst/>
-              </a:rPr>
-              <a:t>Google </a:t>
-            </a:r>
-            <a:r>
-              <a:rPr lang="en-US" altLang="ja-JP" b="1" dirty="0" err="1">
-                <a:effectLst/>
-              </a:rPr>
-              <a:t>Colab</a:t>
-            </a:r>
-            <a:r>
-              <a:rPr lang="ja-JP" altLang="en-US" b="1">
-                <a:effectLst/>
-              </a:rPr>
-              <a:t>で使ってみる</a:t>
-            </a:r>
-            <a:endParaRPr lang="ja-JP" altLang="en-US" b="1" dirty="0">
-              <a:effectLst/>
-            </a:endParaRPr>
-          </a:p>
-          <a:p>
-            <a:r>
-              <a:rPr lang="en-US" altLang="ja-JP" b="1" dirty="0" err="1">
-                <a:effectLst/>
-              </a:rPr>
-              <a:t>UseCase</a:t>
-            </a:r>
-            <a:r>
-              <a:rPr lang="ja-JP" altLang="en-US" b="1">
-                <a:effectLst/>
-              </a:rPr>
-              <a:t>を考えてみよう</a:t>
-            </a:r>
-            <a:endParaRPr lang="en-US" altLang="ja-JP" b="1" dirty="0">
-              <a:effectLst/>
-            </a:endParaRPr>
-          </a:p>
-          <a:p>
-            <a:r>
-              <a:rPr lang="ja-JP" altLang="en-US" b="1">
-                <a:effectLst/>
-              </a:rPr>
-              <a:t>まとめ</a:t>
-            </a:r>
-            <a:endParaRPr lang="ja-JP" altLang="en-US" b="1" dirty="0">
-              <a:effectLst/>
-            </a:endParaRPr>
-          </a:p>
-          <a:p>
-            <a:endParaRPr kumimoji="1" lang="ja-JP" altLang="en-US" b="1" dirty="0"/>
-          </a:p>
-        </p:txBody>
-      </p:sp>
-      <p:sp>
-        <p:nvSpPr>
-          <p:cNvPr id="3" name="テキスト ボックス 2">
-            <a:extLst>
-              <a:ext uri="{FF2B5EF4-FFF2-40B4-BE49-F238E27FC236}">
-                <a16:creationId xmlns:a16="http://schemas.microsoft.com/office/drawing/2014/main" id="{4E68C200-F5EA-5B43-FBAF-A870ABAFD21A}"/>
-              </a:ext>
-            </a:extLst>
-          </p:cNvPr>
-          <p:cNvSpPr txBox="1"/>
-          <p:nvPr/>
-        </p:nvSpPr>
-        <p:spPr>
-          <a:xfrm>
-            <a:off x="7853082" y="4359883"/>
-            <a:ext cx="3235181" cy="1477328"/>
-          </a:xfrm>
-          <a:prstGeom prst="rect">
-            <a:avLst/>
-          </a:prstGeom>
-          <a:noFill/>
-          <a:ln>
-            <a:solidFill>
-              <a:schemeClr val="tx1"/>
-            </a:solidFill>
-          </a:ln>
-        </p:spPr>
-        <p:txBody>
-          <a:bodyPr wrap="square" rtlCol="0">
-            <a:spAutoFit/>
-          </a:bodyPr>
-          <a:lstStyle/>
-          <a:p>
-            <a:r>
-              <a:rPr kumimoji="1" lang="ja-JP" altLang="en-US">
-                <a:latin typeface="Meiryo UI" panose="020B0604030504040204" pitchFamily="34" charset="-128"/>
-                <a:ea typeface="Meiryo UI" panose="020B0604030504040204" pitchFamily="34" charset="-128"/>
-              </a:rPr>
-              <a:t>本日の想定レベル：⭐️⭐️</a:t>
-            </a:r>
-            <a:r>
-              <a:rPr kumimoji="1" lang="en-US" altLang="ja-JP" dirty="0">
-                <a:latin typeface="Meiryo UI" panose="020B0604030504040204" pitchFamily="34" charset="-128"/>
-                <a:ea typeface="Meiryo UI" panose="020B0604030504040204" pitchFamily="34" charset="-128"/>
-              </a:rPr>
-              <a:t>○○○</a:t>
-            </a:r>
-          </a:p>
-          <a:p>
-            <a:endParaRPr kumimoji="1" lang="en-US" altLang="ja-JP" dirty="0">
-              <a:latin typeface="Meiryo UI" panose="020B0604030504040204" pitchFamily="34" charset="-128"/>
-              <a:ea typeface="Meiryo UI" panose="020B0604030504040204" pitchFamily="34" charset="-128"/>
-            </a:endParaRPr>
-          </a:p>
-          <a:p>
-            <a:r>
-              <a:rPr lang="en-US" altLang="ja-JP" dirty="0">
-                <a:latin typeface="Meiryo UI" panose="020B0604030504040204" pitchFamily="34" charset="-128"/>
-                <a:ea typeface="Meiryo UI" panose="020B0604030504040204" pitchFamily="34" charset="-128"/>
-              </a:rPr>
-              <a:t>Python	</a:t>
-            </a:r>
-            <a:r>
-              <a:rPr lang="ja-JP" altLang="en-US">
-                <a:latin typeface="Meiryo UI" panose="020B0604030504040204" pitchFamily="34" charset="-128"/>
-                <a:ea typeface="Meiryo UI" panose="020B0604030504040204" pitchFamily="34" charset="-128"/>
-              </a:rPr>
-              <a:t>：ちょっとわかる</a:t>
-            </a:r>
-            <a:endParaRPr lang="en-US" altLang="ja-JP" dirty="0">
-              <a:latin typeface="Meiryo UI" panose="020B0604030504040204" pitchFamily="34" charset="-128"/>
-              <a:ea typeface="Meiryo UI" panose="020B0604030504040204" pitchFamily="34" charset="-128"/>
-            </a:endParaRPr>
-          </a:p>
-          <a:p>
-            <a:r>
-              <a:rPr kumimoji="1" lang="en-US" altLang="ja-JP" dirty="0">
-                <a:latin typeface="Meiryo UI" panose="020B0604030504040204" pitchFamily="34" charset="-128"/>
-                <a:ea typeface="Meiryo UI" panose="020B0604030504040204" pitchFamily="34" charset="-128"/>
-              </a:rPr>
-              <a:t>LLM	</a:t>
-            </a:r>
-            <a:r>
-              <a:rPr kumimoji="1" lang="ja-JP" altLang="en-US">
-                <a:latin typeface="Meiryo UI" panose="020B0604030504040204" pitchFamily="34" charset="-128"/>
-                <a:ea typeface="Meiryo UI" panose="020B0604030504040204" pitchFamily="34" charset="-128"/>
-              </a:rPr>
-              <a:t>：ちょっとわかる</a:t>
-            </a:r>
-            <a:endParaRPr kumimoji="1" lang="en-US" altLang="ja-JP" dirty="0">
-              <a:latin typeface="Meiryo UI" panose="020B0604030504040204" pitchFamily="34" charset="-128"/>
-              <a:ea typeface="Meiryo UI" panose="020B0604030504040204" pitchFamily="34" charset="-128"/>
-            </a:endParaRPr>
-          </a:p>
-          <a:p>
-            <a:r>
-              <a:rPr lang="ja-JP" altLang="en-US">
-                <a:latin typeface="Meiryo UI" panose="020B0604030504040204" pitchFamily="34" charset="-128"/>
-                <a:ea typeface="Meiryo UI" panose="020B0604030504040204" pitchFamily="34" charset="-128"/>
-              </a:rPr>
-              <a:t>英語</a:t>
-            </a:r>
-            <a:r>
-              <a:rPr lang="en-US" altLang="ja-JP" dirty="0">
-                <a:latin typeface="Meiryo UI" panose="020B0604030504040204" pitchFamily="34" charset="-128"/>
-                <a:ea typeface="Meiryo UI" panose="020B0604030504040204" pitchFamily="34" charset="-128"/>
-              </a:rPr>
-              <a:t>	</a:t>
-            </a:r>
-            <a:r>
-              <a:rPr lang="ja-JP" altLang="en-US">
-                <a:latin typeface="Meiryo UI" panose="020B0604030504040204" pitchFamily="34" charset="-128"/>
-                <a:ea typeface="Meiryo UI" panose="020B0604030504040204" pitchFamily="34" charset="-128"/>
-              </a:rPr>
-              <a:t>：ほとんどわかんない</a:t>
-            </a:r>
-            <a:endParaRPr lang="en-US" altLang="ja-JP" dirty="0">
-              <a:latin typeface="Meiryo UI" panose="020B0604030504040204" pitchFamily="34" charset="-128"/>
-              <a:ea typeface="Meiryo UI" panose="020B0604030504040204" pitchFamily="34" charset="-128"/>
-            </a:endParaRPr>
-          </a:p>
-        </p:txBody>
-      </p:sp>
-    </p:spTree>
-    <p:extLst>
-      <p:ext uri="{BB962C8B-B14F-4D97-AF65-F5344CB8AC3E}">
-        <p14:creationId xmlns:p14="http://schemas.microsoft.com/office/powerpoint/2010/main" val="2978765668"/>
       </p:ext>
     </p:extLst>
   </p:cSld>

--- a/huggingface 勉強会資料.pptx
+++ b/huggingface 勉強会資料.pptx
@@ -6,7 +6,7 @@
     <p:sldMasterId id="2147483660" r:id="rId2"/>
   </p:sldMasterIdLst>
   <p:notesMasterIdLst>
-    <p:notesMasterId r:id="rId25"/>
+    <p:notesMasterId r:id="rId24"/>
   </p:notesMasterIdLst>
   <p:sldIdLst>
     <p:sldId id="256" r:id="rId3"/>
@@ -30,7 +30,6 @@
     <p:sldId id="281" r:id="rId21"/>
     <p:sldId id="279" r:id="rId22"/>
     <p:sldId id="276" r:id="rId23"/>
-    <p:sldId id="268" r:id="rId24"/>
   </p:sldIdLst>
   <p:sldSz cx="12192000" cy="6858000"/>
   <p:notesSz cx="6858000" cy="9144000"/>
@@ -222,7 +221,7 @@
           <a:p>
             <a:fld id="{0F6FE6BF-8118-024B-9766-ED4AD7D6B4B0}" type="datetimeFigureOut">
               <a:rPr kumimoji="1" lang="ja-JP" altLang="en-US" smtClean="0"/>
-              <a:t>2024/7/16</a:t>
+              <a:t>2024/7/17</a:t>
             </a:fld>
             <a:endParaRPr kumimoji="1" lang="ja-JP" altLang="en-US"/>
           </a:p>
@@ -850,7 +849,7 @@
           <a:p>
             <a:fld id="{B8C65C57-92FB-BC43-A324-D710D72DFC87}" type="datetimeFigureOut">
               <a:rPr kumimoji="1" lang="ja-JP" altLang="en-US" smtClean="0"/>
-              <a:t>2024/7/16</a:t>
+              <a:t>2024/7/17</a:t>
             </a:fld>
             <a:endParaRPr kumimoji="1" lang="ja-JP" altLang="en-US"/>
           </a:p>
@@ -1120,7 +1119,7 @@
           <a:p>
             <a:fld id="{B8C65C57-92FB-BC43-A324-D710D72DFC87}" type="datetimeFigureOut">
               <a:rPr kumimoji="1" lang="ja-JP" altLang="en-US" smtClean="0"/>
-              <a:t>2024/7/16</a:t>
+              <a:t>2024/7/17</a:t>
             </a:fld>
             <a:endParaRPr kumimoji="1" lang="ja-JP" altLang="en-US"/>
           </a:p>
@@ -1390,7 +1389,7 @@
           <a:p>
             <a:fld id="{B8C65C57-92FB-BC43-A324-D710D72DFC87}" type="datetimeFigureOut">
               <a:rPr kumimoji="1" lang="ja-JP" altLang="en-US" smtClean="0"/>
-              <a:t>2024/7/16</a:t>
+              <a:t>2024/7/17</a:t>
             </a:fld>
             <a:endParaRPr kumimoji="1" lang="ja-JP" altLang="en-US"/>
           </a:p>
@@ -1626,7 +1625,7 @@
           <a:p>
             <a:fld id="{38CF457C-A655-4B46-9667-899D8A188CFD}" type="datetimeFigureOut">
               <a:rPr kumimoji="1" lang="ja-JP" altLang="en-US" smtClean="0"/>
-              <a:t>2024/7/16</a:t>
+              <a:t>2024/7/17</a:t>
             </a:fld>
             <a:endParaRPr kumimoji="1" lang="ja-JP" altLang="en-US"/>
           </a:p>
@@ -1856,7 +1855,7 @@
           <a:p>
             <a:fld id="{38CF457C-A655-4B46-9667-899D8A188CFD}" type="datetimeFigureOut">
               <a:rPr kumimoji="1" lang="ja-JP" altLang="en-US" smtClean="0"/>
-              <a:t>2024/7/16</a:t>
+              <a:t>2024/7/17</a:t>
             </a:fld>
             <a:endParaRPr kumimoji="1" lang="ja-JP" altLang="en-US"/>
           </a:p>
@@ -2131,7 +2130,7 @@
           <a:p>
             <a:fld id="{38CF457C-A655-4B46-9667-899D8A188CFD}" type="datetimeFigureOut">
               <a:rPr kumimoji="1" lang="ja-JP" altLang="en-US" smtClean="0"/>
-              <a:t>2024/7/16</a:t>
+              <a:t>2024/7/17</a:t>
             </a:fld>
             <a:endParaRPr kumimoji="1" lang="ja-JP" altLang="en-US"/>
           </a:p>
@@ -2460,7 +2459,7 @@
           <a:p>
             <a:fld id="{38CF457C-A655-4B46-9667-899D8A188CFD}" type="datetimeFigureOut">
               <a:rPr kumimoji="1" lang="ja-JP" altLang="en-US" smtClean="0"/>
-              <a:t>2024/7/16</a:t>
+              <a:t>2024/7/17</a:t>
             </a:fld>
             <a:endParaRPr kumimoji="1" lang="ja-JP" altLang="en-US"/>
           </a:p>
@@ -2936,7 +2935,7 @@
           <a:p>
             <a:fld id="{38CF457C-A655-4B46-9667-899D8A188CFD}" type="datetimeFigureOut">
               <a:rPr kumimoji="1" lang="ja-JP" altLang="en-US" smtClean="0"/>
-              <a:t>2024/7/16</a:t>
+              <a:t>2024/7/17</a:t>
             </a:fld>
             <a:endParaRPr kumimoji="1" lang="ja-JP" altLang="en-US"/>
           </a:p>
@@ -3077,7 +3076,7 @@
           <a:p>
             <a:fld id="{38CF457C-A655-4B46-9667-899D8A188CFD}" type="datetimeFigureOut">
               <a:rPr kumimoji="1" lang="ja-JP" altLang="en-US" smtClean="0"/>
-              <a:t>2024/7/16</a:t>
+              <a:t>2024/7/17</a:t>
             </a:fld>
             <a:endParaRPr kumimoji="1" lang="ja-JP" altLang="en-US"/>
           </a:p>
@@ -3190,7 +3189,7 @@
           <a:p>
             <a:fld id="{38CF457C-A655-4B46-9667-899D8A188CFD}" type="datetimeFigureOut">
               <a:rPr kumimoji="1" lang="ja-JP" altLang="en-US" smtClean="0"/>
-              <a:t>2024/7/16</a:t>
+              <a:t>2024/7/17</a:t>
             </a:fld>
             <a:endParaRPr kumimoji="1" lang="ja-JP" altLang="en-US"/>
           </a:p>
@@ -3533,7 +3532,7 @@
           <a:p>
             <a:fld id="{38CF457C-A655-4B46-9667-899D8A188CFD}" type="datetimeFigureOut">
               <a:rPr kumimoji="1" lang="ja-JP" altLang="en-US" smtClean="0"/>
-              <a:t>2024/7/16</a:t>
+              <a:t>2024/7/17</a:t>
             </a:fld>
             <a:endParaRPr kumimoji="1" lang="ja-JP" altLang="en-US"/>
           </a:p>
@@ -3787,7 +3786,7 @@
           <a:p>
             <a:fld id="{B8C65C57-92FB-BC43-A324-D710D72DFC87}" type="datetimeFigureOut">
               <a:rPr kumimoji="1" lang="ja-JP" altLang="en-US" smtClean="0"/>
-              <a:t>2024/7/16</a:t>
+              <a:t>2024/7/17</a:t>
             </a:fld>
             <a:endParaRPr kumimoji="1" lang="ja-JP" altLang="en-US"/>
           </a:p>
@@ -4091,7 +4090,7 @@
           <a:p>
             <a:fld id="{38CF457C-A655-4B46-9667-899D8A188CFD}" type="datetimeFigureOut">
               <a:rPr kumimoji="1" lang="ja-JP" altLang="en-US" smtClean="0"/>
-              <a:t>2024/7/16</a:t>
+              <a:t>2024/7/17</a:t>
             </a:fld>
             <a:endParaRPr kumimoji="1" lang="ja-JP" altLang="en-US"/>
           </a:p>
@@ -4321,7 +4320,7 @@
           <a:p>
             <a:fld id="{38CF457C-A655-4B46-9667-899D8A188CFD}" type="datetimeFigureOut">
               <a:rPr kumimoji="1" lang="ja-JP" altLang="en-US" smtClean="0"/>
-              <a:t>2024/7/16</a:t>
+              <a:t>2024/7/17</a:t>
             </a:fld>
             <a:endParaRPr kumimoji="1" lang="ja-JP" altLang="en-US"/>
           </a:p>
@@ -4561,7 +4560,7 @@
           <a:p>
             <a:fld id="{38CF457C-A655-4B46-9667-899D8A188CFD}" type="datetimeFigureOut">
               <a:rPr kumimoji="1" lang="ja-JP" altLang="en-US" smtClean="0"/>
-              <a:t>2024/7/16</a:t>
+              <a:t>2024/7/17</a:t>
             </a:fld>
             <a:endParaRPr kumimoji="1" lang="ja-JP" altLang="en-US"/>
           </a:p>
@@ -4850,7 +4849,7 @@
           <a:p>
             <a:fld id="{B8C65C57-92FB-BC43-A324-D710D72DFC87}" type="datetimeFigureOut">
               <a:rPr kumimoji="1" lang="ja-JP" altLang="en-US" smtClean="0"/>
-              <a:t>2024/7/16</a:t>
+              <a:t>2024/7/17</a:t>
             </a:fld>
             <a:endParaRPr kumimoji="1" lang="ja-JP" altLang="en-US"/>
           </a:p>
@@ -5217,7 +5216,7 @@
           <a:p>
             <a:fld id="{B8C65C57-92FB-BC43-A324-D710D72DFC87}" type="datetimeFigureOut">
               <a:rPr kumimoji="1" lang="ja-JP" altLang="en-US" smtClean="0"/>
-              <a:t>2024/7/16</a:t>
+              <a:t>2024/7/17</a:t>
             </a:fld>
             <a:endParaRPr kumimoji="1" lang="ja-JP" altLang="en-US"/>
           </a:p>
@@ -5732,7 +5731,7 @@
           <a:p>
             <a:fld id="{B8C65C57-92FB-BC43-A324-D710D72DFC87}" type="datetimeFigureOut">
               <a:rPr kumimoji="1" lang="ja-JP" altLang="en-US" smtClean="0"/>
-              <a:t>2024/7/16</a:t>
+              <a:t>2024/7/17</a:t>
             </a:fld>
             <a:endParaRPr kumimoji="1" lang="ja-JP" altLang="en-US"/>
           </a:p>
@@ -5905,7 +5904,7 @@
           <a:p>
             <a:fld id="{B8C65C57-92FB-BC43-A324-D710D72DFC87}" type="datetimeFigureOut">
               <a:rPr kumimoji="1" lang="ja-JP" altLang="en-US" smtClean="0"/>
-              <a:t>2024/7/16</a:t>
+              <a:t>2024/7/17</a:t>
             </a:fld>
             <a:endParaRPr kumimoji="1" lang="ja-JP" altLang="en-US"/>
           </a:p>
@@ -6376,7 +6375,7 @@
           <a:p>
             <a:fld id="{B8C65C57-92FB-BC43-A324-D710D72DFC87}" type="datetimeFigureOut">
               <a:rPr kumimoji="1" lang="ja-JP" altLang="en-US" smtClean="0"/>
-              <a:t>2024/7/16</a:t>
+              <a:t>2024/7/17</a:t>
             </a:fld>
             <a:endParaRPr kumimoji="1" lang="ja-JP" altLang="en-US"/>
           </a:p>
@@ -6697,7 +6696,7 @@
           <a:p>
             <a:fld id="{B8C65C57-92FB-BC43-A324-D710D72DFC87}" type="datetimeFigureOut">
               <a:rPr kumimoji="1" lang="ja-JP" altLang="en-US" smtClean="0"/>
-              <a:t>2024/7/16</a:t>
+              <a:t>2024/7/17</a:t>
             </a:fld>
             <a:endParaRPr kumimoji="1" lang="ja-JP" altLang="en-US"/>
           </a:p>
@@ -9560,7 +9559,7 @@
           <a:p>
             <a:fld id="{38CF457C-A655-4B46-9667-899D8A188CFD}" type="datetimeFigureOut">
               <a:rPr kumimoji="1" lang="ja-JP" altLang="en-US" smtClean="0"/>
-              <a:t>2024/7/16</a:t>
+              <a:t>2024/7/17</a:t>
             </a:fld>
             <a:endParaRPr kumimoji="1" lang="ja-JP" altLang="en-US"/>
           </a:p>
@@ -14731,2659 +14730,6 @@
     <p:extLst>
       <p:ext uri="{BB962C8B-B14F-4D97-AF65-F5344CB8AC3E}">
         <p14:creationId xmlns:p14="http://schemas.microsoft.com/office/powerpoint/2010/main" val="2253416344"/>
-      </p:ext>
-    </p:extLst>
-  </p:cSld>
-  <p:clrMapOvr>
-    <a:masterClrMapping/>
-  </p:clrMapOvr>
-</p:sld>
-</file>
-
-<file path=ppt/slides/slide22.xml><?xml version="1.0" encoding="utf-8"?>
-<p:sld xmlns:a="http://schemas.openxmlformats.org/drawingml/2006/main" xmlns:r="http://schemas.openxmlformats.org/officeDocument/2006/relationships" xmlns:p="http://schemas.openxmlformats.org/presentationml/2006/main">
-  <p:cSld>
-    <p:spTree>
-      <p:nvGrpSpPr>
-        <p:cNvPr id="1" name=""/>
-        <p:cNvGrpSpPr/>
-        <p:nvPr/>
-      </p:nvGrpSpPr>
-      <p:grpSpPr>
-        <a:xfrm>
-          <a:off x="0" y="0"/>
-          <a:ext cx="0" cy="0"/>
-          <a:chOff x="0" y="0"/>
-          <a:chExt cx="0" cy="0"/>
-        </a:xfrm>
-      </p:grpSpPr>
-      <p:sp>
-        <p:nvSpPr>
-          <p:cNvPr id="15" name="正方形/長方形 14">
-            <a:extLst>
-              <a:ext uri="{FF2B5EF4-FFF2-40B4-BE49-F238E27FC236}">
-                <a16:creationId xmlns:a16="http://schemas.microsoft.com/office/drawing/2014/main" id="{023D9D19-E72E-0DE1-EDB1-893DCAF70A1D}"/>
-              </a:ext>
-            </a:extLst>
-          </p:cNvPr>
-          <p:cNvSpPr/>
-          <p:nvPr/>
-        </p:nvSpPr>
-        <p:spPr>
-          <a:xfrm>
-            <a:off x="1867686" y="5616778"/>
-            <a:ext cx="9493057" cy="1090463"/>
-          </a:xfrm>
-          <a:prstGeom prst="rect">
-            <a:avLst/>
-          </a:prstGeom>
-          <a:solidFill>
-            <a:schemeClr val="accent2">
-              <a:lumMod val="40000"/>
-              <a:lumOff val="60000"/>
-            </a:schemeClr>
-          </a:solidFill>
-          <a:ln w="9525"/>
-        </p:spPr>
-        <p:style>
-          <a:lnRef idx="2">
-            <a:schemeClr val="accent1">
-              <a:shade val="50000"/>
-            </a:schemeClr>
-          </a:lnRef>
-          <a:fillRef idx="1">
-            <a:schemeClr val="accent1"/>
-          </a:fillRef>
-          <a:effectRef idx="0">
-            <a:schemeClr val="accent1"/>
-          </a:effectRef>
-          <a:fontRef idx="minor">
-            <a:schemeClr val="lt1"/>
-          </a:fontRef>
-        </p:style>
-        <p:txBody>
-          <a:bodyPr rtlCol="0" anchor="ctr"/>
-          <a:lstStyle/>
-          <a:p>
-            <a:pPr algn="ctr"/>
-            <a:endParaRPr kumimoji="1" lang="ja-JP" altLang="en-US" sz="1400" b="1" dirty="0">
-              <a:latin typeface="Meiryo UI" panose="020B0604030504040204" pitchFamily="50" charset="-128"/>
-              <a:ea typeface="Meiryo UI" panose="020B0604030504040204" pitchFamily="50" charset="-128"/>
-            </a:endParaRPr>
-          </a:p>
-        </p:txBody>
-      </p:sp>
-      <p:sp>
-        <p:nvSpPr>
-          <p:cNvPr id="11" name="正方形/長方形 10">
-            <a:extLst>
-              <a:ext uri="{FF2B5EF4-FFF2-40B4-BE49-F238E27FC236}">
-                <a16:creationId xmlns:a16="http://schemas.microsoft.com/office/drawing/2014/main" id="{74F26ACD-5D6A-1C61-2C2B-1D197752F696}"/>
-              </a:ext>
-            </a:extLst>
-          </p:cNvPr>
-          <p:cNvSpPr/>
-          <p:nvPr/>
-        </p:nvSpPr>
-        <p:spPr>
-          <a:xfrm>
-            <a:off x="1867686" y="1450731"/>
-            <a:ext cx="9493057" cy="1185668"/>
-          </a:xfrm>
-          <a:prstGeom prst="rect">
-            <a:avLst/>
-          </a:prstGeom>
-          <a:solidFill>
-            <a:schemeClr val="accent2">
-              <a:lumMod val="40000"/>
-              <a:lumOff val="60000"/>
-            </a:schemeClr>
-          </a:solidFill>
-          <a:ln w="9525"/>
-        </p:spPr>
-        <p:style>
-          <a:lnRef idx="2">
-            <a:schemeClr val="accent1">
-              <a:shade val="50000"/>
-            </a:schemeClr>
-          </a:lnRef>
-          <a:fillRef idx="1">
-            <a:schemeClr val="accent1"/>
-          </a:fillRef>
-          <a:effectRef idx="0">
-            <a:schemeClr val="accent1"/>
-          </a:effectRef>
-          <a:fontRef idx="minor">
-            <a:schemeClr val="lt1"/>
-          </a:fontRef>
-        </p:style>
-        <p:txBody>
-          <a:bodyPr rtlCol="0" anchor="ctr"/>
-          <a:lstStyle/>
-          <a:p>
-            <a:pPr algn="ctr"/>
-            <a:endParaRPr kumimoji="1" lang="ja-JP" altLang="en-US" sz="1400" b="1" dirty="0">
-              <a:latin typeface="Meiryo UI" panose="020B0604030504040204" pitchFamily="50" charset="-128"/>
-              <a:ea typeface="Meiryo UI" panose="020B0604030504040204" pitchFamily="50" charset="-128"/>
-            </a:endParaRPr>
-          </a:p>
-        </p:txBody>
-      </p:sp>
-      <p:sp>
-        <p:nvSpPr>
-          <p:cNvPr id="46" name="正方形/長方形 45">
-            <a:extLst>
-              <a:ext uri="{FF2B5EF4-FFF2-40B4-BE49-F238E27FC236}">
-                <a16:creationId xmlns:a16="http://schemas.microsoft.com/office/drawing/2014/main" id="{4311BB07-AF11-DAED-50F4-741174304954}"/>
-              </a:ext>
-            </a:extLst>
-          </p:cNvPr>
-          <p:cNvSpPr/>
-          <p:nvPr/>
-        </p:nvSpPr>
-        <p:spPr>
-          <a:xfrm>
-            <a:off x="1867687" y="2734622"/>
-            <a:ext cx="9493057" cy="2783933"/>
-          </a:xfrm>
-          <a:prstGeom prst="rect">
-            <a:avLst/>
-          </a:prstGeom>
-          <a:solidFill>
-            <a:schemeClr val="accent6">
-              <a:lumMod val="20000"/>
-              <a:lumOff val="80000"/>
-            </a:schemeClr>
-          </a:solidFill>
-          <a:ln w="9525"/>
-        </p:spPr>
-        <p:style>
-          <a:lnRef idx="2">
-            <a:schemeClr val="accent1">
-              <a:shade val="50000"/>
-            </a:schemeClr>
-          </a:lnRef>
-          <a:fillRef idx="1">
-            <a:schemeClr val="accent1"/>
-          </a:fillRef>
-          <a:effectRef idx="0">
-            <a:schemeClr val="accent1"/>
-          </a:effectRef>
-          <a:fontRef idx="minor">
-            <a:schemeClr val="lt1"/>
-          </a:fontRef>
-        </p:style>
-        <p:txBody>
-          <a:bodyPr rtlCol="0" anchor="ctr"/>
-          <a:lstStyle/>
-          <a:p>
-            <a:pPr algn="ctr"/>
-            <a:endParaRPr kumimoji="1" lang="ja-JP" altLang="en-US" sz="1400" b="1" dirty="0">
-              <a:latin typeface="Meiryo UI" panose="020B0604030504040204" pitchFamily="50" charset="-128"/>
-              <a:ea typeface="Meiryo UI" panose="020B0604030504040204" pitchFamily="50" charset="-128"/>
-            </a:endParaRPr>
-          </a:p>
-        </p:txBody>
-      </p:sp>
-      <p:sp>
-        <p:nvSpPr>
-          <p:cNvPr id="2" name="タイトル 1">
-            <a:extLst>
-              <a:ext uri="{FF2B5EF4-FFF2-40B4-BE49-F238E27FC236}">
-                <a16:creationId xmlns:a16="http://schemas.microsoft.com/office/drawing/2014/main" id="{7341CB0E-875D-2339-12A7-07F66D2CBDB4}"/>
-              </a:ext>
-            </a:extLst>
-          </p:cNvPr>
-          <p:cNvSpPr>
-            <a:spLocks noGrp="1"/>
-          </p:cNvSpPr>
-          <p:nvPr>
-            <p:ph type="title"/>
-          </p:nvPr>
-        </p:nvSpPr>
-        <p:spPr/>
-        <p:txBody>
-          <a:bodyPr/>
-          <a:lstStyle/>
-          <a:p>
-            <a:r>
-              <a:rPr kumimoji="1" lang="ja-JP" altLang="en-US" b="1" dirty="0"/>
-              <a:t>前提知識</a:t>
-            </a:r>
-            <a:r>
-              <a:rPr kumimoji="1" lang="ja-JP" altLang="en-US" sz="2800" b="1" dirty="0"/>
-              <a:t>（</a:t>
-            </a:r>
-            <a:r>
-              <a:rPr kumimoji="1" lang="en-US" altLang="ja-JP" sz="2800" b="1" dirty="0"/>
-              <a:t>LLM</a:t>
-            </a:r>
-            <a:r>
-              <a:rPr kumimoji="1" lang="ja-JP" altLang="en-US" sz="2800" b="1" dirty="0"/>
-              <a:t>の推論の流れ）</a:t>
-            </a:r>
-            <a:endParaRPr kumimoji="1" lang="ja-JP" altLang="en-US" b="1" dirty="0"/>
-          </a:p>
-        </p:txBody>
-      </p:sp>
-      <p:sp>
-        <p:nvSpPr>
-          <p:cNvPr id="4" name="テキスト ボックス 3">
-            <a:extLst>
-              <a:ext uri="{FF2B5EF4-FFF2-40B4-BE49-F238E27FC236}">
-                <a16:creationId xmlns:a16="http://schemas.microsoft.com/office/drawing/2014/main" id="{618FBC87-714C-3765-8297-6980161BD1FC}"/>
-              </a:ext>
-            </a:extLst>
-          </p:cNvPr>
-          <p:cNvSpPr txBox="1"/>
-          <p:nvPr/>
-        </p:nvSpPr>
-        <p:spPr>
-          <a:xfrm>
-            <a:off x="6203574" y="1618268"/>
-            <a:ext cx="4760021" cy="307777"/>
-          </a:xfrm>
-          <a:prstGeom prst="rect">
-            <a:avLst/>
-          </a:prstGeom>
-          <a:noFill/>
-        </p:spPr>
-        <p:txBody>
-          <a:bodyPr wrap="none" rtlCol="0">
-            <a:spAutoFit/>
-          </a:bodyPr>
-          <a:lstStyle/>
-          <a:p>
-            <a:r>
-              <a:rPr kumimoji="1" lang="en-US" altLang="ja-JP" sz="1400" b="1" dirty="0">
-                <a:latin typeface="Meiryo UI" panose="020B0604030504040204" pitchFamily="50" charset="-128"/>
-                <a:ea typeface="Meiryo UI" panose="020B0604030504040204" pitchFamily="50" charset="-128"/>
-              </a:rPr>
-              <a:t>“</a:t>
-            </a:r>
-            <a:r>
-              <a:rPr kumimoji="1" lang="en-US" altLang="ja-JP" sz="1400" b="1" dirty="0">
-                <a:solidFill>
-                  <a:schemeClr val="tx1">
-                    <a:lumMod val="50000"/>
-                    <a:lumOff val="50000"/>
-                  </a:schemeClr>
-                </a:solidFill>
-                <a:latin typeface="Meiryo UI" panose="020B0604030504040204" pitchFamily="50" charset="-128"/>
-                <a:ea typeface="Meiryo UI" panose="020B0604030504040204" pitchFamily="50" charset="-128"/>
-              </a:rPr>
-              <a:t>attention</a:t>
-            </a:r>
-            <a:r>
-              <a:rPr kumimoji="1" lang="en-US" altLang="ja-JP" sz="1400" b="1" dirty="0">
-                <a:latin typeface="Meiryo UI" panose="020B0604030504040204" pitchFamily="50" charset="-128"/>
-                <a:ea typeface="Meiryo UI" panose="020B0604030504040204" pitchFamily="50" charset="-128"/>
-              </a:rPr>
-              <a:t>”,    “</a:t>
-            </a:r>
-            <a:r>
-              <a:rPr kumimoji="1" lang="en-US" altLang="ja-JP" sz="1400" b="1" dirty="0">
-                <a:solidFill>
-                  <a:schemeClr val="tx2">
-                    <a:lumMod val="40000"/>
-                    <a:lumOff val="60000"/>
-                  </a:schemeClr>
-                </a:solidFill>
-                <a:latin typeface="Meiryo UI" panose="020B0604030504040204" pitchFamily="50" charset="-128"/>
-                <a:ea typeface="Meiryo UI" panose="020B0604030504040204" pitchFamily="50" charset="-128"/>
-              </a:rPr>
-              <a:t>is</a:t>
-            </a:r>
-            <a:r>
-              <a:rPr kumimoji="1" lang="en-US" altLang="ja-JP" sz="1400" b="1" dirty="0">
-                <a:latin typeface="Meiryo UI" panose="020B0604030504040204" pitchFamily="50" charset="-128"/>
-                <a:ea typeface="Meiryo UI" panose="020B0604030504040204" pitchFamily="50" charset="-128"/>
-              </a:rPr>
-              <a:t>”,    “</a:t>
-            </a:r>
-            <a:r>
-              <a:rPr kumimoji="1" lang="en-US" altLang="ja-JP" sz="1400" b="1" dirty="0">
-                <a:solidFill>
-                  <a:schemeClr val="accent5">
-                    <a:lumMod val="60000"/>
-                    <a:lumOff val="40000"/>
-                  </a:schemeClr>
-                </a:solidFill>
-                <a:latin typeface="Meiryo UI" panose="020B0604030504040204" pitchFamily="50" charset="-128"/>
-                <a:ea typeface="Meiryo UI" panose="020B0604030504040204" pitchFamily="50" charset="-128"/>
-              </a:rPr>
-              <a:t>all</a:t>
-            </a:r>
-            <a:r>
-              <a:rPr kumimoji="1" lang="en-US" altLang="ja-JP" sz="1400" b="1" dirty="0">
-                <a:latin typeface="Meiryo UI" panose="020B0604030504040204" pitchFamily="50" charset="-128"/>
-                <a:ea typeface="Meiryo UI" panose="020B0604030504040204" pitchFamily="50" charset="-128"/>
-              </a:rPr>
-              <a:t>”,    “</a:t>
-            </a:r>
-            <a:r>
-              <a:rPr kumimoji="1" lang="en-US" altLang="ja-JP" sz="1400" b="1" dirty="0">
-                <a:solidFill>
-                  <a:schemeClr val="accent3">
-                    <a:lumMod val="40000"/>
-                    <a:lumOff val="60000"/>
-                  </a:schemeClr>
-                </a:solidFill>
-                <a:latin typeface="Meiryo UI" panose="020B0604030504040204" pitchFamily="50" charset="-128"/>
-                <a:ea typeface="Meiryo UI" panose="020B0604030504040204" pitchFamily="50" charset="-128"/>
-              </a:rPr>
-              <a:t>you</a:t>
-            </a:r>
-            <a:r>
-              <a:rPr kumimoji="1" lang="en-US" altLang="ja-JP" sz="1400" b="1" dirty="0">
-                <a:latin typeface="Meiryo UI" panose="020B0604030504040204" pitchFamily="50" charset="-128"/>
-                <a:ea typeface="Meiryo UI" panose="020B0604030504040204" pitchFamily="50" charset="-128"/>
-              </a:rPr>
-              <a:t>”,    “</a:t>
-            </a:r>
-            <a:r>
-              <a:rPr kumimoji="1" lang="en-US" altLang="ja-JP" sz="1400" b="1" dirty="0">
-                <a:solidFill>
-                  <a:schemeClr val="accent5">
-                    <a:lumMod val="40000"/>
-                    <a:lumOff val="60000"/>
-                  </a:schemeClr>
-                </a:solidFill>
-                <a:latin typeface="Meiryo UI" panose="020B0604030504040204" pitchFamily="50" charset="-128"/>
-                <a:ea typeface="Meiryo UI" panose="020B0604030504040204" pitchFamily="50" charset="-128"/>
-              </a:rPr>
-              <a:t>need</a:t>
-            </a:r>
-            <a:r>
-              <a:rPr kumimoji="1" lang="en-US" altLang="ja-JP" sz="1400" b="1" dirty="0">
-                <a:latin typeface="Meiryo UI" panose="020B0604030504040204" pitchFamily="50" charset="-128"/>
-                <a:ea typeface="Meiryo UI" panose="020B0604030504040204" pitchFamily="50" charset="-128"/>
-              </a:rPr>
-              <a:t>”,    “.”</a:t>
-            </a:r>
-            <a:endParaRPr kumimoji="1" lang="ja-JP" altLang="en-US" sz="1400" b="1" dirty="0">
-              <a:latin typeface="Meiryo UI" panose="020B0604030504040204" pitchFamily="50" charset="-128"/>
-              <a:ea typeface="Meiryo UI" panose="020B0604030504040204" pitchFamily="50" charset="-128"/>
-            </a:endParaRPr>
-          </a:p>
-        </p:txBody>
-      </p:sp>
-      <p:sp>
-        <p:nvSpPr>
-          <p:cNvPr id="7" name="テキスト ボックス 6">
-            <a:extLst>
-              <a:ext uri="{FF2B5EF4-FFF2-40B4-BE49-F238E27FC236}">
-                <a16:creationId xmlns:a16="http://schemas.microsoft.com/office/drawing/2014/main" id="{91C1CCD3-B529-6EE2-F382-7CFF7A57222B}"/>
-              </a:ext>
-            </a:extLst>
-          </p:cNvPr>
-          <p:cNvSpPr txBox="1"/>
-          <p:nvPr/>
-        </p:nvSpPr>
-        <p:spPr>
-          <a:xfrm>
-            <a:off x="2377727" y="2111849"/>
-            <a:ext cx="596638" cy="307777"/>
-          </a:xfrm>
-          <a:prstGeom prst="rect">
-            <a:avLst/>
-          </a:prstGeom>
-          <a:noFill/>
-        </p:spPr>
-        <p:txBody>
-          <a:bodyPr wrap="none" rtlCol="0">
-            <a:spAutoFit/>
-          </a:bodyPr>
-          <a:lstStyle/>
-          <a:p>
-            <a:r>
-              <a:rPr lang="en-US" altLang="ja-JP" sz="1400" b="1" dirty="0">
-                <a:latin typeface="Meiryo UI" panose="020B0604030504040204" pitchFamily="50" charset="-128"/>
-                <a:ea typeface="Meiryo UI" panose="020B0604030504040204" pitchFamily="50" charset="-128"/>
-              </a:rPr>
-              <a:t>ID</a:t>
-            </a:r>
-            <a:r>
-              <a:rPr kumimoji="1" lang="ja-JP" altLang="en-US" sz="1400" b="1" dirty="0">
-                <a:latin typeface="Meiryo UI" panose="020B0604030504040204" pitchFamily="50" charset="-128"/>
-                <a:ea typeface="Meiryo UI" panose="020B0604030504040204" pitchFamily="50" charset="-128"/>
-              </a:rPr>
-              <a:t>化</a:t>
-            </a:r>
-          </a:p>
-        </p:txBody>
-      </p:sp>
-      <p:sp>
-        <p:nvSpPr>
-          <p:cNvPr id="10" name="テキスト ボックス 9">
-            <a:extLst>
-              <a:ext uri="{FF2B5EF4-FFF2-40B4-BE49-F238E27FC236}">
-                <a16:creationId xmlns:a16="http://schemas.microsoft.com/office/drawing/2014/main" id="{EBDC69E9-549A-3BD4-039A-F4BEDCB3BE2D}"/>
-              </a:ext>
-            </a:extLst>
-          </p:cNvPr>
-          <p:cNvSpPr txBox="1"/>
-          <p:nvPr/>
-        </p:nvSpPr>
-        <p:spPr>
-          <a:xfrm>
-            <a:off x="1930643" y="3139654"/>
-            <a:ext cx="1426994" cy="307777"/>
-          </a:xfrm>
-          <a:prstGeom prst="rect">
-            <a:avLst/>
-          </a:prstGeom>
-          <a:noFill/>
-        </p:spPr>
-        <p:txBody>
-          <a:bodyPr wrap="none" rtlCol="0">
-            <a:spAutoFit/>
-          </a:bodyPr>
-          <a:lstStyle/>
-          <a:p>
-            <a:r>
-              <a:rPr kumimoji="1" lang="ja-JP" altLang="en-US" sz="1400" b="1" dirty="0">
-                <a:latin typeface="Meiryo UI" panose="020B0604030504040204" pitchFamily="50" charset="-128"/>
-                <a:ea typeface="Meiryo UI" panose="020B0604030504040204" pitchFamily="50" charset="-128"/>
-              </a:rPr>
-              <a:t>位置情報の付与</a:t>
-            </a:r>
-          </a:p>
-        </p:txBody>
-      </p:sp>
-      <p:sp>
-        <p:nvSpPr>
-          <p:cNvPr id="13" name="テキスト ボックス 12">
-            <a:extLst>
-              <a:ext uri="{FF2B5EF4-FFF2-40B4-BE49-F238E27FC236}">
-                <a16:creationId xmlns:a16="http://schemas.microsoft.com/office/drawing/2014/main" id="{122B4E15-4AD4-89BB-02BD-865BA51C29E8}"/>
-              </a:ext>
-            </a:extLst>
-          </p:cNvPr>
-          <p:cNvSpPr txBox="1"/>
-          <p:nvPr/>
-        </p:nvSpPr>
-        <p:spPr>
-          <a:xfrm>
-            <a:off x="2693629" y="2815134"/>
-            <a:ext cx="853119" cy="307777"/>
-          </a:xfrm>
-          <a:prstGeom prst="rect">
-            <a:avLst/>
-          </a:prstGeom>
-          <a:noFill/>
-        </p:spPr>
-        <p:txBody>
-          <a:bodyPr wrap="none" rtlCol="0">
-            <a:spAutoFit/>
-          </a:bodyPr>
-          <a:lstStyle/>
-          <a:p>
-            <a:r>
-              <a:rPr kumimoji="1" lang="ja-JP" altLang="en-US" sz="1400" b="1" dirty="0">
-                <a:latin typeface="Meiryo UI" panose="020B0604030504040204" pitchFamily="50" charset="-128"/>
-                <a:ea typeface="Meiryo UI" panose="020B0604030504040204" pitchFamily="50" charset="-128"/>
-              </a:rPr>
-              <a:t>埋め込み</a:t>
-            </a:r>
-          </a:p>
-        </p:txBody>
-      </p:sp>
-      <p:sp>
-        <p:nvSpPr>
-          <p:cNvPr id="14" name="テキスト ボックス 13">
-            <a:extLst>
-              <a:ext uri="{FF2B5EF4-FFF2-40B4-BE49-F238E27FC236}">
-                <a16:creationId xmlns:a16="http://schemas.microsoft.com/office/drawing/2014/main" id="{87FE4F63-2BBA-EEB0-03C5-CBEE0D1616F0}"/>
-              </a:ext>
-            </a:extLst>
-          </p:cNvPr>
-          <p:cNvSpPr txBox="1"/>
-          <p:nvPr/>
-        </p:nvSpPr>
-        <p:spPr>
-          <a:xfrm>
-            <a:off x="3369511" y="2128795"/>
-            <a:ext cx="4259499" cy="307777"/>
-          </a:xfrm>
-          <a:prstGeom prst="rect">
-            <a:avLst/>
-          </a:prstGeom>
-          <a:noFill/>
-        </p:spPr>
-        <p:txBody>
-          <a:bodyPr wrap="none" rtlCol="0">
-            <a:spAutoFit/>
-          </a:bodyPr>
-          <a:lstStyle/>
-          <a:p>
-            <a:r>
-              <a:rPr lang="en-US" altLang="ja-JP" sz="1400" b="1" i="0" dirty="0">
-                <a:effectLst/>
-                <a:latin typeface="Meiryo UI" panose="020B0604030504040204" pitchFamily="50" charset="-128"/>
-                <a:ea typeface="Meiryo UI" panose="020B0604030504040204" pitchFamily="50" charset="-128"/>
-              </a:rPr>
-              <a:t>[</a:t>
-            </a:r>
-            <a:r>
-              <a:rPr lang="en-US" altLang="ja-JP" sz="1400" b="1" i="0" dirty="0">
-                <a:solidFill>
-                  <a:schemeClr val="bg1">
-                    <a:lumMod val="65000"/>
-                  </a:schemeClr>
-                </a:solidFill>
-                <a:effectLst/>
-                <a:latin typeface="Meiryo UI" panose="020B0604030504040204" pitchFamily="50" charset="-128"/>
-                <a:ea typeface="Meiryo UI" panose="020B0604030504040204" pitchFamily="50" charset="-128"/>
-              </a:rPr>
-              <a:t>101</a:t>
-            </a:r>
-            <a:r>
-              <a:rPr lang="en-US" altLang="ja-JP" sz="1400" b="1" i="0" dirty="0">
-                <a:effectLst/>
-                <a:latin typeface="Meiryo UI" panose="020B0604030504040204" pitchFamily="50" charset="-128"/>
-                <a:ea typeface="Meiryo UI" panose="020B0604030504040204" pitchFamily="50" charset="-128"/>
-              </a:rPr>
-              <a:t>, </a:t>
-            </a:r>
-            <a:r>
-              <a:rPr lang="en-US" altLang="ja-JP" sz="1400" b="1" i="0" dirty="0">
-                <a:solidFill>
-                  <a:schemeClr val="tx1">
-                    <a:lumMod val="50000"/>
-                    <a:lumOff val="50000"/>
-                  </a:schemeClr>
-                </a:solidFill>
-                <a:effectLst/>
-                <a:latin typeface="Meiryo UI" panose="020B0604030504040204" pitchFamily="50" charset="-128"/>
-                <a:ea typeface="Meiryo UI" panose="020B0604030504040204" pitchFamily="50" charset="-128"/>
-              </a:rPr>
-              <a:t>3086</a:t>
-            </a:r>
-            <a:r>
-              <a:rPr lang="en-US" altLang="ja-JP" sz="1400" b="1" i="0" dirty="0">
-                <a:effectLst/>
-                <a:latin typeface="Meiryo UI" panose="020B0604030504040204" pitchFamily="50" charset="-128"/>
-                <a:ea typeface="Meiryo UI" panose="020B0604030504040204" pitchFamily="50" charset="-128"/>
-              </a:rPr>
-              <a:t>, </a:t>
-            </a:r>
-            <a:r>
-              <a:rPr lang="en-US" altLang="ja-JP" sz="1400" b="1" i="0" dirty="0">
-                <a:solidFill>
-                  <a:schemeClr val="tx2">
-                    <a:lumMod val="40000"/>
-                    <a:lumOff val="60000"/>
-                  </a:schemeClr>
-                </a:solidFill>
-                <a:effectLst/>
-                <a:latin typeface="Meiryo UI" panose="020B0604030504040204" pitchFamily="50" charset="-128"/>
-                <a:ea typeface="Meiryo UI" panose="020B0604030504040204" pitchFamily="50" charset="-128"/>
-              </a:rPr>
-              <a:t>2003</a:t>
-            </a:r>
-            <a:r>
-              <a:rPr lang="en-US" altLang="ja-JP" sz="1400" b="1" i="0" dirty="0">
-                <a:effectLst/>
-                <a:latin typeface="Meiryo UI" panose="020B0604030504040204" pitchFamily="50" charset="-128"/>
-                <a:ea typeface="Meiryo UI" panose="020B0604030504040204" pitchFamily="50" charset="-128"/>
-              </a:rPr>
-              <a:t>, </a:t>
-            </a:r>
-            <a:r>
-              <a:rPr lang="en-US" altLang="ja-JP" sz="1400" b="1" i="0" dirty="0">
-                <a:solidFill>
-                  <a:schemeClr val="accent5">
-                    <a:lumMod val="60000"/>
-                    <a:lumOff val="40000"/>
-                  </a:schemeClr>
-                </a:solidFill>
-                <a:effectLst/>
-                <a:latin typeface="Meiryo UI" panose="020B0604030504040204" pitchFamily="50" charset="-128"/>
-                <a:ea typeface="Meiryo UI" panose="020B0604030504040204" pitchFamily="50" charset="-128"/>
-              </a:rPr>
-              <a:t>2035</a:t>
-            </a:r>
-            <a:r>
-              <a:rPr lang="en-US" altLang="ja-JP" sz="1400" b="1" i="0" dirty="0">
-                <a:effectLst/>
-                <a:latin typeface="Meiryo UI" panose="020B0604030504040204" pitchFamily="50" charset="-128"/>
-                <a:ea typeface="Meiryo UI" panose="020B0604030504040204" pitchFamily="50" charset="-128"/>
-              </a:rPr>
-              <a:t>, </a:t>
-            </a:r>
-            <a:r>
-              <a:rPr lang="en-US" altLang="ja-JP" sz="1400" b="1" i="0" dirty="0">
-                <a:solidFill>
-                  <a:schemeClr val="accent3">
-                    <a:lumMod val="40000"/>
-                    <a:lumOff val="60000"/>
-                  </a:schemeClr>
-                </a:solidFill>
-                <a:effectLst/>
-                <a:latin typeface="Meiryo UI" panose="020B0604030504040204" pitchFamily="50" charset="-128"/>
-                <a:ea typeface="Meiryo UI" panose="020B0604030504040204" pitchFamily="50" charset="-128"/>
-              </a:rPr>
-              <a:t>2017</a:t>
-            </a:r>
-            <a:r>
-              <a:rPr lang="en-US" altLang="ja-JP" sz="1400" b="1" i="0" dirty="0">
-                <a:effectLst/>
-                <a:latin typeface="Meiryo UI" panose="020B0604030504040204" pitchFamily="50" charset="-128"/>
-                <a:ea typeface="Meiryo UI" panose="020B0604030504040204" pitchFamily="50" charset="-128"/>
-              </a:rPr>
-              <a:t>, </a:t>
-            </a:r>
-            <a:r>
-              <a:rPr lang="en-US" altLang="ja-JP" sz="1400" b="1" i="0" dirty="0">
-                <a:solidFill>
-                  <a:schemeClr val="accent5">
-                    <a:lumMod val="40000"/>
-                    <a:lumOff val="60000"/>
-                  </a:schemeClr>
-                </a:solidFill>
-                <a:effectLst/>
-                <a:latin typeface="Meiryo UI" panose="020B0604030504040204" pitchFamily="50" charset="-128"/>
-                <a:ea typeface="Meiryo UI" panose="020B0604030504040204" pitchFamily="50" charset="-128"/>
-              </a:rPr>
-              <a:t>2342</a:t>
-            </a:r>
-            <a:r>
-              <a:rPr lang="en-US" altLang="ja-JP" sz="1400" b="1" i="0" dirty="0">
-                <a:effectLst/>
-                <a:latin typeface="Meiryo UI" panose="020B0604030504040204" pitchFamily="50" charset="-128"/>
-                <a:ea typeface="Meiryo UI" panose="020B0604030504040204" pitchFamily="50" charset="-128"/>
-              </a:rPr>
-              <a:t>, </a:t>
-            </a:r>
-            <a:r>
-              <a:rPr lang="en-US" altLang="ja-JP" sz="1400" b="1" i="0" dirty="0">
-                <a:solidFill>
-                  <a:schemeClr val="bg1">
-                    <a:lumMod val="65000"/>
-                  </a:schemeClr>
-                </a:solidFill>
-                <a:effectLst/>
-                <a:latin typeface="Meiryo UI" panose="020B0604030504040204" pitchFamily="50" charset="-128"/>
-                <a:ea typeface="Meiryo UI" panose="020B0604030504040204" pitchFamily="50" charset="-128"/>
-              </a:rPr>
-              <a:t>102</a:t>
-            </a:r>
-            <a:r>
-              <a:rPr lang="en-US" altLang="ja-JP" sz="1400" b="1" i="0" dirty="0">
-                <a:effectLst/>
-                <a:latin typeface="Meiryo UI" panose="020B0604030504040204" pitchFamily="50" charset="-128"/>
-                <a:ea typeface="Meiryo UI" panose="020B0604030504040204" pitchFamily="50" charset="-128"/>
-              </a:rPr>
-              <a:t>]</a:t>
-            </a:r>
-            <a:endParaRPr kumimoji="1" lang="ja-JP" altLang="en-US" sz="1400" b="1" dirty="0">
-              <a:latin typeface="Meiryo UI" panose="020B0604030504040204" pitchFamily="50" charset="-128"/>
-              <a:ea typeface="Meiryo UI" panose="020B0604030504040204" pitchFamily="50" charset="-128"/>
-            </a:endParaRPr>
-          </a:p>
-        </p:txBody>
-      </p:sp>
-      <p:sp>
-        <p:nvSpPr>
-          <p:cNvPr id="16" name="テキスト ボックス 15">
-            <a:extLst>
-              <a:ext uri="{FF2B5EF4-FFF2-40B4-BE49-F238E27FC236}">
-                <a16:creationId xmlns:a16="http://schemas.microsoft.com/office/drawing/2014/main" id="{6DFE5389-0C3F-9E02-9B38-FBF759F81C18}"/>
-              </a:ext>
-            </a:extLst>
-          </p:cNvPr>
-          <p:cNvSpPr txBox="1"/>
-          <p:nvPr/>
-        </p:nvSpPr>
-        <p:spPr>
-          <a:xfrm>
-            <a:off x="4030337" y="2918158"/>
-            <a:ext cx="5384807" cy="738664"/>
-          </a:xfrm>
-          <a:prstGeom prst="rect">
-            <a:avLst/>
-          </a:prstGeom>
-          <a:noFill/>
-        </p:spPr>
-        <p:txBody>
-          <a:bodyPr wrap="none" rtlCol="0">
-            <a:spAutoFit/>
-          </a:bodyPr>
-          <a:lstStyle/>
-          <a:p>
-            <a:r>
-              <a:rPr lang="en-US" altLang="ja-JP" sz="1400" b="1" i="0" dirty="0">
-                <a:effectLst/>
-                <a:latin typeface="Meiryo UI" panose="020B0604030504040204" pitchFamily="50" charset="-128"/>
-                <a:ea typeface="Meiryo UI" panose="020B0604030504040204" pitchFamily="50" charset="-128"/>
-              </a:rPr>
-              <a:t>[</a:t>
-            </a:r>
-            <a:r>
-              <a:rPr lang="en-US" altLang="ja-JP" sz="1400" b="1" i="0" dirty="0">
-                <a:solidFill>
-                  <a:schemeClr val="bg1">
-                    <a:lumMod val="65000"/>
-                  </a:schemeClr>
-                </a:solidFill>
-                <a:effectLst/>
-                <a:latin typeface="Meiryo UI" panose="020B0604030504040204" pitchFamily="50" charset="-128"/>
-                <a:ea typeface="Meiryo UI" panose="020B0604030504040204" pitchFamily="50" charset="-128"/>
-              </a:rPr>
-              <a:t>[2,23,86,</a:t>
-            </a:r>
-            <a:r>
-              <a:rPr lang="ja-JP" altLang="en-US" sz="1400" b="1" i="0" dirty="0">
-                <a:solidFill>
-                  <a:schemeClr val="bg1">
-                    <a:lumMod val="65000"/>
-                  </a:schemeClr>
-                </a:solidFill>
-                <a:effectLst/>
-                <a:latin typeface="Meiryo UI" panose="020B0604030504040204" pitchFamily="50" charset="-128"/>
-                <a:ea typeface="Meiryo UI" panose="020B0604030504040204" pitchFamily="50" charset="-128"/>
-              </a:rPr>
-              <a:t>・・・</a:t>
-            </a:r>
-            <a:r>
-              <a:rPr lang="en-US" altLang="ja-JP" sz="1400" b="1" i="0" dirty="0">
-                <a:solidFill>
-                  <a:schemeClr val="bg1">
-                    <a:lumMod val="65000"/>
-                  </a:schemeClr>
-                </a:solidFill>
-                <a:effectLst/>
-                <a:latin typeface="Meiryo UI" panose="020B0604030504040204" pitchFamily="50" charset="-128"/>
-                <a:ea typeface="Meiryo UI" panose="020B0604030504040204" pitchFamily="50" charset="-128"/>
-              </a:rPr>
-              <a:t>]</a:t>
-            </a:r>
-            <a:r>
-              <a:rPr lang="en-US" altLang="ja-JP" sz="1400" b="1" i="0" dirty="0">
-                <a:effectLst/>
-                <a:latin typeface="Meiryo UI" panose="020B0604030504040204" pitchFamily="50" charset="-128"/>
-                <a:ea typeface="Meiryo UI" panose="020B0604030504040204" pitchFamily="50" charset="-128"/>
-              </a:rPr>
-              <a:t>, </a:t>
-            </a:r>
-          </a:p>
-          <a:p>
-            <a:r>
-              <a:rPr lang="ja-JP" altLang="en-US" sz="1400" b="1" dirty="0">
-                <a:solidFill>
-                  <a:schemeClr val="tx1">
-                    <a:lumMod val="50000"/>
-                    <a:lumOff val="50000"/>
-                  </a:schemeClr>
-                </a:solidFill>
-                <a:latin typeface="Meiryo UI" panose="020B0604030504040204" pitchFamily="50" charset="-128"/>
-                <a:ea typeface="Meiryo UI" panose="020B0604030504040204" pitchFamily="50" charset="-128"/>
-              </a:rPr>
-              <a:t>　　　　　</a:t>
-            </a:r>
-            <a:r>
-              <a:rPr lang="en-US" altLang="ja-JP" sz="1400" b="1" i="0" dirty="0">
-                <a:solidFill>
-                  <a:schemeClr val="tx1">
-                    <a:lumMod val="50000"/>
-                    <a:lumOff val="50000"/>
-                  </a:schemeClr>
-                </a:solidFill>
-                <a:effectLst/>
-                <a:latin typeface="Meiryo UI" panose="020B0604030504040204" pitchFamily="50" charset="-128"/>
-                <a:ea typeface="Meiryo UI" panose="020B0604030504040204" pitchFamily="50" charset="-128"/>
-              </a:rPr>
-              <a:t>[5,9,10,27,</a:t>
-            </a:r>
-            <a:r>
-              <a:rPr lang="ja-JP" altLang="en-US" sz="1400" b="1" i="0" dirty="0">
-                <a:solidFill>
-                  <a:schemeClr val="tx1">
-                    <a:lumMod val="50000"/>
-                    <a:lumOff val="50000"/>
-                  </a:schemeClr>
-                </a:solidFill>
-                <a:effectLst/>
-                <a:latin typeface="Meiryo UI" panose="020B0604030504040204" pitchFamily="50" charset="-128"/>
-                <a:ea typeface="Meiryo UI" panose="020B0604030504040204" pitchFamily="50" charset="-128"/>
-              </a:rPr>
-              <a:t>・・・</a:t>
-            </a:r>
-            <a:r>
-              <a:rPr lang="en-US" altLang="ja-JP" sz="1400" b="1" i="0" dirty="0">
-                <a:solidFill>
-                  <a:schemeClr val="tx1">
-                    <a:lumMod val="50000"/>
-                    <a:lumOff val="50000"/>
-                  </a:schemeClr>
-                </a:solidFill>
-                <a:effectLst/>
-                <a:latin typeface="Meiryo UI" panose="020B0604030504040204" pitchFamily="50" charset="-128"/>
-                <a:ea typeface="Meiryo UI" panose="020B0604030504040204" pitchFamily="50" charset="-128"/>
-              </a:rPr>
-              <a:t>]</a:t>
-            </a:r>
-            <a:r>
-              <a:rPr lang="en-US" altLang="ja-JP" sz="1400" b="1" i="0" dirty="0">
-                <a:effectLst/>
-                <a:latin typeface="Meiryo UI" panose="020B0604030504040204" pitchFamily="50" charset="-128"/>
-                <a:ea typeface="Meiryo UI" panose="020B0604030504040204" pitchFamily="50" charset="-128"/>
-              </a:rPr>
-              <a:t>, </a:t>
-            </a:r>
-          </a:p>
-          <a:p>
-            <a:r>
-              <a:rPr lang="ja-JP" altLang="en-US" sz="1400" b="1" dirty="0">
-                <a:solidFill>
-                  <a:schemeClr val="tx2">
-                    <a:lumMod val="40000"/>
-                    <a:lumOff val="60000"/>
-                  </a:schemeClr>
-                </a:solidFill>
-                <a:latin typeface="Meiryo UI" panose="020B0604030504040204" pitchFamily="50" charset="-128"/>
-                <a:ea typeface="Meiryo UI" panose="020B0604030504040204" pitchFamily="50" charset="-128"/>
-              </a:rPr>
-              <a:t>　　　　　　　　　</a:t>
-            </a:r>
-            <a:r>
-              <a:rPr lang="en-US" altLang="ja-JP" sz="1400" b="1" i="0" dirty="0">
-                <a:solidFill>
-                  <a:schemeClr val="tx2">
-                    <a:lumMod val="40000"/>
-                    <a:lumOff val="60000"/>
-                  </a:schemeClr>
-                </a:solidFill>
-                <a:effectLst/>
-                <a:latin typeface="Meiryo UI" panose="020B0604030504040204" pitchFamily="50" charset="-128"/>
-                <a:ea typeface="Meiryo UI" panose="020B0604030504040204" pitchFamily="50" charset="-128"/>
-              </a:rPr>
-              <a:t>[9,</a:t>
-            </a:r>
-            <a:r>
-              <a:rPr lang="ja-JP" altLang="en-US" sz="1400" b="1" i="0" dirty="0">
-                <a:solidFill>
-                  <a:schemeClr val="tx2">
-                    <a:lumMod val="40000"/>
-                    <a:lumOff val="60000"/>
-                  </a:schemeClr>
-                </a:solidFill>
-                <a:effectLst/>
-                <a:latin typeface="Meiryo UI" panose="020B0604030504040204" pitchFamily="50" charset="-128"/>
-                <a:ea typeface="Meiryo UI" panose="020B0604030504040204" pitchFamily="50" charset="-128"/>
-              </a:rPr>
-              <a:t>・・・</a:t>
-            </a:r>
-            <a:r>
-              <a:rPr lang="en-US" altLang="ja-JP" sz="1400" b="1" i="0" dirty="0">
-                <a:solidFill>
-                  <a:schemeClr val="tx2">
-                    <a:lumMod val="40000"/>
-                    <a:lumOff val="60000"/>
-                  </a:schemeClr>
-                </a:solidFill>
-                <a:effectLst/>
-                <a:latin typeface="Meiryo UI" panose="020B0604030504040204" pitchFamily="50" charset="-128"/>
-                <a:ea typeface="Meiryo UI" panose="020B0604030504040204" pitchFamily="50" charset="-128"/>
-              </a:rPr>
-              <a:t>]</a:t>
-            </a:r>
-            <a:r>
-              <a:rPr lang="en-US" altLang="ja-JP" sz="1400" b="1" i="0" dirty="0">
-                <a:effectLst/>
-                <a:latin typeface="Meiryo UI" panose="020B0604030504040204" pitchFamily="50" charset="-128"/>
-                <a:ea typeface="Meiryo UI" panose="020B0604030504040204" pitchFamily="50" charset="-128"/>
-              </a:rPr>
-              <a:t>, </a:t>
-            </a:r>
-            <a:r>
-              <a:rPr lang="en-US" altLang="ja-JP" sz="1400" b="1" i="0" dirty="0">
-                <a:solidFill>
-                  <a:schemeClr val="accent2">
-                    <a:lumMod val="40000"/>
-                    <a:lumOff val="60000"/>
-                  </a:schemeClr>
-                </a:solidFill>
-                <a:effectLst/>
-                <a:latin typeface="Meiryo UI" panose="020B0604030504040204" pitchFamily="50" charset="-128"/>
-                <a:ea typeface="Meiryo UI" panose="020B0604030504040204" pitchFamily="50" charset="-128"/>
-              </a:rPr>
-              <a:t>[44</a:t>
-            </a:r>
-            <a:r>
-              <a:rPr lang="ja-JP" altLang="en-US" sz="1400" b="1" i="0" dirty="0">
-                <a:solidFill>
-                  <a:schemeClr val="accent2">
-                    <a:lumMod val="40000"/>
-                    <a:lumOff val="60000"/>
-                  </a:schemeClr>
-                </a:solidFill>
-                <a:effectLst/>
-                <a:latin typeface="Meiryo UI" panose="020B0604030504040204" pitchFamily="50" charset="-128"/>
-                <a:ea typeface="Meiryo UI" panose="020B0604030504040204" pitchFamily="50" charset="-128"/>
-              </a:rPr>
-              <a:t>・・・</a:t>
-            </a:r>
-            <a:r>
-              <a:rPr lang="en-US" altLang="ja-JP" sz="1400" b="1" i="0" dirty="0">
-                <a:solidFill>
-                  <a:schemeClr val="accent2">
-                    <a:lumMod val="40000"/>
-                    <a:lumOff val="60000"/>
-                  </a:schemeClr>
-                </a:solidFill>
-                <a:effectLst/>
-                <a:latin typeface="Meiryo UI" panose="020B0604030504040204" pitchFamily="50" charset="-128"/>
-                <a:ea typeface="Meiryo UI" panose="020B0604030504040204" pitchFamily="50" charset="-128"/>
-              </a:rPr>
-              <a:t>]</a:t>
-            </a:r>
-            <a:r>
-              <a:rPr lang="en-US" altLang="ja-JP" sz="1400" b="1" i="0" dirty="0">
-                <a:effectLst/>
-                <a:latin typeface="Meiryo UI" panose="020B0604030504040204" pitchFamily="50" charset="-128"/>
-                <a:ea typeface="Meiryo UI" panose="020B0604030504040204" pitchFamily="50" charset="-128"/>
-              </a:rPr>
-              <a:t>, </a:t>
-            </a:r>
-            <a:r>
-              <a:rPr lang="en-US" altLang="ja-JP" sz="1400" b="1" i="0" dirty="0">
-                <a:solidFill>
-                  <a:schemeClr val="accent3">
-                    <a:lumMod val="40000"/>
-                    <a:lumOff val="60000"/>
-                  </a:schemeClr>
-                </a:solidFill>
-                <a:effectLst/>
-                <a:latin typeface="Meiryo UI" panose="020B0604030504040204" pitchFamily="50" charset="-128"/>
-                <a:ea typeface="Meiryo UI" panose="020B0604030504040204" pitchFamily="50" charset="-128"/>
-              </a:rPr>
-              <a:t>[52</a:t>
-            </a:r>
-            <a:r>
-              <a:rPr lang="ja-JP" altLang="en-US" sz="1400" b="1" i="0" dirty="0">
-                <a:solidFill>
-                  <a:schemeClr val="accent3">
-                    <a:lumMod val="40000"/>
-                    <a:lumOff val="60000"/>
-                  </a:schemeClr>
-                </a:solidFill>
-                <a:effectLst/>
-                <a:latin typeface="Meiryo UI" panose="020B0604030504040204" pitchFamily="50" charset="-128"/>
-                <a:ea typeface="Meiryo UI" panose="020B0604030504040204" pitchFamily="50" charset="-128"/>
-              </a:rPr>
-              <a:t>・・・</a:t>
-            </a:r>
-            <a:r>
-              <a:rPr lang="en-US" altLang="ja-JP" sz="1400" b="1" i="0" dirty="0">
-                <a:solidFill>
-                  <a:schemeClr val="accent3">
-                    <a:lumMod val="40000"/>
-                    <a:lumOff val="60000"/>
-                  </a:schemeClr>
-                </a:solidFill>
-                <a:effectLst/>
-                <a:latin typeface="Meiryo UI" panose="020B0604030504040204" pitchFamily="50" charset="-128"/>
-                <a:ea typeface="Meiryo UI" panose="020B0604030504040204" pitchFamily="50" charset="-128"/>
-              </a:rPr>
-              <a:t>]</a:t>
-            </a:r>
-            <a:r>
-              <a:rPr lang="en-US" altLang="ja-JP" sz="1400" b="1" i="0" dirty="0">
-                <a:effectLst/>
-                <a:latin typeface="Meiryo UI" panose="020B0604030504040204" pitchFamily="50" charset="-128"/>
-                <a:ea typeface="Meiryo UI" panose="020B0604030504040204" pitchFamily="50" charset="-128"/>
-              </a:rPr>
-              <a:t>, </a:t>
-            </a:r>
-            <a:r>
-              <a:rPr lang="en-US" altLang="ja-JP" sz="1400" b="1" i="0" dirty="0">
-                <a:solidFill>
-                  <a:schemeClr val="accent5">
-                    <a:lumMod val="40000"/>
-                    <a:lumOff val="60000"/>
-                  </a:schemeClr>
-                </a:solidFill>
-                <a:effectLst/>
-                <a:latin typeface="Meiryo UI" panose="020B0604030504040204" pitchFamily="50" charset="-128"/>
-                <a:ea typeface="Meiryo UI" panose="020B0604030504040204" pitchFamily="50" charset="-128"/>
-              </a:rPr>
-              <a:t>[266</a:t>
-            </a:r>
-            <a:r>
-              <a:rPr lang="ja-JP" altLang="en-US" sz="1400" b="1" i="0" dirty="0">
-                <a:solidFill>
-                  <a:schemeClr val="accent5">
-                    <a:lumMod val="40000"/>
-                    <a:lumOff val="60000"/>
-                  </a:schemeClr>
-                </a:solidFill>
-                <a:effectLst/>
-                <a:latin typeface="Meiryo UI" panose="020B0604030504040204" pitchFamily="50" charset="-128"/>
-                <a:ea typeface="Meiryo UI" panose="020B0604030504040204" pitchFamily="50" charset="-128"/>
-              </a:rPr>
-              <a:t>・・・</a:t>
-            </a:r>
-            <a:r>
-              <a:rPr lang="en-US" altLang="ja-JP" sz="1400" b="1" i="0" dirty="0">
-                <a:solidFill>
-                  <a:schemeClr val="accent5">
-                    <a:lumMod val="40000"/>
-                    <a:lumOff val="60000"/>
-                  </a:schemeClr>
-                </a:solidFill>
-                <a:effectLst/>
-                <a:latin typeface="Meiryo UI" panose="020B0604030504040204" pitchFamily="50" charset="-128"/>
-                <a:ea typeface="Meiryo UI" panose="020B0604030504040204" pitchFamily="50" charset="-128"/>
-              </a:rPr>
-              <a:t>]</a:t>
-            </a:r>
-            <a:r>
-              <a:rPr lang="en-US" altLang="ja-JP" sz="1400" b="1" i="0" dirty="0">
-                <a:effectLst/>
-                <a:latin typeface="Meiryo UI" panose="020B0604030504040204" pitchFamily="50" charset="-128"/>
-                <a:ea typeface="Meiryo UI" panose="020B0604030504040204" pitchFamily="50" charset="-128"/>
-              </a:rPr>
-              <a:t>, </a:t>
-            </a:r>
-            <a:r>
-              <a:rPr lang="en-US" altLang="ja-JP" sz="1400" b="1" i="0" dirty="0">
-                <a:solidFill>
-                  <a:schemeClr val="bg1">
-                    <a:lumMod val="65000"/>
-                  </a:schemeClr>
-                </a:solidFill>
-                <a:effectLst/>
-                <a:latin typeface="Meiryo UI" panose="020B0604030504040204" pitchFamily="50" charset="-128"/>
-                <a:ea typeface="Meiryo UI" panose="020B0604030504040204" pitchFamily="50" charset="-128"/>
-              </a:rPr>
-              <a:t>[90</a:t>
-            </a:r>
-            <a:r>
-              <a:rPr lang="ja-JP" altLang="en-US" sz="1400" b="1" i="0" dirty="0">
-                <a:solidFill>
-                  <a:schemeClr val="bg1">
-                    <a:lumMod val="65000"/>
-                  </a:schemeClr>
-                </a:solidFill>
-                <a:effectLst/>
-                <a:latin typeface="Meiryo UI" panose="020B0604030504040204" pitchFamily="50" charset="-128"/>
-                <a:ea typeface="Meiryo UI" panose="020B0604030504040204" pitchFamily="50" charset="-128"/>
-              </a:rPr>
-              <a:t>・・・</a:t>
-            </a:r>
-            <a:r>
-              <a:rPr lang="en-US" altLang="ja-JP" sz="1400" b="1" i="0" dirty="0">
-                <a:solidFill>
-                  <a:schemeClr val="bg1">
-                    <a:lumMod val="65000"/>
-                  </a:schemeClr>
-                </a:solidFill>
-                <a:effectLst/>
-                <a:latin typeface="Meiryo UI" panose="020B0604030504040204" pitchFamily="50" charset="-128"/>
-                <a:ea typeface="Meiryo UI" panose="020B0604030504040204" pitchFamily="50" charset="-128"/>
-              </a:rPr>
-              <a:t>]</a:t>
-            </a:r>
-            <a:r>
-              <a:rPr lang="en-US" altLang="ja-JP" sz="1400" b="1" i="0" dirty="0">
-                <a:effectLst/>
-                <a:latin typeface="Meiryo UI" panose="020B0604030504040204" pitchFamily="50" charset="-128"/>
-                <a:ea typeface="Meiryo UI" panose="020B0604030504040204" pitchFamily="50" charset="-128"/>
-              </a:rPr>
-              <a:t>]</a:t>
-            </a:r>
-            <a:endParaRPr kumimoji="1" lang="ja-JP" altLang="en-US" sz="1400" b="1" dirty="0">
-              <a:latin typeface="Meiryo UI" panose="020B0604030504040204" pitchFamily="50" charset="-128"/>
-              <a:ea typeface="Meiryo UI" panose="020B0604030504040204" pitchFamily="50" charset="-128"/>
-            </a:endParaRPr>
-          </a:p>
-        </p:txBody>
-      </p:sp>
-      <p:sp>
-        <p:nvSpPr>
-          <p:cNvPr id="17" name="テキスト ボックス 16">
-            <a:extLst>
-              <a:ext uri="{FF2B5EF4-FFF2-40B4-BE49-F238E27FC236}">
-                <a16:creationId xmlns:a16="http://schemas.microsoft.com/office/drawing/2014/main" id="{795CDB25-F5EC-5DD3-6222-06DF0CED02DB}"/>
-              </a:ext>
-            </a:extLst>
-          </p:cNvPr>
-          <p:cNvSpPr txBox="1"/>
-          <p:nvPr/>
-        </p:nvSpPr>
-        <p:spPr>
-          <a:xfrm>
-            <a:off x="9464340" y="4350443"/>
-            <a:ext cx="1914305" cy="230832"/>
-          </a:xfrm>
-          <a:prstGeom prst="rect">
-            <a:avLst/>
-          </a:prstGeom>
-          <a:noFill/>
-        </p:spPr>
-        <p:txBody>
-          <a:bodyPr wrap="square" rtlCol="0">
-            <a:spAutoFit/>
-          </a:bodyPr>
-          <a:lstStyle/>
-          <a:p>
-            <a:r>
-              <a:rPr lang="ja-JP" altLang="en-US" sz="900" b="1" dirty="0">
-                <a:latin typeface="Meiryo UI" panose="020B0604030504040204" pitchFamily="50" charset="-128"/>
-                <a:ea typeface="Meiryo UI" panose="020B0604030504040204" pitchFamily="50" charset="-128"/>
-              </a:rPr>
-              <a:t>値は適当です💦</a:t>
-            </a:r>
-            <a:endParaRPr kumimoji="1" lang="ja-JP" altLang="en-US" sz="900" b="1" dirty="0">
-              <a:latin typeface="Meiryo UI" panose="020B0604030504040204" pitchFamily="50" charset="-128"/>
-              <a:ea typeface="Meiryo UI" panose="020B0604030504040204" pitchFamily="50" charset="-128"/>
-            </a:endParaRPr>
-          </a:p>
-        </p:txBody>
-      </p:sp>
-      <p:sp>
-        <p:nvSpPr>
-          <p:cNvPr id="18" name="テキスト ボックス 17">
-            <a:extLst>
-              <a:ext uri="{FF2B5EF4-FFF2-40B4-BE49-F238E27FC236}">
-                <a16:creationId xmlns:a16="http://schemas.microsoft.com/office/drawing/2014/main" id="{CE7A67BB-9767-37F2-5630-5A3C6F6C8220}"/>
-              </a:ext>
-            </a:extLst>
-          </p:cNvPr>
-          <p:cNvSpPr txBox="1"/>
-          <p:nvPr/>
-        </p:nvSpPr>
-        <p:spPr>
-          <a:xfrm>
-            <a:off x="1883426" y="1618268"/>
-            <a:ext cx="2694456" cy="307777"/>
-          </a:xfrm>
-          <a:prstGeom prst="rect">
-            <a:avLst/>
-          </a:prstGeom>
-          <a:noFill/>
-        </p:spPr>
-        <p:txBody>
-          <a:bodyPr wrap="none" rtlCol="0">
-            <a:spAutoFit/>
-          </a:bodyPr>
-          <a:lstStyle/>
-          <a:p>
-            <a:r>
-              <a:rPr kumimoji="1" lang="en-US" altLang="ja-JP" sz="1400" b="1" dirty="0">
-                <a:latin typeface="Meiryo UI" panose="020B0604030504040204" pitchFamily="50" charset="-128"/>
-                <a:ea typeface="Meiryo UI" panose="020B0604030504040204" pitchFamily="50" charset="-128"/>
-              </a:rPr>
-              <a:t>textbook is</a:t>
-            </a:r>
-            <a:r>
-              <a:rPr kumimoji="1" lang="ja-JP" altLang="en-US" sz="1400" b="1" dirty="0">
-                <a:latin typeface="Meiryo UI" panose="020B0604030504040204" pitchFamily="50" charset="-128"/>
-                <a:ea typeface="Meiryo UI" panose="020B0604030504040204" pitchFamily="50" charset="-128"/>
-              </a:rPr>
-              <a:t>　</a:t>
-            </a:r>
-            <a:r>
-              <a:rPr kumimoji="1" lang="en-US" altLang="ja-JP" sz="1400" b="1" dirty="0">
-                <a:latin typeface="Meiryo UI" panose="020B0604030504040204" pitchFamily="50" charset="-128"/>
-                <a:ea typeface="Meiryo UI" panose="020B0604030504040204" pitchFamily="50" charset="-128"/>
-              </a:rPr>
-              <a:t>all</a:t>
-            </a:r>
-            <a:r>
-              <a:rPr kumimoji="1" lang="ja-JP" altLang="en-US" sz="1400" b="1" dirty="0">
-                <a:latin typeface="Meiryo UI" panose="020B0604030504040204" pitchFamily="50" charset="-128"/>
-                <a:ea typeface="Meiryo UI" panose="020B0604030504040204" pitchFamily="50" charset="-128"/>
-              </a:rPr>
-              <a:t>　</a:t>
-            </a:r>
-            <a:r>
-              <a:rPr kumimoji="1" lang="en-US" altLang="ja-JP" sz="1400" b="1" dirty="0">
-                <a:latin typeface="Meiryo UI" panose="020B0604030504040204" pitchFamily="50" charset="-128"/>
-                <a:ea typeface="Meiryo UI" panose="020B0604030504040204" pitchFamily="50" charset="-128"/>
-              </a:rPr>
-              <a:t>you</a:t>
-            </a:r>
-            <a:r>
-              <a:rPr kumimoji="1" lang="ja-JP" altLang="en-US" sz="1400" b="1" dirty="0">
-                <a:latin typeface="Meiryo UI" panose="020B0604030504040204" pitchFamily="50" charset="-128"/>
-                <a:ea typeface="Meiryo UI" panose="020B0604030504040204" pitchFamily="50" charset="-128"/>
-              </a:rPr>
-              <a:t>　</a:t>
-            </a:r>
-            <a:r>
-              <a:rPr kumimoji="1" lang="en-US" altLang="ja-JP" sz="1400" b="1" dirty="0">
-                <a:latin typeface="Meiryo UI" panose="020B0604030504040204" pitchFamily="50" charset="-128"/>
-                <a:ea typeface="Meiryo UI" panose="020B0604030504040204" pitchFamily="50" charset="-128"/>
-              </a:rPr>
-              <a:t>need.</a:t>
-            </a:r>
-            <a:endParaRPr kumimoji="1" lang="ja-JP" altLang="en-US" sz="1400" b="1" dirty="0">
-              <a:latin typeface="Meiryo UI" panose="020B0604030504040204" pitchFamily="50" charset="-128"/>
-              <a:ea typeface="Meiryo UI" panose="020B0604030504040204" pitchFamily="50" charset="-128"/>
-            </a:endParaRPr>
-          </a:p>
-        </p:txBody>
-      </p:sp>
-      <p:sp>
-        <p:nvSpPr>
-          <p:cNvPr id="21" name="テキスト ボックス 20">
-            <a:extLst>
-              <a:ext uri="{FF2B5EF4-FFF2-40B4-BE49-F238E27FC236}">
-                <a16:creationId xmlns:a16="http://schemas.microsoft.com/office/drawing/2014/main" id="{0750CFCC-C6E9-AD7E-C4CF-764533ACC717}"/>
-              </a:ext>
-            </a:extLst>
-          </p:cNvPr>
-          <p:cNvSpPr txBox="1"/>
-          <p:nvPr/>
-        </p:nvSpPr>
-        <p:spPr>
-          <a:xfrm>
-            <a:off x="4891456" y="1491443"/>
-            <a:ext cx="942887" cy="307777"/>
-          </a:xfrm>
-          <a:prstGeom prst="rect">
-            <a:avLst/>
-          </a:prstGeom>
-          <a:noFill/>
-        </p:spPr>
-        <p:txBody>
-          <a:bodyPr wrap="none" rtlCol="0">
-            <a:spAutoFit/>
-          </a:bodyPr>
-          <a:lstStyle/>
-          <a:p>
-            <a:r>
-              <a:rPr kumimoji="1" lang="ja-JP" altLang="en-US" sz="1400" b="1" dirty="0">
-                <a:latin typeface="Meiryo UI" panose="020B0604030504040204" pitchFamily="50" charset="-128"/>
-                <a:ea typeface="Meiryo UI" panose="020B0604030504040204" pitchFamily="50" charset="-128"/>
-              </a:rPr>
-              <a:t>トークン化</a:t>
-            </a:r>
-          </a:p>
-        </p:txBody>
-      </p:sp>
-      <p:sp>
-        <p:nvSpPr>
-          <p:cNvPr id="22" name="テキスト ボックス 21">
-            <a:extLst>
-              <a:ext uri="{FF2B5EF4-FFF2-40B4-BE49-F238E27FC236}">
-                <a16:creationId xmlns:a16="http://schemas.microsoft.com/office/drawing/2014/main" id="{ADAED043-606F-E135-D202-4273C50ABD3B}"/>
-              </a:ext>
-            </a:extLst>
-          </p:cNvPr>
-          <p:cNvSpPr txBox="1"/>
-          <p:nvPr/>
-        </p:nvSpPr>
-        <p:spPr>
-          <a:xfrm>
-            <a:off x="10421493" y="7194921"/>
-            <a:ext cx="1864613" cy="461665"/>
-          </a:xfrm>
-          <a:prstGeom prst="rect">
-            <a:avLst/>
-          </a:prstGeom>
-          <a:noFill/>
-        </p:spPr>
-        <p:txBody>
-          <a:bodyPr wrap="none" rtlCol="0">
-            <a:spAutoFit/>
-          </a:bodyPr>
-          <a:lstStyle/>
-          <a:p>
-            <a:r>
-              <a:rPr kumimoji="1" lang="en-US" altLang="ja-JP" sz="1200" dirty="0">
-                <a:latin typeface="Meiryo UI" panose="020B0604030504040204" pitchFamily="50" charset="-128"/>
-                <a:ea typeface="Meiryo UI" panose="020B0604030504040204" pitchFamily="50" charset="-128"/>
-              </a:rPr>
-              <a:t>GPT3.5</a:t>
-            </a:r>
-            <a:r>
-              <a:rPr kumimoji="1" lang="ja-JP" altLang="en-US" sz="1200" dirty="0">
-                <a:latin typeface="Meiryo UI" panose="020B0604030504040204" pitchFamily="50" charset="-128"/>
-                <a:ea typeface="Meiryo UI" panose="020B0604030504040204" pitchFamily="50" charset="-128"/>
-              </a:rPr>
-              <a:t>以降は</a:t>
-            </a:r>
-            <a:r>
-              <a:rPr kumimoji="1" lang="en-US" altLang="ja-JP" sz="1200" dirty="0">
-                <a:latin typeface="Meiryo UI" panose="020B0604030504040204" pitchFamily="50" charset="-128"/>
-                <a:ea typeface="Meiryo UI" panose="020B0604030504040204" pitchFamily="50" charset="-128"/>
-              </a:rPr>
-              <a:t>1536</a:t>
-            </a:r>
-            <a:r>
-              <a:rPr kumimoji="1" lang="ja-JP" altLang="en-US" sz="1200" dirty="0">
-                <a:latin typeface="Meiryo UI" panose="020B0604030504040204" pitchFamily="50" charset="-128"/>
-                <a:ea typeface="Meiryo UI" panose="020B0604030504040204" pitchFamily="50" charset="-128"/>
-              </a:rPr>
-              <a:t>次元</a:t>
-            </a:r>
-            <a:endParaRPr kumimoji="1" lang="en-US" altLang="ja-JP" sz="1200" dirty="0">
-              <a:latin typeface="Meiryo UI" panose="020B0604030504040204" pitchFamily="50" charset="-128"/>
-              <a:ea typeface="Meiryo UI" panose="020B0604030504040204" pitchFamily="50" charset="-128"/>
-            </a:endParaRPr>
-          </a:p>
-          <a:p>
-            <a:r>
-              <a:rPr lang="en-US" altLang="ja-JP" sz="1200" dirty="0">
-                <a:latin typeface="Meiryo UI" panose="020B0604030504040204" pitchFamily="50" charset="-128"/>
-                <a:ea typeface="Meiryo UI" panose="020B0604030504040204" pitchFamily="50" charset="-128"/>
-              </a:rPr>
-              <a:t>BERT</a:t>
-            </a:r>
-            <a:r>
-              <a:rPr lang="ja-JP" altLang="en-US" sz="1200" dirty="0">
-                <a:latin typeface="Meiryo UI" panose="020B0604030504040204" pitchFamily="50" charset="-128"/>
-                <a:ea typeface="Meiryo UI" panose="020B0604030504040204" pitchFamily="50" charset="-128"/>
-              </a:rPr>
-              <a:t>は</a:t>
-            </a:r>
-            <a:r>
-              <a:rPr lang="en-US" altLang="ja-JP" sz="1200" dirty="0">
-                <a:latin typeface="Meiryo UI" panose="020B0604030504040204" pitchFamily="50" charset="-128"/>
-                <a:ea typeface="Meiryo UI" panose="020B0604030504040204" pitchFamily="50" charset="-128"/>
-              </a:rPr>
-              <a:t>768</a:t>
-            </a:r>
-            <a:r>
-              <a:rPr lang="ja-JP" altLang="en-US" sz="1200" dirty="0">
-                <a:latin typeface="Meiryo UI" panose="020B0604030504040204" pitchFamily="50" charset="-128"/>
-                <a:ea typeface="Meiryo UI" panose="020B0604030504040204" pitchFamily="50" charset="-128"/>
-              </a:rPr>
-              <a:t>次元</a:t>
-            </a:r>
-            <a:endParaRPr kumimoji="1" lang="ja-JP" altLang="en-US" sz="1200" dirty="0">
-              <a:latin typeface="Meiryo UI" panose="020B0604030504040204" pitchFamily="50" charset="-128"/>
-              <a:ea typeface="Meiryo UI" panose="020B0604030504040204" pitchFamily="50" charset="-128"/>
-            </a:endParaRPr>
-          </a:p>
-        </p:txBody>
-      </p:sp>
-      <p:cxnSp>
-        <p:nvCxnSpPr>
-          <p:cNvPr id="26" name="直線矢印コネクタ 25">
-            <a:extLst>
-              <a:ext uri="{FF2B5EF4-FFF2-40B4-BE49-F238E27FC236}">
-                <a16:creationId xmlns:a16="http://schemas.microsoft.com/office/drawing/2014/main" id="{E9610A83-7832-6A4D-4F4E-731A2EEA687E}"/>
-              </a:ext>
-            </a:extLst>
-          </p:cNvPr>
-          <p:cNvCxnSpPr>
-            <a:cxnSpLocks/>
-            <a:stCxn id="18" idx="3"/>
-            <a:endCxn id="4" idx="1"/>
-          </p:cNvCxnSpPr>
-          <p:nvPr/>
-        </p:nvCxnSpPr>
-        <p:spPr>
-          <a:xfrm>
-            <a:off x="4577882" y="1772157"/>
-            <a:ext cx="1625692" cy="0"/>
-          </a:xfrm>
-          <a:prstGeom prst="straightConnector1">
-            <a:avLst/>
-          </a:prstGeom>
-          <a:ln>
-            <a:tailEnd type="triangle"/>
-          </a:ln>
-        </p:spPr>
-        <p:style>
-          <a:lnRef idx="2">
-            <a:schemeClr val="accent1"/>
-          </a:lnRef>
-          <a:fillRef idx="0">
-            <a:schemeClr val="accent1"/>
-          </a:fillRef>
-          <a:effectRef idx="1">
-            <a:schemeClr val="accent1"/>
-          </a:effectRef>
-          <a:fontRef idx="minor">
-            <a:schemeClr val="tx1"/>
-          </a:fontRef>
-        </p:style>
-      </p:cxnSp>
-      <p:cxnSp>
-        <p:nvCxnSpPr>
-          <p:cNvPr id="29" name="コネクタ: カギ線 28">
-            <a:extLst>
-              <a:ext uri="{FF2B5EF4-FFF2-40B4-BE49-F238E27FC236}">
-                <a16:creationId xmlns:a16="http://schemas.microsoft.com/office/drawing/2014/main" id="{BFC2FC0D-947D-61AF-3F01-8DB92ED719C1}"/>
-              </a:ext>
-            </a:extLst>
-          </p:cNvPr>
-          <p:cNvCxnSpPr>
-            <a:stCxn id="4" idx="3"/>
-            <a:endCxn id="14" idx="1"/>
-          </p:cNvCxnSpPr>
-          <p:nvPr/>
-        </p:nvCxnSpPr>
-        <p:spPr>
-          <a:xfrm flipH="1">
-            <a:off x="3369511" y="1772157"/>
-            <a:ext cx="7594084" cy="510527"/>
-          </a:xfrm>
-          <a:prstGeom prst="bentConnector5">
-            <a:avLst>
-              <a:gd name="adj1" fmla="val -3010"/>
-              <a:gd name="adj2" fmla="val 50000"/>
-              <a:gd name="adj3" fmla="val 103010"/>
-            </a:avLst>
-          </a:prstGeom>
-          <a:ln>
-            <a:tailEnd type="triangle"/>
-          </a:ln>
-        </p:spPr>
-        <p:style>
-          <a:lnRef idx="2">
-            <a:schemeClr val="accent1"/>
-          </a:lnRef>
-          <a:fillRef idx="0">
-            <a:schemeClr val="accent1"/>
-          </a:fillRef>
-          <a:effectRef idx="1">
-            <a:schemeClr val="accent1"/>
-          </a:effectRef>
-          <a:fontRef idx="minor">
-            <a:schemeClr val="tx1"/>
-          </a:fontRef>
-        </p:style>
-      </p:cxnSp>
-      <p:pic>
-        <p:nvPicPr>
-          <p:cNvPr id="37" name="グラフィックス 36" descr="人工知能 単色塗りつぶし">
-            <a:extLst>
-              <a:ext uri="{FF2B5EF4-FFF2-40B4-BE49-F238E27FC236}">
-                <a16:creationId xmlns:a16="http://schemas.microsoft.com/office/drawing/2014/main" id="{687C9779-CA37-24EC-E2E4-6A79CDA77C98}"/>
-              </a:ext>
-            </a:extLst>
-          </p:cNvPr>
-          <p:cNvPicPr>
-            <a:picLocks noChangeAspect="1"/>
-          </p:cNvPicPr>
-          <p:nvPr/>
-        </p:nvPicPr>
-        <p:blipFill>
-          <a:blip r:embed="rId2">
-            <a:extLst>
-              <a:ext uri="{96DAC541-7B7A-43D3-8B79-37D633B846F1}">
-                <asvg:svgBlip xmlns:asvg="http://schemas.microsoft.com/office/drawing/2016/SVG/main" r:embed="rId3"/>
-              </a:ext>
-            </a:extLst>
-          </a:blip>
-          <a:stretch>
-            <a:fillRect/>
-          </a:stretch>
-        </p:blipFill>
-        <p:spPr>
-          <a:xfrm>
-            <a:off x="868792" y="3693987"/>
-            <a:ext cx="914400" cy="914400"/>
-          </a:xfrm>
-          <a:prstGeom prst="rect">
-            <a:avLst/>
-          </a:prstGeom>
-        </p:spPr>
-      </p:pic>
-      <p:cxnSp>
-        <p:nvCxnSpPr>
-          <p:cNvPr id="38" name="コネクタ: カギ線 37">
-            <a:extLst>
-              <a:ext uri="{FF2B5EF4-FFF2-40B4-BE49-F238E27FC236}">
-                <a16:creationId xmlns:a16="http://schemas.microsoft.com/office/drawing/2014/main" id="{7688D9DD-1A39-DDBE-63B3-F5459DC90BAF}"/>
-              </a:ext>
-            </a:extLst>
-          </p:cNvPr>
-          <p:cNvCxnSpPr>
-            <a:cxnSpLocks/>
-            <a:stCxn id="16" idx="3"/>
-            <a:endCxn id="47" idx="1"/>
-          </p:cNvCxnSpPr>
-          <p:nvPr/>
-        </p:nvCxnSpPr>
-        <p:spPr>
-          <a:xfrm flipH="1">
-            <a:off x="3328381" y="3287490"/>
-            <a:ext cx="6086763" cy="910503"/>
-          </a:xfrm>
-          <a:prstGeom prst="bentConnector5">
-            <a:avLst>
-              <a:gd name="adj1" fmla="val -3756"/>
-              <a:gd name="adj2" fmla="val 61831"/>
-              <a:gd name="adj3" fmla="val 103756"/>
-            </a:avLst>
-          </a:prstGeom>
-          <a:ln>
-            <a:tailEnd type="triangle"/>
-          </a:ln>
-        </p:spPr>
-        <p:style>
-          <a:lnRef idx="2">
-            <a:schemeClr val="accent1"/>
-          </a:lnRef>
-          <a:fillRef idx="0">
-            <a:schemeClr val="accent1"/>
-          </a:fillRef>
-          <a:effectRef idx="1">
-            <a:schemeClr val="accent1"/>
-          </a:effectRef>
-          <a:fontRef idx="minor">
-            <a:schemeClr val="tx1"/>
-          </a:fontRef>
-        </p:style>
-      </p:cxnSp>
-      <p:sp>
-        <p:nvSpPr>
-          <p:cNvPr id="42" name="テキスト ボックス 41">
-            <a:extLst>
-              <a:ext uri="{FF2B5EF4-FFF2-40B4-BE49-F238E27FC236}">
-                <a16:creationId xmlns:a16="http://schemas.microsoft.com/office/drawing/2014/main" id="{3B2BE5F5-FBFA-525A-47D8-AFA0EC378173}"/>
-              </a:ext>
-            </a:extLst>
-          </p:cNvPr>
-          <p:cNvSpPr txBox="1"/>
-          <p:nvPr/>
-        </p:nvSpPr>
-        <p:spPr>
-          <a:xfrm>
-            <a:off x="4030338" y="4595226"/>
-            <a:ext cx="5384807" cy="738664"/>
-          </a:xfrm>
-          <a:prstGeom prst="rect">
-            <a:avLst/>
-          </a:prstGeom>
-          <a:noFill/>
-        </p:spPr>
-        <p:txBody>
-          <a:bodyPr wrap="none" rtlCol="0">
-            <a:spAutoFit/>
-          </a:bodyPr>
-          <a:lstStyle/>
-          <a:p>
-            <a:r>
-              <a:rPr lang="en-US" altLang="ja-JP" sz="1400" b="1" i="0" dirty="0">
-                <a:effectLst/>
-                <a:latin typeface="Meiryo UI" panose="020B0604030504040204" pitchFamily="50" charset="-128"/>
-                <a:ea typeface="Meiryo UI" panose="020B0604030504040204" pitchFamily="50" charset="-128"/>
-              </a:rPr>
-              <a:t>[</a:t>
-            </a:r>
-            <a:r>
-              <a:rPr lang="en-US" altLang="ja-JP" sz="1400" b="1" i="0" dirty="0">
-                <a:solidFill>
-                  <a:schemeClr val="bg1">
-                    <a:lumMod val="65000"/>
-                  </a:schemeClr>
-                </a:solidFill>
-                <a:effectLst/>
-                <a:latin typeface="Meiryo UI" panose="020B0604030504040204" pitchFamily="50" charset="-128"/>
-                <a:ea typeface="Meiryo UI" panose="020B0604030504040204" pitchFamily="50" charset="-128"/>
-              </a:rPr>
-              <a:t>[2,23,86,</a:t>
-            </a:r>
-            <a:r>
-              <a:rPr lang="ja-JP" altLang="en-US" sz="1400" b="1" i="0" dirty="0">
-                <a:solidFill>
-                  <a:schemeClr val="bg1">
-                    <a:lumMod val="65000"/>
-                  </a:schemeClr>
-                </a:solidFill>
-                <a:effectLst/>
-                <a:latin typeface="Meiryo UI" panose="020B0604030504040204" pitchFamily="50" charset="-128"/>
-                <a:ea typeface="Meiryo UI" panose="020B0604030504040204" pitchFamily="50" charset="-128"/>
-              </a:rPr>
-              <a:t>・・・</a:t>
-            </a:r>
-            <a:r>
-              <a:rPr lang="en-US" altLang="ja-JP" sz="1400" b="1" i="0" dirty="0">
-                <a:solidFill>
-                  <a:schemeClr val="bg1">
-                    <a:lumMod val="65000"/>
-                  </a:schemeClr>
-                </a:solidFill>
-                <a:effectLst/>
-                <a:latin typeface="Meiryo UI" panose="020B0604030504040204" pitchFamily="50" charset="-128"/>
-                <a:ea typeface="Meiryo UI" panose="020B0604030504040204" pitchFamily="50" charset="-128"/>
-              </a:rPr>
-              <a:t>]</a:t>
-            </a:r>
-            <a:r>
-              <a:rPr lang="en-US" altLang="ja-JP" sz="1400" b="1" i="0" dirty="0">
-                <a:effectLst/>
-                <a:latin typeface="Meiryo UI" panose="020B0604030504040204" pitchFamily="50" charset="-128"/>
-                <a:ea typeface="Meiryo UI" panose="020B0604030504040204" pitchFamily="50" charset="-128"/>
-              </a:rPr>
-              <a:t>, </a:t>
-            </a:r>
-          </a:p>
-          <a:p>
-            <a:r>
-              <a:rPr lang="ja-JP" altLang="en-US" sz="1400" b="1" dirty="0">
-                <a:solidFill>
-                  <a:schemeClr val="tx1">
-                    <a:lumMod val="50000"/>
-                    <a:lumOff val="50000"/>
-                  </a:schemeClr>
-                </a:solidFill>
-                <a:latin typeface="Meiryo UI" panose="020B0604030504040204" pitchFamily="50" charset="-128"/>
-                <a:ea typeface="Meiryo UI" panose="020B0604030504040204" pitchFamily="50" charset="-128"/>
-              </a:rPr>
-              <a:t>　　　　　</a:t>
-            </a:r>
-            <a:r>
-              <a:rPr lang="en-US" altLang="ja-JP" sz="1400" b="1" i="0" dirty="0">
-                <a:solidFill>
-                  <a:schemeClr val="tx1">
-                    <a:lumMod val="50000"/>
-                    <a:lumOff val="50000"/>
-                  </a:schemeClr>
-                </a:solidFill>
-                <a:effectLst/>
-                <a:latin typeface="Meiryo UI" panose="020B0604030504040204" pitchFamily="50" charset="-128"/>
-                <a:ea typeface="Meiryo UI" panose="020B0604030504040204" pitchFamily="50" charset="-128"/>
-              </a:rPr>
-              <a:t>[5,9,10,27,</a:t>
-            </a:r>
-            <a:r>
-              <a:rPr lang="ja-JP" altLang="en-US" sz="1400" b="1" i="0" dirty="0">
-                <a:solidFill>
-                  <a:schemeClr val="tx1">
-                    <a:lumMod val="50000"/>
-                    <a:lumOff val="50000"/>
-                  </a:schemeClr>
-                </a:solidFill>
-                <a:effectLst/>
-                <a:latin typeface="Meiryo UI" panose="020B0604030504040204" pitchFamily="50" charset="-128"/>
-                <a:ea typeface="Meiryo UI" panose="020B0604030504040204" pitchFamily="50" charset="-128"/>
-              </a:rPr>
-              <a:t>・・・</a:t>
-            </a:r>
-            <a:r>
-              <a:rPr lang="en-US" altLang="ja-JP" sz="1400" b="1" i="0" dirty="0">
-                <a:solidFill>
-                  <a:schemeClr val="tx1">
-                    <a:lumMod val="50000"/>
-                    <a:lumOff val="50000"/>
-                  </a:schemeClr>
-                </a:solidFill>
-                <a:effectLst/>
-                <a:latin typeface="Meiryo UI" panose="020B0604030504040204" pitchFamily="50" charset="-128"/>
-                <a:ea typeface="Meiryo UI" panose="020B0604030504040204" pitchFamily="50" charset="-128"/>
-              </a:rPr>
-              <a:t>]</a:t>
-            </a:r>
-            <a:r>
-              <a:rPr lang="en-US" altLang="ja-JP" sz="1400" b="1" i="0" dirty="0">
-                <a:effectLst/>
-                <a:latin typeface="Meiryo UI" panose="020B0604030504040204" pitchFamily="50" charset="-128"/>
-                <a:ea typeface="Meiryo UI" panose="020B0604030504040204" pitchFamily="50" charset="-128"/>
-              </a:rPr>
-              <a:t>, </a:t>
-            </a:r>
-          </a:p>
-          <a:p>
-            <a:r>
-              <a:rPr lang="ja-JP" altLang="en-US" sz="1400" b="1" dirty="0">
-                <a:solidFill>
-                  <a:schemeClr val="tx2">
-                    <a:lumMod val="40000"/>
-                    <a:lumOff val="60000"/>
-                  </a:schemeClr>
-                </a:solidFill>
-                <a:latin typeface="Meiryo UI" panose="020B0604030504040204" pitchFamily="50" charset="-128"/>
-                <a:ea typeface="Meiryo UI" panose="020B0604030504040204" pitchFamily="50" charset="-128"/>
-              </a:rPr>
-              <a:t>　　　　　　　　　</a:t>
-            </a:r>
-            <a:r>
-              <a:rPr lang="en-US" altLang="ja-JP" sz="1400" b="1" i="0" dirty="0">
-                <a:solidFill>
-                  <a:schemeClr val="tx2">
-                    <a:lumMod val="40000"/>
-                    <a:lumOff val="60000"/>
-                  </a:schemeClr>
-                </a:solidFill>
-                <a:effectLst/>
-                <a:latin typeface="Meiryo UI" panose="020B0604030504040204" pitchFamily="50" charset="-128"/>
-                <a:ea typeface="Meiryo UI" panose="020B0604030504040204" pitchFamily="50" charset="-128"/>
-              </a:rPr>
-              <a:t>[9,</a:t>
-            </a:r>
-            <a:r>
-              <a:rPr lang="ja-JP" altLang="en-US" sz="1400" b="1" i="0" dirty="0">
-                <a:solidFill>
-                  <a:schemeClr val="tx2">
-                    <a:lumMod val="40000"/>
-                    <a:lumOff val="60000"/>
-                  </a:schemeClr>
-                </a:solidFill>
-                <a:effectLst/>
-                <a:latin typeface="Meiryo UI" panose="020B0604030504040204" pitchFamily="50" charset="-128"/>
-                <a:ea typeface="Meiryo UI" panose="020B0604030504040204" pitchFamily="50" charset="-128"/>
-              </a:rPr>
-              <a:t>・・・</a:t>
-            </a:r>
-            <a:r>
-              <a:rPr lang="en-US" altLang="ja-JP" sz="1400" b="1" i="0" dirty="0">
-                <a:solidFill>
-                  <a:schemeClr val="tx2">
-                    <a:lumMod val="40000"/>
-                    <a:lumOff val="60000"/>
-                  </a:schemeClr>
-                </a:solidFill>
-                <a:effectLst/>
-                <a:latin typeface="Meiryo UI" panose="020B0604030504040204" pitchFamily="50" charset="-128"/>
-                <a:ea typeface="Meiryo UI" panose="020B0604030504040204" pitchFamily="50" charset="-128"/>
-              </a:rPr>
-              <a:t>]</a:t>
-            </a:r>
-            <a:r>
-              <a:rPr lang="en-US" altLang="ja-JP" sz="1400" b="1" i="0" dirty="0">
-                <a:effectLst/>
-                <a:latin typeface="Meiryo UI" panose="020B0604030504040204" pitchFamily="50" charset="-128"/>
-                <a:ea typeface="Meiryo UI" panose="020B0604030504040204" pitchFamily="50" charset="-128"/>
-              </a:rPr>
-              <a:t>, </a:t>
-            </a:r>
-            <a:r>
-              <a:rPr lang="en-US" altLang="ja-JP" sz="1400" b="1" i="0" dirty="0">
-                <a:solidFill>
-                  <a:schemeClr val="accent2">
-                    <a:lumMod val="40000"/>
-                    <a:lumOff val="60000"/>
-                  </a:schemeClr>
-                </a:solidFill>
-                <a:effectLst/>
-                <a:latin typeface="Meiryo UI" panose="020B0604030504040204" pitchFamily="50" charset="-128"/>
-                <a:ea typeface="Meiryo UI" panose="020B0604030504040204" pitchFamily="50" charset="-128"/>
-              </a:rPr>
-              <a:t>[44</a:t>
-            </a:r>
-            <a:r>
-              <a:rPr lang="ja-JP" altLang="en-US" sz="1400" b="1" i="0" dirty="0">
-                <a:solidFill>
-                  <a:schemeClr val="accent2">
-                    <a:lumMod val="40000"/>
-                    <a:lumOff val="60000"/>
-                  </a:schemeClr>
-                </a:solidFill>
-                <a:effectLst/>
-                <a:latin typeface="Meiryo UI" panose="020B0604030504040204" pitchFamily="50" charset="-128"/>
-                <a:ea typeface="Meiryo UI" panose="020B0604030504040204" pitchFamily="50" charset="-128"/>
-              </a:rPr>
-              <a:t>・・・</a:t>
-            </a:r>
-            <a:r>
-              <a:rPr lang="en-US" altLang="ja-JP" sz="1400" b="1" i="0" dirty="0">
-                <a:solidFill>
-                  <a:schemeClr val="accent2">
-                    <a:lumMod val="40000"/>
-                    <a:lumOff val="60000"/>
-                  </a:schemeClr>
-                </a:solidFill>
-                <a:effectLst/>
-                <a:latin typeface="Meiryo UI" panose="020B0604030504040204" pitchFamily="50" charset="-128"/>
-                <a:ea typeface="Meiryo UI" panose="020B0604030504040204" pitchFamily="50" charset="-128"/>
-              </a:rPr>
-              <a:t>]</a:t>
-            </a:r>
-            <a:r>
-              <a:rPr lang="en-US" altLang="ja-JP" sz="1400" b="1" i="0" dirty="0">
-                <a:effectLst/>
-                <a:latin typeface="Meiryo UI" panose="020B0604030504040204" pitchFamily="50" charset="-128"/>
-                <a:ea typeface="Meiryo UI" panose="020B0604030504040204" pitchFamily="50" charset="-128"/>
-              </a:rPr>
-              <a:t>, </a:t>
-            </a:r>
-            <a:r>
-              <a:rPr lang="en-US" altLang="ja-JP" sz="1400" b="1" i="0" dirty="0">
-                <a:solidFill>
-                  <a:schemeClr val="accent3">
-                    <a:lumMod val="40000"/>
-                    <a:lumOff val="60000"/>
-                  </a:schemeClr>
-                </a:solidFill>
-                <a:effectLst/>
-                <a:latin typeface="Meiryo UI" panose="020B0604030504040204" pitchFamily="50" charset="-128"/>
-                <a:ea typeface="Meiryo UI" panose="020B0604030504040204" pitchFamily="50" charset="-128"/>
-              </a:rPr>
-              <a:t>[52</a:t>
-            </a:r>
-            <a:r>
-              <a:rPr lang="ja-JP" altLang="en-US" sz="1400" b="1" i="0" dirty="0">
-                <a:solidFill>
-                  <a:schemeClr val="accent3">
-                    <a:lumMod val="40000"/>
-                    <a:lumOff val="60000"/>
-                  </a:schemeClr>
-                </a:solidFill>
-                <a:effectLst/>
-                <a:latin typeface="Meiryo UI" panose="020B0604030504040204" pitchFamily="50" charset="-128"/>
-                <a:ea typeface="Meiryo UI" panose="020B0604030504040204" pitchFamily="50" charset="-128"/>
-              </a:rPr>
-              <a:t>・・・</a:t>
-            </a:r>
-            <a:r>
-              <a:rPr lang="en-US" altLang="ja-JP" sz="1400" b="1" i="0" dirty="0">
-                <a:solidFill>
-                  <a:schemeClr val="accent3">
-                    <a:lumMod val="40000"/>
-                    <a:lumOff val="60000"/>
-                  </a:schemeClr>
-                </a:solidFill>
-                <a:effectLst/>
-                <a:latin typeface="Meiryo UI" panose="020B0604030504040204" pitchFamily="50" charset="-128"/>
-                <a:ea typeface="Meiryo UI" panose="020B0604030504040204" pitchFamily="50" charset="-128"/>
-              </a:rPr>
-              <a:t>]</a:t>
-            </a:r>
-            <a:r>
-              <a:rPr lang="en-US" altLang="ja-JP" sz="1400" b="1" i="0" dirty="0">
-                <a:effectLst/>
-                <a:latin typeface="Meiryo UI" panose="020B0604030504040204" pitchFamily="50" charset="-128"/>
-                <a:ea typeface="Meiryo UI" panose="020B0604030504040204" pitchFamily="50" charset="-128"/>
-              </a:rPr>
-              <a:t>, </a:t>
-            </a:r>
-            <a:r>
-              <a:rPr lang="en-US" altLang="ja-JP" sz="1400" b="1" i="0" dirty="0">
-                <a:solidFill>
-                  <a:schemeClr val="accent5">
-                    <a:lumMod val="40000"/>
-                    <a:lumOff val="60000"/>
-                  </a:schemeClr>
-                </a:solidFill>
-                <a:effectLst/>
-                <a:latin typeface="Meiryo UI" panose="020B0604030504040204" pitchFamily="50" charset="-128"/>
-                <a:ea typeface="Meiryo UI" panose="020B0604030504040204" pitchFamily="50" charset="-128"/>
-              </a:rPr>
-              <a:t>[266</a:t>
-            </a:r>
-            <a:r>
-              <a:rPr lang="ja-JP" altLang="en-US" sz="1400" b="1" i="0" dirty="0">
-                <a:solidFill>
-                  <a:schemeClr val="accent5">
-                    <a:lumMod val="40000"/>
-                    <a:lumOff val="60000"/>
-                  </a:schemeClr>
-                </a:solidFill>
-                <a:effectLst/>
-                <a:latin typeface="Meiryo UI" panose="020B0604030504040204" pitchFamily="50" charset="-128"/>
-                <a:ea typeface="Meiryo UI" panose="020B0604030504040204" pitchFamily="50" charset="-128"/>
-              </a:rPr>
-              <a:t>・・・</a:t>
-            </a:r>
-            <a:r>
-              <a:rPr lang="en-US" altLang="ja-JP" sz="1400" b="1" i="0" dirty="0">
-                <a:solidFill>
-                  <a:schemeClr val="accent5">
-                    <a:lumMod val="40000"/>
-                    <a:lumOff val="60000"/>
-                  </a:schemeClr>
-                </a:solidFill>
-                <a:effectLst/>
-                <a:latin typeface="Meiryo UI" panose="020B0604030504040204" pitchFamily="50" charset="-128"/>
-                <a:ea typeface="Meiryo UI" panose="020B0604030504040204" pitchFamily="50" charset="-128"/>
-              </a:rPr>
-              <a:t>]</a:t>
-            </a:r>
-            <a:r>
-              <a:rPr lang="en-US" altLang="ja-JP" sz="1400" b="1" i="0" dirty="0">
-                <a:effectLst/>
-                <a:latin typeface="Meiryo UI" panose="020B0604030504040204" pitchFamily="50" charset="-128"/>
-                <a:ea typeface="Meiryo UI" panose="020B0604030504040204" pitchFamily="50" charset="-128"/>
-              </a:rPr>
-              <a:t>, </a:t>
-            </a:r>
-            <a:r>
-              <a:rPr lang="en-US" altLang="ja-JP" sz="1400" b="1" i="0" dirty="0">
-                <a:solidFill>
-                  <a:schemeClr val="bg1">
-                    <a:lumMod val="65000"/>
-                  </a:schemeClr>
-                </a:solidFill>
-                <a:effectLst/>
-                <a:latin typeface="Meiryo UI" panose="020B0604030504040204" pitchFamily="50" charset="-128"/>
-                <a:ea typeface="Meiryo UI" panose="020B0604030504040204" pitchFamily="50" charset="-128"/>
-              </a:rPr>
-              <a:t>[90</a:t>
-            </a:r>
-            <a:r>
-              <a:rPr lang="ja-JP" altLang="en-US" sz="1400" b="1" i="0" dirty="0">
-                <a:solidFill>
-                  <a:schemeClr val="bg1">
-                    <a:lumMod val="65000"/>
-                  </a:schemeClr>
-                </a:solidFill>
-                <a:effectLst/>
-                <a:latin typeface="Meiryo UI" panose="020B0604030504040204" pitchFamily="50" charset="-128"/>
-                <a:ea typeface="Meiryo UI" panose="020B0604030504040204" pitchFamily="50" charset="-128"/>
-              </a:rPr>
-              <a:t>・・・</a:t>
-            </a:r>
-            <a:r>
-              <a:rPr lang="en-US" altLang="ja-JP" sz="1400" b="1" i="0" dirty="0">
-                <a:solidFill>
-                  <a:schemeClr val="bg1">
-                    <a:lumMod val="65000"/>
-                  </a:schemeClr>
-                </a:solidFill>
-                <a:effectLst/>
-                <a:latin typeface="Meiryo UI" panose="020B0604030504040204" pitchFamily="50" charset="-128"/>
-                <a:ea typeface="Meiryo UI" panose="020B0604030504040204" pitchFamily="50" charset="-128"/>
-              </a:rPr>
-              <a:t>]</a:t>
-            </a:r>
-            <a:r>
-              <a:rPr lang="en-US" altLang="ja-JP" sz="1400" b="1" i="0" dirty="0">
-                <a:effectLst/>
-                <a:latin typeface="Meiryo UI" panose="020B0604030504040204" pitchFamily="50" charset="-128"/>
-                <a:ea typeface="Meiryo UI" panose="020B0604030504040204" pitchFamily="50" charset="-128"/>
-              </a:rPr>
-              <a:t>]</a:t>
-            </a:r>
-            <a:endParaRPr kumimoji="1" lang="ja-JP" altLang="en-US" sz="1400" b="1" dirty="0">
-              <a:latin typeface="Meiryo UI" panose="020B0604030504040204" pitchFamily="50" charset="-128"/>
-              <a:ea typeface="Meiryo UI" panose="020B0604030504040204" pitchFamily="50" charset="-128"/>
-            </a:endParaRPr>
-          </a:p>
-        </p:txBody>
-      </p:sp>
-      <p:sp>
-        <p:nvSpPr>
-          <p:cNvPr id="47" name="テキスト ボックス 46">
-            <a:extLst>
-              <a:ext uri="{FF2B5EF4-FFF2-40B4-BE49-F238E27FC236}">
-                <a16:creationId xmlns:a16="http://schemas.microsoft.com/office/drawing/2014/main" id="{AA3F14F7-07A9-07BD-F673-60D58439F3C9}"/>
-              </a:ext>
-            </a:extLst>
-          </p:cNvPr>
-          <p:cNvSpPr txBox="1"/>
-          <p:nvPr/>
-        </p:nvSpPr>
-        <p:spPr>
-          <a:xfrm>
-            <a:off x="3328381" y="4044104"/>
-            <a:ext cx="1895584" cy="307777"/>
-          </a:xfrm>
-          <a:prstGeom prst="rect">
-            <a:avLst/>
-          </a:prstGeom>
-          <a:solidFill>
-            <a:schemeClr val="accent5">
-              <a:lumMod val="40000"/>
-              <a:lumOff val="60000"/>
-            </a:schemeClr>
-          </a:solidFill>
-          <a:ln>
-            <a:solidFill>
-              <a:schemeClr val="tx1"/>
-            </a:solidFill>
-          </a:ln>
-        </p:spPr>
-        <p:txBody>
-          <a:bodyPr wrap="none" rtlCol="0">
-            <a:spAutoFit/>
-          </a:bodyPr>
-          <a:lstStyle/>
-          <a:p>
-            <a:r>
-              <a:rPr kumimoji="1" lang="en-US" altLang="ja-JP" sz="1400" b="1" dirty="0">
-                <a:latin typeface="Meiryo UI" panose="020B0604030504040204" pitchFamily="50" charset="-128"/>
-                <a:ea typeface="Meiryo UI" panose="020B0604030504040204" pitchFamily="50" charset="-128"/>
-              </a:rPr>
-              <a:t>GPT</a:t>
-            </a:r>
-            <a:r>
-              <a:rPr kumimoji="1" lang="ja-JP" altLang="en-US" sz="1400" b="1" dirty="0">
-                <a:latin typeface="Meiryo UI" panose="020B0604030504040204" pitchFamily="50" charset="-128"/>
-                <a:ea typeface="Meiryo UI" panose="020B0604030504040204" pitchFamily="50" charset="-128"/>
-              </a:rPr>
-              <a:t>モデル</a:t>
-            </a:r>
-            <a:r>
-              <a:rPr kumimoji="1" lang="en-US" altLang="ja-JP" sz="1400" b="1" dirty="0">
-                <a:latin typeface="Meiryo UI" panose="020B0604030504040204" pitchFamily="50" charset="-128"/>
-                <a:ea typeface="Meiryo UI" panose="020B0604030504040204" pitchFamily="50" charset="-128"/>
-              </a:rPr>
-              <a:t>/BERT</a:t>
-            </a:r>
-            <a:r>
-              <a:rPr kumimoji="1" lang="ja-JP" altLang="en-US" sz="1400" b="1" dirty="0">
-                <a:latin typeface="Meiryo UI" panose="020B0604030504040204" pitchFamily="50" charset="-128"/>
-                <a:ea typeface="Meiryo UI" panose="020B0604030504040204" pitchFamily="50" charset="-128"/>
-              </a:rPr>
-              <a:t>など</a:t>
-            </a:r>
-          </a:p>
-        </p:txBody>
-      </p:sp>
-      <p:cxnSp>
-        <p:nvCxnSpPr>
-          <p:cNvPr id="51" name="コネクタ: カギ線 50">
-            <a:extLst>
-              <a:ext uri="{FF2B5EF4-FFF2-40B4-BE49-F238E27FC236}">
-                <a16:creationId xmlns:a16="http://schemas.microsoft.com/office/drawing/2014/main" id="{AA4A1878-F838-DFD2-5296-C5F030C94F75}"/>
-              </a:ext>
-            </a:extLst>
-          </p:cNvPr>
-          <p:cNvCxnSpPr>
-            <a:cxnSpLocks/>
-            <a:stCxn id="47" idx="3"/>
-            <a:endCxn id="42" idx="1"/>
-          </p:cNvCxnSpPr>
-          <p:nvPr/>
-        </p:nvCxnSpPr>
-        <p:spPr>
-          <a:xfrm flipH="1">
-            <a:off x="4030338" y="4197993"/>
-            <a:ext cx="1193627" cy="766565"/>
-          </a:xfrm>
-          <a:prstGeom prst="bentConnector5">
-            <a:avLst>
-              <a:gd name="adj1" fmla="val -19152"/>
-              <a:gd name="adj2" fmla="val 35947"/>
-              <a:gd name="adj3" fmla="val 119152"/>
-            </a:avLst>
-          </a:prstGeom>
-          <a:ln>
-            <a:tailEnd type="triangle"/>
-          </a:ln>
-        </p:spPr>
-        <p:style>
-          <a:lnRef idx="2">
-            <a:schemeClr val="accent1"/>
-          </a:lnRef>
-          <a:fillRef idx="0">
-            <a:schemeClr val="accent1"/>
-          </a:fillRef>
-          <a:effectRef idx="1">
-            <a:schemeClr val="accent1"/>
-          </a:effectRef>
-          <a:fontRef idx="minor">
-            <a:schemeClr val="tx1"/>
-          </a:fontRef>
-        </p:style>
-      </p:cxnSp>
-      <p:sp>
-        <p:nvSpPr>
-          <p:cNvPr id="54" name="テキスト ボックス 53">
-            <a:extLst>
-              <a:ext uri="{FF2B5EF4-FFF2-40B4-BE49-F238E27FC236}">
-                <a16:creationId xmlns:a16="http://schemas.microsoft.com/office/drawing/2014/main" id="{C367315D-A920-0488-EA53-34773FD64711}"/>
-              </a:ext>
-            </a:extLst>
-          </p:cNvPr>
-          <p:cNvSpPr txBox="1"/>
-          <p:nvPr/>
-        </p:nvSpPr>
-        <p:spPr>
-          <a:xfrm>
-            <a:off x="3187186" y="5855654"/>
-            <a:ext cx="4259499" cy="307777"/>
-          </a:xfrm>
-          <a:prstGeom prst="rect">
-            <a:avLst/>
-          </a:prstGeom>
-          <a:noFill/>
-        </p:spPr>
-        <p:txBody>
-          <a:bodyPr wrap="none" rtlCol="0">
-            <a:spAutoFit/>
-          </a:bodyPr>
-          <a:lstStyle/>
-          <a:p>
-            <a:r>
-              <a:rPr lang="en-US" altLang="ja-JP" sz="1400" b="1" i="0" dirty="0">
-                <a:effectLst/>
-                <a:latin typeface="Meiryo UI" panose="020B0604030504040204" pitchFamily="50" charset="-128"/>
-                <a:ea typeface="Meiryo UI" panose="020B0604030504040204" pitchFamily="50" charset="-128"/>
-              </a:rPr>
-              <a:t>[</a:t>
-            </a:r>
-            <a:r>
-              <a:rPr lang="en-US" altLang="ja-JP" sz="1400" b="1" i="0" dirty="0">
-                <a:solidFill>
-                  <a:schemeClr val="bg1">
-                    <a:lumMod val="65000"/>
-                  </a:schemeClr>
-                </a:solidFill>
-                <a:effectLst/>
-                <a:latin typeface="Meiryo UI" panose="020B0604030504040204" pitchFamily="50" charset="-128"/>
-                <a:ea typeface="Meiryo UI" panose="020B0604030504040204" pitchFamily="50" charset="-128"/>
-              </a:rPr>
-              <a:t>101</a:t>
-            </a:r>
-            <a:r>
-              <a:rPr lang="en-US" altLang="ja-JP" sz="1400" b="1" i="0" dirty="0">
-                <a:effectLst/>
-                <a:latin typeface="Meiryo UI" panose="020B0604030504040204" pitchFamily="50" charset="-128"/>
-                <a:ea typeface="Meiryo UI" panose="020B0604030504040204" pitchFamily="50" charset="-128"/>
-              </a:rPr>
-              <a:t>, </a:t>
-            </a:r>
-            <a:r>
-              <a:rPr lang="en-US" altLang="ja-JP" sz="1400" b="1" i="0" dirty="0">
-                <a:solidFill>
-                  <a:schemeClr val="tx1">
-                    <a:lumMod val="50000"/>
-                    <a:lumOff val="50000"/>
-                  </a:schemeClr>
-                </a:solidFill>
-                <a:effectLst/>
-                <a:latin typeface="Meiryo UI" panose="020B0604030504040204" pitchFamily="50" charset="-128"/>
-                <a:ea typeface="Meiryo UI" panose="020B0604030504040204" pitchFamily="50" charset="-128"/>
-              </a:rPr>
-              <a:t>3086</a:t>
-            </a:r>
-            <a:r>
-              <a:rPr lang="en-US" altLang="ja-JP" sz="1400" b="1" i="0" dirty="0">
-                <a:effectLst/>
-                <a:latin typeface="Meiryo UI" panose="020B0604030504040204" pitchFamily="50" charset="-128"/>
-                <a:ea typeface="Meiryo UI" panose="020B0604030504040204" pitchFamily="50" charset="-128"/>
-              </a:rPr>
-              <a:t>, </a:t>
-            </a:r>
-            <a:r>
-              <a:rPr lang="en-US" altLang="ja-JP" sz="1400" b="1" i="0" dirty="0">
-                <a:solidFill>
-                  <a:schemeClr val="tx2">
-                    <a:lumMod val="40000"/>
-                    <a:lumOff val="60000"/>
-                  </a:schemeClr>
-                </a:solidFill>
-                <a:effectLst/>
-                <a:latin typeface="Meiryo UI" panose="020B0604030504040204" pitchFamily="50" charset="-128"/>
-                <a:ea typeface="Meiryo UI" panose="020B0604030504040204" pitchFamily="50" charset="-128"/>
-              </a:rPr>
-              <a:t>2003</a:t>
-            </a:r>
-            <a:r>
-              <a:rPr lang="en-US" altLang="ja-JP" sz="1400" b="1" i="0" dirty="0">
-                <a:effectLst/>
-                <a:latin typeface="Meiryo UI" panose="020B0604030504040204" pitchFamily="50" charset="-128"/>
-                <a:ea typeface="Meiryo UI" panose="020B0604030504040204" pitchFamily="50" charset="-128"/>
-              </a:rPr>
-              <a:t>, </a:t>
-            </a:r>
-            <a:r>
-              <a:rPr lang="en-US" altLang="ja-JP" sz="1400" b="1" i="0" dirty="0">
-                <a:solidFill>
-                  <a:schemeClr val="accent5">
-                    <a:lumMod val="60000"/>
-                    <a:lumOff val="40000"/>
-                  </a:schemeClr>
-                </a:solidFill>
-                <a:effectLst/>
-                <a:latin typeface="Meiryo UI" panose="020B0604030504040204" pitchFamily="50" charset="-128"/>
-                <a:ea typeface="Meiryo UI" panose="020B0604030504040204" pitchFamily="50" charset="-128"/>
-              </a:rPr>
-              <a:t>2035</a:t>
-            </a:r>
-            <a:r>
-              <a:rPr lang="en-US" altLang="ja-JP" sz="1400" b="1" i="0" dirty="0">
-                <a:effectLst/>
-                <a:latin typeface="Meiryo UI" panose="020B0604030504040204" pitchFamily="50" charset="-128"/>
-                <a:ea typeface="Meiryo UI" panose="020B0604030504040204" pitchFamily="50" charset="-128"/>
-              </a:rPr>
-              <a:t>, </a:t>
-            </a:r>
-            <a:r>
-              <a:rPr lang="en-US" altLang="ja-JP" sz="1400" b="1" i="0" dirty="0">
-                <a:solidFill>
-                  <a:schemeClr val="accent3">
-                    <a:lumMod val="40000"/>
-                    <a:lumOff val="60000"/>
-                  </a:schemeClr>
-                </a:solidFill>
-                <a:effectLst/>
-                <a:latin typeface="Meiryo UI" panose="020B0604030504040204" pitchFamily="50" charset="-128"/>
-                <a:ea typeface="Meiryo UI" panose="020B0604030504040204" pitchFamily="50" charset="-128"/>
-              </a:rPr>
-              <a:t>2017</a:t>
-            </a:r>
-            <a:r>
-              <a:rPr lang="en-US" altLang="ja-JP" sz="1400" b="1" i="0" dirty="0">
-                <a:effectLst/>
-                <a:latin typeface="Meiryo UI" panose="020B0604030504040204" pitchFamily="50" charset="-128"/>
-                <a:ea typeface="Meiryo UI" panose="020B0604030504040204" pitchFamily="50" charset="-128"/>
-              </a:rPr>
-              <a:t>, </a:t>
-            </a:r>
-            <a:r>
-              <a:rPr lang="en-US" altLang="ja-JP" sz="1400" b="1" i="0" dirty="0">
-                <a:solidFill>
-                  <a:schemeClr val="accent5">
-                    <a:lumMod val="40000"/>
-                    <a:lumOff val="60000"/>
-                  </a:schemeClr>
-                </a:solidFill>
-                <a:effectLst/>
-                <a:latin typeface="Meiryo UI" panose="020B0604030504040204" pitchFamily="50" charset="-128"/>
-                <a:ea typeface="Meiryo UI" panose="020B0604030504040204" pitchFamily="50" charset="-128"/>
-              </a:rPr>
-              <a:t>2342</a:t>
-            </a:r>
-            <a:r>
-              <a:rPr lang="en-US" altLang="ja-JP" sz="1400" b="1" i="0" dirty="0">
-                <a:effectLst/>
-                <a:latin typeface="Meiryo UI" panose="020B0604030504040204" pitchFamily="50" charset="-128"/>
-                <a:ea typeface="Meiryo UI" panose="020B0604030504040204" pitchFamily="50" charset="-128"/>
-              </a:rPr>
-              <a:t>, </a:t>
-            </a:r>
-            <a:r>
-              <a:rPr lang="en-US" altLang="ja-JP" sz="1400" b="1" i="0" dirty="0">
-                <a:solidFill>
-                  <a:schemeClr val="bg1">
-                    <a:lumMod val="65000"/>
-                  </a:schemeClr>
-                </a:solidFill>
-                <a:effectLst/>
-                <a:latin typeface="Meiryo UI" panose="020B0604030504040204" pitchFamily="50" charset="-128"/>
-                <a:ea typeface="Meiryo UI" panose="020B0604030504040204" pitchFamily="50" charset="-128"/>
-              </a:rPr>
-              <a:t>102</a:t>
-            </a:r>
-            <a:r>
-              <a:rPr lang="en-US" altLang="ja-JP" sz="1400" b="1" i="0" dirty="0">
-                <a:effectLst/>
-                <a:latin typeface="Meiryo UI" panose="020B0604030504040204" pitchFamily="50" charset="-128"/>
-                <a:ea typeface="Meiryo UI" panose="020B0604030504040204" pitchFamily="50" charset="-128"/>
-              </a:rPr>
-              <a:t>]</a:t>
-            </a:r>
-            <a:endParaRPr kumimoji="1" lang="ja-JP" altLang="en-US" sz="1400" b="1" dirty="0">
-              <a:latin typeface="Meiryo UI" panose="020B0604030504040204" pitchFamily="50" charset="-128"/>
-              <a:ea typeface="Meiryo UI" panose="020B0604030504040204" pitchFamily="50" charset="-128"/>
-            </a:endParaRPr>
-          </a:p>
-        </p:txBody>
-      </p:sp>
-      <p:sp>
-        <p:nvSpPr>
-          <p:cNvPr id="58" name="テキスト ボックス 57">
-            <a:extLst>
-              <a:ext uri="{FF2B5EF4-FFF2-40B4-BE49-F238E27FC236}">
-                <a16:creationId xmlns:a16="http://schemas.microsoft.com/office/drawing/2014/main" id="{A959F0CD-48B9-5D04-9C10-E71FF975DB01}"/>
-              </a:ext>
-            </a:extLst>
-          </p:cNvPr>
-          <p:cNvSpPr txBox="1"/>
-          <p:nvPr/>
-        </p:nvSpPr>
-        <p:spPr>
-          <a:xfrm>
-            <a:off x="7419324" y="6374414"/>
-            <a:ext cx="2053767" cy="307777"/>
-          </a:xfrm>
-          <a:prstGeom prst="rect">
-            <a:avLst/>
-          </a:prstGeom>
-          <a:noFill/>
-        </p:spPr>
-        <p:txBody>
-          <a:bodyPr wrap="none" rtlCol="0">
-            <a:spAutoFit/>
-          </a:bodyPr>
-          <a:lstStyle/>
-          <a:p>
-            <a:r>
-              <a:rPr kumimoji="1" lang="ja-JP" altLang="en-US" sz="1400" b="1" dirty="0">
-                <a:latin typeface="Meiryo UI" panose="020B0604030504040204" pitchFamily="50" charset="-128"/>
-                <a:ea typeface="Meiryo UI" panose="020B0604030504040204" pitchFamily="50" charset="-128"/>
-              </a:rPr>
-              <a:t>必要なのは教科書だけ！</a:t>
-            </a:r>
-          </a:p>
-        </p:txBody>
-      </p:sp>
-      <p:cxnSp>
-        <p:nvCxnSpPr>
-          <p:cNvPr id="59" name="コネクタ: カギ線 58">
-            <a:extLst>
-              <a:ext uri="{FF2B5EF4-FFF2-40B4-BE49-F238E27FC236}">
-                <a16:creationId xmlns:a16="http://schemas.microsoft.com/office/drawing/2014/main" id="{1E339F7D-1C79-C6E8-D4C2-2F06DFF66F9E}"/>
-              </a:ext>
-            </a:extLst>
-          </p:cNvPr>
-          <p:cNvCxnSpPr>
-            <a:cxnSpLocks/>
-            <a:stCxn id="54" idx="3"/>
-            <a:endCxn id="58" idx="1"/>
-          </p:cNvCxnSpPr>
-          <p:nvPr/>
-        </p:nvCxnSpPr>
-        <p:spPr>
-          <a:xfrm flipH="1">
-            <a:off x="7419324" y="6009543"/>
-            <a:ext cx="27361" cy="518760"/>
-          </a:xfrm>
-          <a:prstGeom prst="bentConnector5">
-            <a:avLst>
-              <a:gd name="adj1" fmla="val -835496"/>
-              <a:gd name="adj2" fmla="val 50000"/>
-              <a:gd name="adj3" fmla="val 935496"/>
-            </a:avLst>
-          </a:prstGeom>
-          <a:ln>
-            <a:tailEnd type="triangle"/>
-          </a:ln>
-        </p:spPr>
-        <p:style>
-          <a:lnRef idx="2">
-            <a:schemeClr val="accent1"/>
-          </a:lnRef>
-          <a:fillRef idx="0">
-            <a:schemeClr val="accent1"/>
-          </a:fillRef>
-          <a:effectRef idx="1">
-            <a:schemeClr val="accent1"/>
-          </a:effectRef>
-          <a:fontRef idx="minor">
-            <a:schemeClr val="tx1"/>
-          </a:fontRef>
-        </p:style>
-      </p:cxnSp>
-      <p:sp>
-        <p:nvSpPr>
-          <p:cNvPr id="63" name="テキスト ボックス 62">
-            <a:extLst>
-              <a:ext uri="{FF2B5EF4-FFF2-40B4-BE49-F238E27FC236}">
-                <a16:creationId xmlns:a16="http://schemas.microsoft.com/office/drawing/2014/main" id="{FB7B9C01-963C-AC07-2617-F4BC3AB8BD15}"/>
-              </a:ext>
-            </a:extLst>
-          </p:cNvPr>
-          <p:cNvSpPr txBox="1"/>
-          <p:nvPr/>
-        </p:nvSpPr>
-        <p:spPr>
-          <a:xfrm>
-            <a:off x="1907887" y="5785056"/>
-            <a:ext cx="776175" cy="307777"/>
-          </a:xfrm>
-          <a:prstGeom prst="rect">
-            <a:avLst/>
-          </a:prstGeom>
-          <a:noFill/>
-        </p:spPr>
-        <p:txBody>
-          <a:bodyPr wrap="none" rtlCol="0">
-            <a:spAutoFit/>
-          </a:bodyPr>
-          <a:lstStyle/>
-          <a:p>
-            <a:r>
-              <a:rPr kumimoji="1" lang="en-US" altLang="ja-JP" sz="1400" b="1" dirty="0">
-                <a:latin typeface="Meiryo UI" panose="020B0604030504040204" pitchFamily="50" charset="-128"/>
-                <a:ea typeface="Meiryo UI" panose="020B0604030504040204" pitchFamily="50" charset="-128"/>
-              </a:rPr>
-              <a:t>ID</a:t>
-            </a:r>
-            <a:r>
-              <a:rPr kumimoji="1" lang="ja-JP" altLang="en-US" sz="1400" b="1" dirty="0">
-                <a:latin typeface="Meiryo UI" panose="020B0604030504040204" pitchFamily="50" charset="-128"/>
-                <a:ea typeface="Meiryo UI" panose="020B0604030504040204" pitchFamily="50" charset="-128"/>
-              </a:rPr>
-              <a:t>出力</a:t>
-            </a:r>
-          </a:p>
-        </p:txBody>
-      </p:sp>
-      <p:sp>
-        <p:nvSpPr>
-          <p:cNvPr id="5" name="テキスト ボックス 4">
-            <a:extLst>
-              <a:ext uri="{FF2B5EF4-FFF2-40B4-BE49-F238E27FC236}">
-                <a16:creationId xmlns:a16="http://schemas.microsoft.com/office/drawing/2014/main" id="{3BD8C820-528E-2206-0BBD-65D6F115F859}"/>
-              </a:ext>
-            </a:extLst>
-          </p:cNvPr>
-          <p:cNvSpPr txBox="1"/>
-          <p:nvPr/>
-        </p:nvSpPr>
-        <p:spPr>
-          <a:xfrm>
-            <a:off x="868792" y="4527926"/>
-            <a:ext cx="771365" cy="307777"/>
-          </a:xfrm>
-          <a:prstGeom prst="rect">
-            <a:avLst/>
-          </a:prstGeom>
-          <a:noFill/>
-        </p:spPr>
-        <p:txBody>
-          <a:bodyPr wrap="none" rtlCol="0">
-            <a:spAutoFit/>
-          </a:bodyPr>
-          <a:lstStyle/>
-          <a:p>
-            <a:r>
-              <a:rPr kumimoji="1" lang="en-US" altLang="ja-JP" sz="1400" b="1" u="sng" dirty="0">
-                <a:solidFill>
-                  <a:schemeClr val="accent2">
-                    <a:lumMod val="75000"/>
-                  </a:schemeClr>
-                </a:solidFill>
-                <a:latin typeface="Meiryo UI" panose="020B0604030504040204" pitchFamily="50" charset="-128"/>
-                <a:ea typeface="Meiryo UI" panose="020B0604030504040204" pitchFamily="50" charset="-128"/>
-              </a:rPr>
-              <a:t>model</a:t>
-            </a:r>
-            <a:endParaRPr kumimoji="1" lang="ja-JP" altLang="en-US" sz="1400" b="1" u="sng" dirty="0">
-              <a:solidFill>
-                <a:schemeClr val="accent2">
-                  <a:lumMod val="75000"/>
-                </a:schemeClr>
-              </a:solidFill>
-              <a:latin typeface="Meiryo UI" panose="020B0604030504040204" pitchFamily="50" charset="-128"/>
-              <a:ea typeface="Meiryo UI" panose="020B0604030504040204" pitchFamily="50" charset="-128"/>
-            </a:endParaRPr>
-          </a:p>
-        </p:txBody>
-      </p:sp>
-      <p:sp>
-        <p:nvSpPr>
-          <p:cNvPr id="6" name="テキスト ボックス 5">
-            <a:extLst>
-              <a:ext uri="{FF2B5EF4-FFF2-40B4-BE49-F238E27FC236}">
-                <a16:creationId xmlns:a16="http://schemas.microsoft.com/office/drawing/2014/main" id="{4C783A11-CEE1-723E-B1FB-381B1FEF203F}"/>
-              </a:ext>
-            </a:extLst>
-          </p:cNvPr>
-          <p:cNvSpPr txBox="1"/>
-          <p:nvPr/>
-        </p:nvSpPr>
-        <p:spPr>
-          <a:xfrm>
-            <a:off x="868792" y="2070493"/>
-            <a:ext cx="1071127" cy="307777"/>
-          </a:xfrm>
-          <a:prstGeom prst="rect">
-            <a:avLst/>
-          </a:prstGeom>
-          <a:noFill/>
-        </p:spPr>
-        <p:txBody>
-          <a:bodyPr wrap="none" rtlCol="0">
-            <a:spAutoFit/>
-          </a:bodyPr>
-          <a:lstStyle/>
-          <a:p>
-            <a:r>
-              <a:rPr kumimoji="1" lang="en-US" altLang="ja-JP" sz="1400" b="1" u="sng" dirty="0">
-                <a:solidFill>
-                  <a:schemeClr val="accent2">
-                    <a:lumMod val="75000"/>
-                  </a:schemeClr>
-                </a:solidFill>
-                <a:latin typeface="Meiryo UI" panose="020B0604030504040204" pitchFamily="50" charset="-128"/>
-                <a:ea typeface="Meiryo UI" panose="020B0604030504040204" pitchFamily="50" charset="-128"/>
-              </a:rPr>
-              <a:t>tokenizer</a:t>
-            </a:r>
-            <a:endParaRPr kumimoji="1" lang="ja-JP" altLang="en-US" sz="1400" b="1" u="sng" dirty="0">
-              <a:solidFill>
-                <a:schemeClr val="accent2">
-                  <a:lumMod val="75000"/>
-                </a:schemeClr>
-              </a:solidFill>
-              <a:latin typeface="Meiryo UI" panose="020B0604030504040204" pitchFamily="50" charset="-128"/>
-              <a:ea typeface="Meiryo UI" panose="020B0604030504040204" pitchFamily="50" charset="-128"/>
-            </a:endParaRPr>
-          </a:p>
-        </p:txBody>
-      </p:sp>
-      <p:sp>
-        <p:nvSpPr>
-          <p:cNvPr id="19" name="テキスト ボックス 18">
-            <a:extLst>
-              <a:ext uri="{FF2B5EF4-FFF2-40B4-BE49-F238E27FC236}">
-                <a16:creationId xmlns:a16="http://schemas.microsoft.com/office/drawing/2014/main" id="{FFDC8453-C433-065E-94A0-DEECDBBCF5D0}"/>
-              </a:ext>
-            </a:extLst>
-          </p:cNvPr>
-          <p:cNvSpPr txBox="1"/>
-          <p:nvPr/>
-        </p:nvSpPr>
-        <p:spPr>
-          <a:xfrm>
-            <a:off x="868792" y="6252610"/>
-            <a:ext cx="1071127" cy="307777"/>
-          </a:xfrm>
-          <a:prstGeom prst="rect">
-            <a:avLst/>
-          </a:prstGeom>
-          <a:noFill/>
-        </p:spPr>
-        <p:txBody>
-          <a:bodyPr wrap="none" rtlCol="0">
-            <a:spAutoFit/>
-          </a:bodyPr>
-          <a:lstStyle/>
-          <a:p>
-            <a:r>
-              <a:rPr kumimoji="1" lang="en-US" altLang="ja-JP" sz="1400" b="1" u="sng" dirty="0">
-                <a:solidFill>
-                  <a:schemeClr val="accent2">
-                    <a:lumMod val="75000"/>
-                  </a:schemeClr>
-                </a:solidFill>
-                <a:latin typeface="Meiryo UI" panose="020B0604030504040204" pitchFamily="50" charset="-128"/>
-                <a:ea typeface="Meiryo UI" panose="020B0604030504040204" pitchFamily="50" charset="-128"/>
-              </a:rPr>
-              <a:t>tokenizer</a:t>
-            </a:r>
-            <a:endParaRPr kumimoji="1" lang="ja-JP" altLang="en-US" sz="1400" b="1" u="sng" dirty="0">
-              <a:solidFill>
-                <a:schemeClr val="accent2">
-                  <a:lumMod val="75000"/>
-                </a:schemeClr>
-              </a:solidFill>
-              <a:latin typeface="Meiryo UI" panose="020B0604030504040204" pitchFamily="50" charset="-128"/>
-              <a:ea typeface="Meiryo UI" panose="020B0604030504040204" pitchFamily="50" charset="-128"/>
-            </a:endParaRPr>
-          </a:p>
-        </p:txBody>
-      </p:sp>
-      <p:sp>
-        <p:nvSpPr>
-          <p:cNvPr id="27" name="矢印: 下 26">
-            <a:extLst>
-              <a:ext uri="{FF2B5EF4-FFF2-40B4-BE49-F238E27FC236}">
-                <a16:creationId xmlns:a16="http://schemas.microsoft.com/office/drawing/2014/main" id="{EF7F6008-CA50-4ED9-5D5B-B6F77B33B1F6}"/>
-              </a:ext>
-            </a:extLst>
-          </p:cNvPr>
-          <p:cNvSpPr/>
-          <p:nvPr/>
-        </p:nvSpPr>
-        <p:spPr>
-          <a:xfrm>
-            <a:off x="5248596" y="2488911"/>
-            <a:ext cx="1374011" cy="356637"/>
-          </a:xfrm>
-          <a:prstGeom prst="downArrow">
-            <a:avLst/>
-          </a:prstGeom>
-        </p:spPr>
-        <p:style>
-          <a:lnRef idx="2">
-            <a:schemeClr val="accent1">
-              <a:shade val="50000"/>
-            </a:schemeClr>
-          </a:lnRef>
-          <a:fillRef idx="1">
-            <a:schemeClr val="accent1"/>
-          </a:fillRef>
-          <a:effectRef idx="0">
-            <a:schemeClr val="accent1"/>
-          </a:effectRef>
-          <a:fontRef idx="minor">
-            <a:schemeClr val="lt1"/>
-          </a:fontRef>
-        </p:style>
-        <p:txBody>
-          <a:bodyPr rtlCol="0" anchor="ctr"/>
-          <a:lstStyle/>
-          <a:p>
-            <a:pPr algn="ctr"/>
-            <a:endParaRPr kumimoji="1" lang="ja-JP" altLang="en-US"/>
-          </a:p>
-        </p:txBody>
-      </p:sp>
-      <p:sp>
-        <p:nvSpPr>
-          <p:cNvPr id="28" name="矢印: 下 27">
-            <a:extLst>
-              <a:ext uri="{FF2B5EF4-FFF2-40B4-BE49-F238E27FC236}">
-                <a16:creationId xmlns:a16="http://schemas.microsoft.com/office/drawing/2014/main" id="{297AC61B-288B-5F54-7AF0-6E593BB64FBD}"/>
-              </a:ext>
-            </a:extLst>
-          </p:cNvPr>
-          <p:cNvSpPr/>
-          <p:nvPr/>
-        </p:nvSpPr>
-        <p:spPr>
-          <a:xfrm>
-            <a:off x="5248596" y="5428419"/>
-            <a:ext cx="1374011" cy="356637"/>
-          </a:xfrm>
-          <a:prstGeom prst="downArrow">
-            <a:avLst/>
-          </a:prstGeom>
-        </p:spPr>
-        <p:style>
-          <a:lnRef idx="2">
-            <a:schemeClr val="accent1">
-              <a:shade val="50000"/>
-            </a:schemeClr>
-          </a:lnRef>
-          <a:fillRef idx="1">
-            <a:schemeClr val="accent1"/>
-          </a:fillRef>
-          <a:effectRef idx="0">
-            <a:schemeClr val="accent1"/>
-          </a:effectRef>
-          <a:fontRef idx="minor">
-            <a:schemeClr val="lt1"/>
-          </a:fontRef>
-        </p:style>
-        <p:txBody>
-          <a:bodyPr rtlCol="0" anchor="ctr"/>
-          <a:lstStyle/>
-          <a:p>
-            <a:pPr algn="ctr"/>
-            <a:endParaRPr kumimoji="1" lang="ja-JP" altLang="en-US"/>
-          </a:p>
-        </p:txBody>
-      </p:sp>
-    </p:spTree>
-    <p:extLst>
-      <p:ext uri="{BB962C8B-B14F-4D97-AF65-F5344CB8AC3E}">
-        <p14:creationId xmlns:p14="http://schemas.microsoft.com/office/powerpoint/2010/main" val="1169760922"/>
       </p:ext>
     </p:extLst>
   </p:cSld>

--- a/huggingface 勉強会資料.pptx
+++ b/huggingface 勉強会資料.pptx
@@ -221,7 +221,7 @@
           <a:p>
             <a:fld id="{0F6FE6BF-8118-024B-9766-ED4AD7D6B4B0}" type="datetimeFigureOut">
               <a:rPr kumimoji="1" lang="ja-JP" altLang="en-US" smtClean="0"/>
-              <a:t>2024/7/17</a:t>
+              <a:t>2024/7/19</a:t>
             </a:fld>
             <a:endParaRPr kumimoji="1" lang="ja-JP" altLang="en-US"/>
           </a:p>
@@ -849,7 +849,7 @@
           <a:p>
             <a:fld id="{B8C65C57-92FB-BC43-A324-D710D72DFC87}" type="datetimeFigureOut">
               <a:rPr kumimoji="1" lang="ja-JP" altLang="en-US" smtClean="0"/>
-              <a:t>2024/7/17</a:t>
+              <a:t>2024/7/19</a:t>
             </a:fld>
             <a:endParaRPr kumimoji="1" lang="ja-JP" altLang="en-US"/>
           </a:p>
@@ -1119,7 +1119,7 @@
           <a:p>
             <a:fld id="{B8C65C57-92FB-BC43-A324-D710D72DFC87}" type="datetimeFigureOut">
               <a:rPr kumimoji="1" lang="ja-JP" altLang="en-US" smtClean="0"/>
-              <a:t>2024/7/17</a:t>
+              <a:t>2024/7/19</a:t>
             </a:fld>
             <a:endParaRPr kumimoji="1" lang="ja-JP" altLang="en-US"/>
           </a:p>
@@ -1389,7 +1389,7 @@
           <a:p>
             <a:fld id="{B8C65C57-92FB-BC43-A324-D710D72DFC87}" type="datetimeFigureOut">
               <a:rPr kumimoji="1" lang="ja-JP" altLang="en-US" smtClean="0"/>
-              <a:t>2024/7/17</a:t>
+              <a:t>2024/7/19</a:t>
             </a:fld>
             <a:endParaRPr kumimoji="1" lang="ja-JP" altLang="en-US"/>
           </a:p>
@@ -1625,7 +1625,7 @@
           <a:p>
             <a:fld id="{38CF457C-A655-4B46-9667-899D8A188CFD}" type="datetimeFigureOut">
               <a:rPr kumimoji="1" lang="ja-JP" altLang="en-US" smtClean="0"/>
-              <a:t>2024/7/17</a:t>
+              <a:t>2024/7/19</a:t>
             </a:fld>
             <a:endParaRPr kumimoji="1" lang="ja-JP" altLang="en-US"/>
           </a:p>
@@ -1855,7 +1855,7 @@
           <a:p>
             <a:fld id="{38CF457C-A655-4B46-9667-899D8A188CFD}" type="datetimeFigureOut">
               <a:rPr kumimoji="1" lang="ja-JP" altLang="en-US" smtClean="0"/>
-              <a:t>2024/7/17</a:t>
+              <a:t>2024/7/19</a:t>
             </a:fld>
             <a:endParaRPr kumimoji="1" lang="ja-JP" altLang="en-US"/>
           </a:p>
@@ -2130,7 +2130,7 @@
           <a:p>
             <a:fld id="{38CF457C-A655-4B46-9667-899D8A188CFD}" type="datetimeFigureOut">
               <a:rPr kumimoji="1" lang="ja-JP" altLang="en-US" smtClean="0"/>
-              <a:t>2024/7/17</a:t>
+              <a:t>2024/7/19</a:t>
             </a:fld>
             <a:endParaRPr kumimoji="1" lang="ja-JP" altLang="en-US"/>
           </a:p>
@@ -2459,7 +2459,7 @@
           <a:p>
             <a:fld id="{38CF457C-A655-4B46-9667-899D8A188CFD}" type="datetimeFigureOut">
               <a:rPr kumimoji="1" lang="ja-JP" altLang="en-US" smtClean="0"/>
-              <a:t>2024/7/17</a:t>
+              <a:t>2024/7/19</a:t>
             </a:fld>
             <a:endParaRPr kumimoji="1" lang="ja-JP" altLang="en-US"/>
           </a:p>
@@ -2935,7 +2935,7 @@
           <a:p>
             <a:fld id="{38CF457C-A655-4B46-9667-899D8A188CFD}" type="datetimeFigureOut">
               <a:rPr kumimoji="1" lang="ja-JP" altLang="en-US" smtClean="0"/>
-              <a:t>2024/7/17</a:t>
+              <a:t>2024/7/19</a:t>
             </a:fld>
             <a:endParaRPr kumimoji="1" lang="ja-JP" altLang="en-US"/>
           </a:p>
@@ -3076,7 +3076,7 @@
           <a:p>
             <a:fld id="{38CF457C-A655-4B46-9667-899D8A188CFD}" type="datetimeFigureOut">
               <a:rPr kumimoji="1" lang="ja-JP" altLang="en-US" smtClean="0"/>
-              <a:t>2024/7/17</a:t>
+              <a:t>2024/7/19</a:t>
             </a:fld>
             <a:endParaRPr kumimoji="1" lang="ja-JP" altLang="en-US"/>
           </a:p>
@@ -3189,7 +3189,7 @@
           <a:p>
             <a:fld id="{38CF457C-A655-4B46-9667-899D8A188CFD}" type="datetimeFigureOut">
               <a:rPr kumimoji="1" lang="ja-JP" altLang="en-US" smtClean="0"/>
-              <a:t>2024/7/17</a:t>
+              <a:t>2024/7/19</a:t>
             </a:fld>
             <a:endParaRPr kumimoji="1" lang="ja-JP" altLang="en-US"/>
           </a:p>
@@ -3532,7 +3532,7 @@
           <a:p>
             <a:fld id="{38CF457C-A655-4B46-9667-899D8A188CFD}" type="datetimeFigureOut">
               <a:rPr kumimoji="1" lang="ja-JP" altLang="en-US" smtClean="0"/>
-              <a:t>2024/7/17</a:t>
+              <a:t>2024/7/19</a:t>
             </a:fld>
             <a:endParaRPr kumimoji="1" lang="ja-JP" altLang="en-US"/>
           </a:p>
@@ -3786,7 +3786,7 @@
           <a:p>
             <a:fld id="{B8C65C57-92FB-BC43-A324-D710D72DFC87}" type="datetimeFigureOut">
               <a:rPr kumimoji="1" lang="ja-JP" altLang="en-US" smtClean="0"/>
-              <a:t>2024/7/17</a:t>
+              <a:t>2024/7/19</a:t>
             </a:fld>
             <a:endParaRPr kumimoji="1" lang="ja-JP" altLang="en-US"/>
           </a:p>
@@ -4090,7 +4090,7 @@
           <a:p>
             <a:fld id="{38CF457C-A655-4B46-9667-899D8A188CFD}" type="datetimeFigureOut">
               <a:rPr kumimoji="1" lang="ja-JP" altLang="en-US" smtClean="0"/>
-              <a:t>2024/7/17</a:t>
+              <a:t>2024/7/19</a:t>
             </a:fld>
             <a:endParaRPr kumimoji="1" lang="ja-JP" altLang="en-US"/>
           </a:p>
@@ -4320,7 +4320,7 @@
           <a:p>
             <a:fld id="{38CF457C-A655-4B46-9667-899D8A188CFD}" type="datetimeFigureOut">
               <a:rPr kumimoji="1" lang="ja-JP" altLang="en-US" smtClean="0"/>
-              <a:t>2024/7/17</a:t>
+              <a:t>2024/7/19</a:t>
             </a:fld>
             <a:endParaRPr kumimoji="1" lang="ja-JP" altLang="en-US"/>
           </a:p>
@@ -4560,7 +4560,7 @@
           <a:p>
             <a:fld id="{38CF457C-A655-4B46-9667-899D8A188CFD}" type="datetimeFigureOut">
               <a:rPr kumimoji="1" lang="ja-JP" altLang="en-US" smtClean="0"/>
-              <a:t>2024/7/17</a:t>
+              <a:t>2024/7/19</a:t>
             </a:fld>
             <a:endParaRPr kumimoji="1" lang="ja-JP" altLang="en-US"/>
           </a:p>
@@ -4849,7 +4849,7 @@
           <a:p>
             <a:fld id="{B8C65C57-92FB-BC43-A324-D710D72DFC87}" type="datetimeFigureOut">
               <a:rPr kumimoji="1" lang="ja-JP" altLang="en-US" smtClean="0"/>
-              <a:t>2024/7/17</a:t>
+              <a:t>2024/7/19</a:t>
             </a:fld>
             <a:endParaRPr kumimoji="1" lang="ja-JP" altLang="en-US"/>
           </a:p>
@@ -5216,7 +5216,7 @@
           <a:p>
             <a:fld id="{B8C65C57-92FB-BC43-A324-D710D72DFC87}" type="datetimeFigureOut">
               <a:rPr kumimoji="1" lang="ja-JP" altLang="en-US" smtClean="0"/>
-              <a:t>2024/7/17</a:t>
+              <a:t>2024/7/19</a:t>
             </a:fld>
             <a:endParaRPr kumimoji="1" lang="ja-JP" altLang="en-US"/>
           </a:p>
@@ -5731,7 +5731,7 @@
           <a:p>
             <a:fld id="{B8C65C57-92FB-BC43-A324-D710D72DFC87}" type="datetimeFigureOut">
               <a:rPr kumimoji="1" lang="ja-JP" altLang="en-US" smtClean="0"/>
-              <a:t>2024/7/17</a:t>
+              <a:t>2024/7/19</a:t>
             </a:fld>
             <a:endParaRPr kumimoji="1" lang="ja-JP" altLang="en-US"/>
           </a:p>
@@ -5904,7 +5904,7 @@
           <a:p>
             <a:fld id="{B8C65C57-92FB-BC43-A324-D710D72DFC87}" type="datetimeFigureOut">
               <a:rPr kumimoji="1" lang="ja-JP" altLang="en-US" smtClean="0"/>
-              <a:t>2024/7/17</a:t>
+              <a:t>2024/7/19</a:t>
             </a:fld>
             <a:endParaRPr kumimoji="1" lang="ja-JP" altLang="en-US"/>
           </a:p>
@@ -6375,7 +6375,7 @@
           <a:p>
             <a:fld id="{B8C65C57-92FB-BC43-A324-D710D72DFC87}" type="datetimeFigureOut">
               <a:rPr kumimoji="1" lang="ja-JP" altLang="en-US" smtClean="0"/>
-              <a:t>2024/7/17</a:t>
+              <a:t>2024/7/19</a:t>
             </a:fld>
             <a:endParaRPr kumimoji="1" lang="ja-JP" altLang="en-US"/>
           </a:p>
@@ -6696,7 +6696,7 @@
           <a:p>
             <a:fld id="{B8C65C57-92FB-BC43-A324-D710D72DFC87}" type="datetimeFigureOut">
               <a:rPr kumimoji="1" lang="ja-JP" altLang="en-US" smtClean="0"/>
-              <a:t>2024/7/17</a:t>
+              <a:t>2024/7/19</a:t>
             </a:fld>
             <a:endParaRPr kumimoji="1" lang="ja-JP" altLang="en-US"/>
           </a:p>
@@ -9559,7 +9559,7 @@
           <a:p>
             <a:fld id="{38CF457C-A655-4B46-9667-899D8A188CFD}" type="datetimeFigureOut">
               <a:rPr kumimoji="1" lang="ja-JP" altLang="en-US" smtClean="0"/>
-              <a:t>2024/7/17</a:t>
+              <a:t>2024/7/19</a:t>
             </a:fld>
             <a:endParaRPr kumimoji="1" lang="ja-JP" altLang="en-US"/>
           </a:p>
@@ -10914,7 +10914,7 @@
         </p:blipFill>
         <p:spPr>
           <a:xfrm>
-            <a:off x="376047" y="1541417"/>
+            <a:off x="387622" y="1541417"/>
             <a:ext cx="4048199" cy="3801292"/>
           </a:xfrm>
           <a:prstGeom prst="rect">
@@ -14882,20 +14882,6 @@
             <a:r>
               <a:rPr lang="ja-JP" altLang="en-US" dirty="0"/>
               <a:t>歳</a:t>
-            </a:r>
-            <a:endParaRPr lang="en-US" altLang="ja-JP" dirty="0"/>
-          </a:p>
-          <a:p>
-            <a:r>
-              <a:rPr lang="ja-JP" altLang="en-US" dirty="0"/>
-              <a:t>愛媛県今治市出身の名古屋市在住</a:t>
-            </a:r>
-            <a:endParaRPr lang="en-US" altLang="ja-JP" dirty="0"/>
-          </a:p>
-          <a:p>
-            <a:r>
-              <a:rPr lang="ja-JP" altLang="en-US" dirty="0"/>
-              <a:t>元自転車選手のフィドル（🎻）弾き</a:t>
             </a:r>
             <a:endParaRPr lang="en-US" altLang="ja-JP" dirty="0"/>
           </a:p>
@@ -15326,48 +15312,6 @@
           </p:spPr>
         </p:pic>
       </p:grpSp>
-      <p:sp>
-        <p:nvSpPr>
-          <p:cNvPr id="5" name="テキスト ボックス 4">
-            <a:extLst>
-              <a:ext uri="{FF2B5EF4-FFF2-40B4-BE49-F238E27FC236}">
-                <a16:creationId xmlns:a16="http://schemas.microsoft.com/office/drawing/2014/main" id="{7D0220F5-5CB9-8F40-E211-ABB1764DC64A}"/>
-              </a:ext>
-            </a:extLst>
-          </p:cNvPr>
-          <p:cNvSpPr txBox="1"/>
-          <p:nvPr/>
-        </p:nvSpPr>
-        <p:spPr>
-          <a:xfrm>
-            <a:off x="8486142" y="3742035"/>
-            <a:ext cx="1957587" cy="461665"/>
-          </a:xfrm>
-          <a:prstGeom prst="rect">
-            <a:avLst/>
-          </a:prstGeom>
-          <a:noFill/>
-        </p:spPr>
-        <p:txBody>
-          <a:bodyPr wrap="none" rtlCol="0">
-            <a:spAutoFit/>
-          </a:bodyPr>
-          <a:lstStyle/>
-          <a:p>
-            <a:r>
-              <a:rPr kumimoji="1" lang="en-US" altLang="ja-JP" sz="2400" dirty="0">
-                <a:latin typeface="Meiryo UI" panose="020B0604030504040204" pitchFamily="34" charset="-128"/>
-                <a:ea typeface="Meiryo UI" panose="020B0604030504040204" pitchFamily="34" charset="-128"/>
-              </a:rPr>
-              <a:t>Shinji Ikeda</a:t>
-            </a:r>
-            <a:endParaRPr kumimoji="1" lang="ja-JP" altLang="en-US" sz="2400">
-              <a:latin typeface="Meiryo UI" panose="020B0604030504040204" pitchFamily="34" charset="-128"/>
-              <a:ea typeface="Meiryo UI" panose="020B0604030504040204" pitchFamily="34" charset="-128"/>
-            </a:endParaRPr>
-          </a:p>
-        </p:txBody>
-      </p:sp>
     </p:spTree>
     <p:extLst>
       <p:ext uri="{BB962C8B-B14F-4D97-AF65-F5344CB8AC3E}">
